--- a/PP Công nghệ phần mềm.pptx
+++ b/PP Công nghệ phần mềm.pptx
@@ -927,7 +927,7 @@
           <a:p>
             <a:fld id="{55208BEB-82B7-4A23-9820-1F155DAA6E1D}" type="datetimeFigureOut">
               <a:rPr lang="en-US" smtClean="0"/>
-              <a:t>12/4/2020</a:t>
+              <a:t>12/5/2020</a:t>
             </a:fld>
             <a:endParaRPr lang="en-US"/>
           </a:p>
@@ -1178,7 +1178,7 @@
           <a:p>
             <a:fld id="{55208BEB-82B7-4A23-9820-1F155DAA6E1D}" type="datetimeFigureOut">
               <a:rPr lang="en-US" smtClean="0"/>
-              <a:t>12/4/2020</a:t>
+              <a:t>12/5/2020</a:t>
             </a:fld>
             <a:endParaRPr lang="en-US"/>
           </a:p>
@@ -1492,7 +1492,7 @@
           <a:p>
             <a:fld id="{55208BEB-82B7-4A23-9820-1F155DAA6E1D}" type="datetimeFigureOut">
               <a:rPr lang="en-US" smtClean="0"/>
-              <a:t>12/4/2020</a:t>
+              <a:t>12/5/2020</a:t>
             </a:fld>
             <a:endParaRPr lang="en-US"/>
           </a:p>
@@ -1833,7 +1833,7 @@
           <a:p>
             <a:fld id="{55208BEB-82B7-4A23-9820-1F155DAA6E1D}" type="datetimeFigureOut">
               <a:rPr lang="en-US" smtClean="0"/>
-              <a:t>12/4/2020</a:t>
+              <a:t>12/5/2020</a:t>
             </a:fld>
             <a:endParaRPr lang="en-US"/>
           </a:p>
@@ -2147,7 +2147,7 @@
           <a:p>
             <a:fld id="{55208BEB-82B7-4A23-9820-1F155DAA6E1D}" type="datetimeFigureOut">
               <a:rPr lang="en-US" smtClean="0"/>
-              <a:t>12/4/2020</a:t>
+              <a:t>12/5/2020</a:t>
             </a:fld>
             <a:endParaRPr lang="en-US"/>
           </a:p>
@@ -2540,7 +2540,7 @@
           <a:p>
             <a:fld id="{55208BEB-82B7-4A23-9820-1F155DAA6E1D}" type="datetimeFigureOut">
               <a:rPr lang="en-US" smtClean="0"/>
-              <a:t>12/4/2020</a:t>
+              <a:t>12/5/2020</a:t>
             </a:fld>
             <a:endParaRPr lang="en-US"/>
           </a:p>
@@ -2710,7 +2710,7 @@
           <a:p>
             <a:fld id="{55208BEB-82B7-4A23-9820-1F155DAA6E1D}" type="datetimeFigureOut">
               <a:rPr lang="en-US" smtClean="0"/>
-              <a:t>12/4/2020</a:t>
+              <a:t>12/5/2020</a:t>
             </a:fld>
             <a:endParaRPr lang="en-US"/>
           </a:p>
@@ -2890,7 +2890,7 @@
           <a:p>
             <a:fld id="{55208BEB-82B7-4A23-9820-1F155DAA6E1D}" type="datetimeFigureOut">
               <a:rPr lang="en-US" smtClean="0"/>
-              <a:t>12/4/2020</a:t>
+              <a:t>12/5/2020</a:t>
             </a:fld>
             <a:endParaRPr lang="en-US"/>
           </a:p>
@@ -3066,7 +3066,7 @@
           <a:p>
             <a:fld id="{55208BEB-82B7-4A23-9820-1F155DAA6E1D}" type="datetimeFigureOut">
               <a:rPr lang="en-US" smtClean="0"/>
-              <a:t>12/4/2020</a:t>
+              <a:t>12/5/2020</a:t>
             </a:fld>
             <a:endParaRPr lang="en-US"/>
           </a:p>
@@ -3313,7 +3313,7 @@
           <a:p>
             <a:fld id="{55208BEB-82B7-4A23-9820-1F155DAA6E1D}" type="datetimeFigureOut">
               <a:rPr lang="en-US" smtClean="0"/>
-              <a:t>12/4/2020</a:t>
+              <a:t>12/5/2020</a:t>
             </a:fld>
             <a:endParaRPr lang="en-US"/>
           </a:p>
@@ -3545,7 +3545,7 @@
           <a:p>
             <a:fld id="{55208BEB-82B7-4A23-9820-1F155DAA6E1D}" type="datetimeFigureOut">
               <a:rPr lang="en-US" smtClean="0"/>
-              <a:t>12/4/2020</a:t>
+              <a:t>12/5/2020</a:t>
             </a:fld>
             <a:endParaRPr lang="en-US"/>
           </a:p>
@@ -3919,7 +3919,7 @@
           <a:p>
             <a:fld id="{55208BEB-82B7-4A23-9820-1F155DAA6E1D}" type="datetimeFigureOut">
               <a:rPr lang="en-US" smtClean="0"/>
-              <a:t>12/4/2020</a:t>
+              <a:t>12/5/2020</a:t>
             </a:fld>
             <a:endParaRPr lang="en-US"/>
           </a:p>
@@ -4042,7 +4042,7 @@
           <a:p>
             <a:fld id="{55208BEB-82B7-4A23-9820-1F155DAA6E1D}" type="datetimeFigureOut">
               <a:rPr lang="en-US" smtClean="0"/>
-              <a:t>12/4/2020</a:t>
+              <a:t>12/5/2020</a:t>
             </a:fld>
             <a:endParaRPr lang="en-US"/>
           </a:p>
@@ -4137,7 +4137,7 @@
           <a:p>
             <a:fld id="{55208BEB-82B7-4A23-9820-1F155DAA6E1D}" type="datetimeFigureOut">
               <a:rPr lang="en-US" smtClean="0"/>
-              <a:t>12/4/2020</a:t>
+              <a:t>12/5/2020</a:t>
             </a:fld>
             <a:endParaRPr lang="en-US"/>
           </a:p>
@@ -4392,7 +4392,7 @@
           <a:p>
             <a:fld id="{55208BEB-82B7-4A23-9820-1F155DAA6E1D}" type="datetimeFigureOut">
               <a:rPr lang="en-US" smtClean="0"/>
-              <a:t>12/4/2020</a:t>
+              <a:t>12/5/2020</a:t>
             </a:fld>
             <a:endParaRPr lang="en-US"/>
           </a:p>
@@ -4655,7 +4655,7 @@
           <a:p>
             <a:fld id="{55208BEB-82B7-4A23-9820-1F155DAA6E1D}" type="datetimeFigureOut">
               <a:rPr lang="en-US" smtClean="0"/>
-              <a:t>12/4/2020</a:t>
+              <a:t>12/5/2020</a:t>
             </a:fld>
             <a:endParaRPr lang="en-US"/>
           </a:p>
@@ -5398,7 +5398,7 @@
           <a:p>
             <a:fld id="{55208BEB-82B7-4A23-9820-1F155DAA6E1D}" type="datetimeFigureOut">
               <a:rPr lang="en-US" smtClean="0"/>
-              <a:t>12/4/2020</a:t>
+              <a:t>12/5/2020</a:t>
             </a:fld>
             <a:endParaRPr lang="en-US"/>
           </a:p>
@@ -7472,14 +7472,14 @@
           <p:nvPr>
             <p:extLst>
               <p:ext uri="{D42A27DB-BD31-4B8C-83A1-F6EECF244321}">
-                <p14:modId xmlns:p14="http://schemas.microsoft.com/office/powerpoint/2010/main" val="2231406838"/>
+                <p14:modId xmlns:p14="http://schemas.microsoft.com/office/powerpoint/2010/main" val="60109276"/>
               </p:ext>
             </p:extLst>
           </p:nvPr>
         </p:nvGraphicFramePr>
         <p:xfrm>
           <a:off x="911668" y="1707227"/>
-          <a:ext cx="8127999" cy="4124960"/>
+          <a:ext cx="8127999" cy="4577080"/>
         </p:xfrm>
         <a:graphic>
           <a:graphicData uri="http://schemas.openxmlformats.org/drawingml/2006/table">
@@ -7674,41 +7674,76 @@
                       </a:r>
                       <a:r>
                         <a:rPr lang="en-US" sz="1200" dirty="0" err="1"/>
-                        <a:t>mục</a:t>
-                      </a:r>
-                      <a:r>
-                        <a:rPr lang="en-US" sz="1200" dirty="0"/>
-                        <a:t> </a:t>
-                      </a:r>
-                      <a:r>
-                        <a:rPr lang="en-US" sz="1200" dirty="0" err="1"/>
-                        <a:t>khi</a:t>
-                      </a:r>
-                      <a:r>
-                        <a:rPr lang="en-US" sz="1200" dirty="0"/>
-                        <a:t> </a:t>
-                      </a:r>
-                      <a:r>
-                        <a:rPr lang="en-US" sz="1200" dirty="0" err="1"/>
-                        <a:t>có</a:t>
-                      </a:r>
-                      <a:r>
-                        <a:rPr lang="en-US" sz="1200" dirty="0"/>
-                        <a:t> </a:t>
-                      </a:r>
-                      <a:r>
-                        <a:rPr lang="en-US" sz="1200" dirty="0" err="1"/>
-                        <a:t>nhu</a:t>
-                      </a:r>
-                      <a:r>
-                        <a:rPr lang="en-US" sz="1200" dirty="0"/>
-                        <a:t> </a:t>
-                      </a:r>
-                      <a:r>
-                        <a:rPr lang="en-US" sz="1200" dirty="0" err="1"/>
-                        <a:t>cầu</a:t>
-                      </a:r>
-                      <a:endParaRPr lang="en-US" sz="1200" dirty="0"/>
+                        <a:t>mục,danh</a:t>
+                      </a:r>
+                      <a:r>
+                        <a:rPr lang="en-US" sz="1200" dirty="0"/>
+                        <a:t> </a:t>
+                      </a:r>
+                      <a:r>
+                        <a:rPr lang="en-US" sz="1200" dirty="0" err="1"/>
+                        <a:t>sách,hóa</a:t>
+                      </a:r>
+                      <a:r>
+                        <a:rPr lang="en-US" sz="1200" dirty="0"/>
+                        <a:t> </a:t>
+                      </a:r>
+                      <a:r>
+                        <a:rPr lang="en-US" sz="1200" dirty="0" err="1"/>
+                        <a:t>đơn,phiếu</a:t>
+                      </a:r>
+                      <a:r>
+                        <a:rPr lang="en-US" sz="1200" dirty="0"/>
+                        <a:t> </a:t>
+                      </a:r>
+                      <a:r>
+                        <a:rPr lang="en-US" sz="1200" dirty="0" err="1"/>
+                        <a:t>nhập</a:t>
+                      </a:r>
+                      <a:r>
+                        <a:rPr lang="en-US" sz="1200" dirty="0"/>
+                        <a:t> </a:t>
+                      </a:r>
+                      <a:r>
+                        <a:rPr lang="en-US" sz="1200" dirty="0" err="1"/>
+                        <a:t>hàng,phiếu</a:t>
+                      </a:r>
+                      <a:r>
+                        <a:rPr lang="en-US" sz="1200" dirty="0"/>
+                        <a:t> </a:t>
+                      </a:r>
+                      <a:r>
+                        <a:rPr lang="en-US" sz="1200" dirty="0" err="1"/>
+                        <a:t>đặt</a:t>
+                      </a:r>
+                      <a:r>
+                        <a:rPr lang="en-US" sz="1200" dirty="0"/>
+                        <a:t> </a:t>
+                      </a:r>
+                      <a:r>
+                        <a:rPr lang="en-US" sz="1200" dirty="0" err="1"/>
+                        <a:t>hàng,phiếu</a:t>
+                      </a:r>
+                      <a:r>
+                        <a:rPr lang="en-US" sz="1200" dirty="0"/>
+                        <a:t> </a:t>
+                      </a:r>
+                      <a:r>
+                        <a:rPr lang="en-US" sz="1200" dirty="0" err="1"/>
+                        <a:t>trả</a:t>
+                      </a:r>
+                      <a:r>
+                        <a:rPr lang="en-US" sz="1200" dirty="0"/>
+                        <a:t> </a:t>
+                      </a:r>
+                      <a:r>
+                        <a:rPr lang="en-US" sz="1200" dirty="0" err="1"/>
+                        <a:t>hàng</a:t>
+                      </a:r>
+                      <a:r>
+                        <a:rPr lang="en-US" sz="1200" dirty="0"/>
+                        <a:t>.</a:t>
+                      </a:r>
                     </a:p>
                   </a:txBody>
                   <a:tcPr/>
@@ -7922,9 +7957,28 @@
                       </a:r>
                       <a:r>
                         <a:rPr lang="en-US" sz="1200" dirty="0" err="1"/>
-                        <a:t>nợ</a:t>
-                      </a:r>
-                      <a:endParaRPr lang="en-US" sz="1200" dirty="0"/>
+                        <a:t>nợ,nhà</a:t>
+                      </a:r>
+                      <a:r>
+                        <a:rPr lang="en-US" sz="1200" dirty="0"/>
+                        <a:t> </a:t>
+                      </a:r>
+                      <a:r>
+                        <a:rPr lang="en-US" sz="1200" dirty="0" err="1"/>
+                        <a:t>cung</a:t>
+                      </a:r>
+                      <a:r>
+                        <a:rPr lang="en-US" sz="1200" dirty="0"/>
+                        <a:t> </a:t>
+                      </a:r>
+                      <a:r>
+                        <a:rPr lang="en-US" sz="1200" dirty="0" err="1"/>
+                        <a:t>cấp</a:t>
+                      </a:r>
+                      <a:r>
+                        <a:rPr lang="en-US" sz="1200" dirty="0"/>
+                        <a:t>.</a:t>
+                      </a:r>
                     </a:p>
                   </a:txBody>
                   <a:tcPr/>
@@ -8082,31 +8136,23 @@
                       </a:r>
                       <a:r>
                         <a:rPr lang="en-US" sz="1200" dirty="0" err="1"/>
-                        <a:t>kiểm</a:t>
-                      </a:r>
-                      <a:r>
-                        <a:rPr lang="en-US" sz="1200" dirty="0"/>
-                        <a:t> </a:t>
-                      </a:r>
-                      <a:r>
-                        <a:rPr lang="en-US" sz="1200" dirty="0" err="1"/>
-                        <a:t>tra</a:t>
-                      </a:r>
-                      <a:r>
-                        <a:rPr lang="en-US" sz="1200" dirty="0"/>
-                        <a:t> </a:t>
-                      </a:r>
-                      <a:r>
-                        <a:rPr lang="en-US" sz="1200" dirty="0" err="1"/>
-                        <a:t>chất</a:t>
-                      </a:r>
-                      <a:r>
-                        <a:rPr lang="en-US" sz="1200" dirty="0"/>
-                        <a:t> </a:t>
-                      </a:r>
-                      <a:r>
-                        <a:rPr lang="en-US" sz="1200" dirty="0" err="1"/>
-                        <a:t>lượng</a:t>
+                        <a:t>tạo</a:t>
+                      </a:r>
+                      <a:r>
+                        <a:rPr lang="en-US" sz="1200" dirty="0"/>
+                        <a:t> </a:t>
+                      </a:r>
+                      <a:r>
+                        <a:rPr lang="en-US" sz="1200" dirty="0" err="1"/>
+                        <a:t>phiếu</a:t>
+                      </a:r>
+                      <a:r>
+                        <a:rPr lang="en-US" sz="1200" dirty="0"/>
+                        <a:t> </a:t>
+                      </a:r>
+                      <a:r>
+                        <a:rPr lang="en-US" sz="1200" dirty="0" err="1"/>
+                        <a:t>nhập</a:t>
                       </a:r>
                       <a:r>
                         <a:rPr lang="en-US" sz="1200" dirty="0"/>
@@ -8122,23 +8168,39 @@
                       </a:r>
                       <a:r>
                         <a:rPr lang="en-US" sz="1200" dirty="0" err="1"/>
-                        <a:t>nhập</a:t>
-                      </a:r>
-                      <a:r>
-                        <a:rPr lang="en-US" sz="1200" dirty="0"/>
-                        <a:t> </a:t>
-                      </a:r>
-                      <a:r>
-                        <a:rPr lang="en-US" sz="1200" dirty="0" err="1"/>
-                        <a:t>vào</a:t>
-                      </a:r>
-                      <a:r>
-                        <a:rPr lang="en-US" sz="1200" dirty="0"/>
-                        <a:t> </a:t>
-                      </a:r>
-                      <a:r>
-                        <a:rPr lang="en-US" sz="1200" dirty="0" err="1"/>
-                        <a:t>kho</a:t>
+                        <a:t>kê</a:t>
+                      </a:r>
+                      <a:r>
+                        <a:rPr lang="en-US" sz="1200" dirty="0"/>
+                        <a:t> </a:t>
+                      </a:r>
+                      <a:r>
+                        <a:rPr lang="en-US" sz="1200" dirty="0" err="1"/>
+                        <a:t>hàng</a:t>
+                      </a:r>
+                      <a:r>
+                        <a:rPr lang="en-US" sz="1200" dirty="0"/>
+                        <a:t> </a:t>
+                      </a:r>
+                      <a:r>
+                        <a:rPr lang="en-US" sz="1200" dirty="0" err="1"/>
+                        <a:t>đúng</a:t>
+                      </a:r>
+                      <a:r>
+                        <a:rPr lang="en-US" sz="1200" dirty="0"/>
+                        <a:t> </a:t>
+                      </a:r>
+                      <a:r>
+                        <a:rPr lang="en-US" sz="1200" dirty="0" err="1"/>
+                        <a:t>yêu</a:t>
+                      </a:r>
+                      <a:r>
+                        <a:rPr lang="en-US" sz="1200" dirty="0"/>
+                        <a:t> </a:t>
+                      </a:r>
+                      <a:r>
+                        <a:rPr lang="en-US" sz="1200" dirty="0" err="1"/>
+                        <a:t>cầu</a:t>
                       </a:r>
                       <a:r>
                         <a:rPr lang="en-US" sz="1200" dirty="0"/>
@@ -8923,7 +8985,7 @@
                       </a:r>
                       <a:r>
                         <a:rPr lang="en-US" sz="1200" dirty="0" err="1"/>
-                        <a:t>nhập</a:t>
+                        <a:t>đặt</a:t>
                       </a:r>
                       <a:r>
                         <a:rPr lang="en-US" sz="1200" dirty="0"/>
@@ -8956,6 +9018,22 @@
                       <a:r>
                         <a:rPr lang="en-US" sz="1200" dirty="0" err="1"/>
                         <a:t>nhật</a:t>
+                      </a:r>
+                      <a:r>
+                        <a:rPr lang="en-US" sz="1200" dirty="0"/>
+                        <a:t> </a:t>
+                      </a:r>
+                      <a:r>
+                        <a:rPr lang="en-US" sz="1200" dirty="0" err="1"/>
+                        <a:t>số</a:t>
+                      </a:r>
+                      <a:r>
+                        <a:rPr lang="en-US" sz="1200" dirty="0"/>
+                        <a:t> </a:t>
+                      </a:r>
+                      <a:r>
+                        <a:rPr lang="en-US" sz="1200" dirty="0" err="1"/>
+                        <a:t>lượng</a:t>
                       </a:r>
                       <a:r>
                         <a:rPr lang="en-US" sz="1200" dirty="0"/>
@@ -9163,8 +9241,125 @@
                       </a:r>
                       <a:r>
                         <a:rPr lang="en-US" sz="1200" dirty="0"/>
-                        <a:t> chi,…</a:t>
-                      </a:r>
+                        <a:t> </a:t>
+                      </a:r>
+                      <a:r>
+                        <a:rPr lang="en-US" sz="1200" dirty="0" err="1"/>
+                        <a:t>chi,thống</a:t>
+                      </a:r>
+                      <a:r>
+                        <a:rPr lang="en-US" sz="1200" dirty="0"/>
+                        <a:t> </a:t>
+                      </a:r>
+                      <a:r>
+                        <a:rPr lang="en-US" sz="1200" dirty="0" err="1"/>
+                        <a:t>kê</a:t>
+                      </a:r>
+                      <a:r>
+                        <a:rPr lang="en-US" sz="1200" dirty="0"/>
+                        <a:t> </a:t>
+                      </a:r>
+                      <a:r>
+                        <a:rPr lang="en-US" sz="1200" dirty="0" err="1"/>
+                        <a:t>sản</a:t>
+                      </a:r>
+                      <a:r>
+                        <a:rPr lang="en-US" sz="1200" dirty="0"/>
+                        <a:t> </a:t>
+                      </a:r>
+                      <a:r>
+                        <a:rPr lang="en-US" sz="1200" dirty="0" err="1"/>
+                        <a:t>phẩm,thống</a:t>
+                      </a:r>
+                      <a:r>
+                        <a:rPr lang="en-US" sz="1200" dirty="0"/>
+                        <a:t> </a:t>
+                      </a:r>
+                      <a:r>
+                        <a:rPr lang="en-US" sz="1200" dirty="0" err="1"/>
+                        <a:t>kê</a:t>
+                      </a:r>
+                      <a:r>
+                        <a:rPr lang="en-US" sz="1200" dirty="0"/>
+                        <a:t> </a:t>
+                      </a:r>
+                      <a:r>
+                        <a:rPr lang="en-US" sz="1200" dirty="0" err="1"/>
+                        <a:t>lợi</a:t>
+                      </a:r>
+                      <a:r>
+                        <a:rPr lang="en-US" sz="1200" dirty="0"/>
+                        <a:t> </a:t>
+                      </a:r>
+                      <a:r>
+                        <a:rPr lang="en-US" sz="1200" dirty="0" err="1"/>
+                        <a:t>nhuận,thống</a:t>
+                      </a:r>
+                      <a:r>
+                        <a:rPr lang="en-US" sz="1200" dirty="0"/>
+                        <a:t> </a:t>
+                      </a:r>
+                      <a:r>
+                        <a:rPr lang="en-US" sz="1200" dirty="0" err="1"/>
+                        <a:t>kê</a:t>
+                      </a:r>
+                      <a:r>
+                        <a:rPr lang="en-US" sz="1200" dirty="0"/>
+                        <a:t> </a:t>
+                      </a:r>
+                      <a:r>
+                        <a:rPr lang="en-US" sz="1200" dirty="0" err="1"/>
+                        <a:t>công</a:t>
+                      </a:r>
+                      <a:r>
+                        <a:rPr lang="en-US" sz="1200" dirty="0"/>
+                        <a:t> </a:t>
+                      </a:r>
+                      <a:r>
+                        <a:rPr lang="en-US" sz="1200" dirty="0" err="1"/>
+                        <a:t>nợ,thống</a:t>
+                      </a:r>
+                      <a:r>
+                        <a:rPr lang="en-US" sz="1200" dirty="0"/>
+                        <a:t> </a:t>
+                      </a:r>
+                      <a:r>
+                        <a:rPr lang="en-US" sz="1200" dirty="0" err="1"/>
+                        <a:t>kê</a:t>
+                      </a:r>
+                      <a:r>
+                        <a:rPr lang="en-US" sz="1200" dirty="0"/>
+                        <a:t> </a:t>
+                      </a:r>
+                      <a:r>
+                        <a:rPr lang="en-US" sz="1200" dirty="0" err="1"/>
+                        <a:t>hàng</a:t>
+                      </a:r>
+                      <a:r>
+                        <a:rPr lang="en-US" sz="1200" dirty="0"/>
+                        <a:t> </a:t>
+                      </a:r>
+                      <a:r>
+                        <a:rPr lang="en-US" sz="1200" dirty="0" err="1"/>
+                        <a:t>hóa</a:t>
+                      </a:r>
+                      <a:r>
+                        <a:rPr lang="en-US" sz="1200" dirty="0"/>
+                        <a:t> </a:t>
+                      </a:r>
+                      <a:r>
+                        <a:rPr lang="en-US" sz="1200" dirty="0" err="1"/>
+                        <a:t>tồn</a:t>
+                      </a:r>
+                      <a:r>
+                        <a:rPr lang="en-US" sz="1200" dirty="0"/>
+                        <a:t> </a:t>
+                      </a:r>
+                      <a:r>
+                        <a:rPr lang="en-US" sz="1200" dirty="0" err="1"/>
+                        <a:t>kho</a:t>
+                      </a:r>
+                      <a:endParaRPr lang="en-US" sz="1200" dirty="0"/>
                     </a:p>
                   </a:txBody>
                   <a:tcPr/>
@@ -9339,27 +9534,75 @@
                       </a:r>
                       <a:r>
                         <a:rPr lang="en-US" sz="1200" dirty="0" err="1"/>
-                        <a:t>quản</a:t>
-                      </a:r>
-                      <a:r>
-                        <a:rPr lang="en-US" sz="1200" dirty="0"/>
-                        <a:t> </a:t>
-                      </a:r>
-                      <a:r>
-                        <a:rPr lang="en-US" sz="1200" dirty="0" err="1"/>
-                        <a:t>lý</a:t>
-                      </a:r>
-                      <a:r>
-                        <a:rPr lang="en-US" sz="1200" dirty="0"/>
-                        <a:t> </a:t>
-                      </a:r>
-                      <a:r>
-                        <a:rPr lang="en-US" sz="1200" dirty="0" err="1"/>
-                        <a:t>giờ</a:t>
-                      </a:r>
-                      <a:r>
-                        <a:rPr lang="en-US" sz="1200" dirty="0"/>
-                        <a:t> </a:t>
+                        <a:t>sắp</a:t>
+                      </a:r>
+                      <a:r>
+                        <a:rPr lang="en-US" sz="1200" dirty="0"/>
+                        <a:t> </a:t>
+                      </a:r>
+                      <a:r>
+                        <a:rPr lang="en-US" sz="1200" dirty="0" err="1"/>
+                        <a:t>xếp</a:t>
+                      </a:r>
+                      <a:r>
+                        <a:rPr lang="en-US" sz="1200" dirty="0"/>
+                        <a:t> ca </a:t>
+                      </a:r>
+                      <a:r>
+                        <a:rPr lang="en-US" sz="1200" dirty="0" err="1"/>
+                        <a:t>làm</a:t>
+                      </a:r>
+                      <a:r>
+                        <a:rPr lang="en-US" sz="1200" dirty="0"/>
+                        <a:t> </a:t>
+                      </a:r>
+                      <a:r>
+                        <a:rPr lang="en-US" sz="1200" dirty="0" err="1"/>
+                        <a:t>của</a:t>
+                      </a:r>
+                      <a:r>
+                        <a:rPr lang="en-US" sz="1200" dirty="0"/>
+                        <a:t> </a:t>
+                      </a:r>
+                      <a:r>
+                        <a:rPr lang="en-US" sz="1200" dirty="0" err="1"/>
+                        <a:t>nhân</a:t>
+                      </a:r>
+                      <a:r>
+                        <a:rPr lang="en-US" sz="1200" dirty="0"/>
+                        <a:t> </a:t>
+                      </a:r>
+                      <a:r>
+                        <a:rPr lang="en-US" sz="1200" dirty="0" err="1"/>
+                        <a:t>viên,xem</a:t>
+                      </a:r>
+                      <a:r>
+                        <a:rPr lang="en-US" sz="1200" dirty="0"/>
+                        <a:t> </a:t>
+                      </a:r>
+                      <a:r>
+                        <a:rPr lang="en-US" sz="1200" dirty="0" err="1"/>
+                        <a:t>được</a:t>
+                      </a:r>
+                      <a:r>
+                        <a:rPr lang="en-US" sz="1200" dirty="0"/>
+                        <a:t> </a:t>
+                      </a:r>
+                      <a:r>
+                        <a:rPr lang="en-US" sz="1200" dirty="0" err="1"/>
+                        <a:t>danh</a:t>
+                      </a:r>
+                      <a:r>
+                        <a:rPr lang="en-US" sz="1200" dirty="0"/>
+                        <a:t> </a:t>
+                      </a:r>
+                      <a:r>
+                        <a:rPr lang="en-US" sz="1200" dirty="0" err="1"/>
+                        <a:t>sách</a:t>
+                      </a:r>
+                      <a:r>
+                        <a:rPr lang="en-US" sz="1200" dirty="0"/>
+                        <a:t> ca </a:t>
                       </a:r>
                       <a:r>
                         <a:rPr lang="en-US" sz="1200" dirty="0" err="1"/>
@@ -9701,10 +9944,10 @@
       </p:sp>
       <p:pic>
         <p:nvPicPr>
-          <p:cNvPr id="7" name="Picture 6">
+          <p:cNvPr id="3" name="Picture 2">
             <a:extLst>
               <a:ext uri="{FF2B5EF4-FFF2-40B4-BE49-F238E27FC236}">
-                <a16:creationId xmlns:a16="http://schemas.microsoft.com/office/drawing/2014/main" id="{4D68B865-DAEC-4E60-935D-3082BE6CB6E3}"/>
+                <a16:creationId xmlns:a16="http://schemas.microsoft.com/office/drawing/2014/main" id="{5D19BADF-29FE-49F7-8442-7F9F114B7A2B}"/>
               </a:ext>
             </a:extLst>
           </p:cNvPr>
@@ -9721,8 +9964,8 @@
         </p:blipFill>
         <p:spPr>
           <a:xfrm>
-            <a:off x="677334" y="1270000"/>
-            <a:ext cx="8681270" cy="5025106"/>
+            <a:off x="677334" y="1241639"/>
+            <a:ext cx="9287760" cy="5616361"/>
           </a:xfrm>
           <a:prstGeom prst="rect">
             <a:avLst/>
@@ -10482,362 +10725,550 @@
         <p:spPr/>
         <p:txBody>
           <a:bodyPr>
-            <a:normAutofit fontScale="92500" lnSpcReduction="20000"/>
+            <a:noAutofit/>
           </a:bodyPr>
           <a:lstStyle/>
           <a:p>
             <a:r>
-              <a:rPr lang="en-US" dirty="0"/>
+              <a:rPr lang="en-US" sz="1600" dirty="0"/>
               <a:t>a)</a:t>
             </a:r>
             <a:r>
-              <a:rPr lang="en-US" dirty="0" err="1"/>
+              <a:rPr lang="en-US" sz="1600" dirty="0" err="1"/>
               <a:t>Phần</a:t>
             </a:r>
             <a:r>
-              <a:rPr lang="en-US" dirty="0"/>
-              <a:t> </a:t>
-            </a:r>
-            <a:r>
-              <a:rPr lang="en-US" dirty="0" err="1"/>
+              <a:rPr lang="en-US" sz="1600" dirty="0"/>
+              <a:t> </a:t>
+            </a:r>
+            <a:r>
+              <a:rPr lang="en-US" sz="1600" dirty="0" err="1"/>
               <a:t>mềm</a:t>
             </a:r>
             <a:r>
-              <a:rPr lang="en-US" dirty="0"/>
-              <a:t> </a:t>
-            </a:r>
-            <a:r>
-              <a:rPr lang="en-US" dirty="0" err="1"/>
+              <a:rPr lang="en-US" sz="1600" dirty="0"/>
+              <a:t> </a:t>
+            </a:r>
+            <a:r>
+              <a:rPr lang="en-US" sz="1600" dirty="0" err="1"/>
               <a:t>giúp</a:t>
             </a:r>
             <a:r>
-              <a:rPr lang="en-US" dirty="0"/>
-              <a:t> </a:t>
-            </a:r>
-            <a:r>
-              <a:rPr lang="en-US" dirty="0" err="1"/>
+              <a:rPr lang="en-US" sz="1600" dirty="0"/>
+              <a:t> </a:t>
+            </a:r>
+            <a:r>
+              <a:rPr lang="en-US" sz="1600" dirty="0" err="1"/>
               <a:t>điều</a:t>
             </a:r>
             <a:r>
-              <a:rPr lang="en-US" dirty="0"/>
-              <a:t> </a:t>
-            </a:r>
-            <a:r>
-              <a:rPr lang="en-US" dirty="0" err="1"/>
+              <a:rPr lang="en-US" sz="1600" dirty="0"/>
+              <a:t> </a:t>
+            </a:r>
+            <a:r>
+              <a:rPr lang="en-US" sz="1600" dirty="0" err="1"/>
               <a:t>phối</a:t>
             </a:r>
             <a:r>
-              <a:rPr lang="en-US" dirty="0"/>
-              <a:t> </a:t>
-            </a:r>
-            <a:r>
-              <a:rPr lang="en-US" dirty="0" err="1"/>
+              <a:rPr lang="en-US" sz="1600" dirty="0"/>
+              <a:t> </a:t>
+            </a:r>
+            <a:r>
+              <a:rPr lang="en-US" sz="1600" dirty="0" err="1"/>
               <a:t>hoạt</a:t>
             </a:r>
             <a:r>
-              <a:rPr lang="en-US" dirty="0"/>
-              <a:t> </a:t>
-            </a:r>
-            <a:r>
-              <a:rPr lang="en-US" dirty="0" err="1"/>
+              <a:rPr lang="en-US" sz="1600" dirty="0"/>
+              <a:t> </a:t>
+            </a:r>
+            <a:r>
+              <a:rPr lang="en-US" sz="1600" dirty="0" err="1"/>
               <a:t>động</a:t>
             </a:r>
             <a:r>
-              <a:rPr lang="en-US" dirty="0"/>
-              <a:t> </a:t>
-            </a:r>
-            <a:r>
-              <a:rPr lang="en-US" dirty="0" err="1"/>
+              <a:rPr lang="en-US" sz="1600" dirty="0"/>
+              <a:t> </a:t>
+            </a:r>
+            <a:r>
+              <a:rPr lang="en-US" sz="1600" dirty="0" err="1"/>
               <a:t>kinh</a:t>
             </a:r>
             <a:r>
-              <a:rPr lang="en-US" dirty="0"/>
-              <a:t> </a:t>
-            </a:r>
-            <a:r>
-              <a:rPr lang="en-US" dirty="0" err="1"/>
+              <a:rPr lang="en-US" sz="1600" dirty="0"/>
+              <a:t> </a:t>
+            </a:r>
+            <a:r>
+              <a:rPr lang="en-US" sz="1600" dirty="0" err="1"/>
               <a:t>doanh</a:t>
             </a:r>
             <a:r>
-              <a:rPr lang="en-US" dirty="0"/>
-              <a:t> </a:t>
-            </a:r>
-            <a:r>
-              <a:rPr lang="en-US" dirty="0" err="1"/>
+              <a:rPr lang="en-US" sz="1600" dirty="0"/>
+              <a:t> </a:t>
+            </a:r>
+            <a:r>
+              <a:rPr lang="en-US" sz="1600" dirty="0" err="1"/>
               <a:t>của</a:t>
             </a:r>
             <a:r>
-              <a:rPr lang="en-US" dirty="0"/>
-              <a:t> </a:t>
-            </a:r>
-            <a:r>
-              <a:rPr lang="en-US" dirty="0" err="1"/>
+              <a:rPr lang="en-US" sz="1600" dirty="0"/>
+              <a:t> </a:t>
+            </a:r>
+            <a:r>
+              <a:rPr lang="en-US" sz="1600" dirty="0" err="1"/>
               <a:t>cửa</a:t>
             </a:r>
             <a:r>
-              <a:rPr lang="en-US" dirty="0"/>
-              <a:t> </a:t>
-            </a:r>
-            <a:r>
-              <a:rPr lang="en-US" dirty="0" err="1"/>
+              <a:rPr lang="en-US" sz="1600" dirty="0"/>
+              <a:t> </a:t>
+            </a:r>
+            <a:r>
+              <a:rPr lang="en-US" sz="1600" dirty="0" err="1"/>
               <a:t>hàng,nhân</a:t>
             </a:r>
             <a:r>
-              <a:rPr lang="en-US" dirty="0"/>
-              <a:t> </a:t>
-            </a:r>
-            <a:r>
-              <a:rPr lang="en-US" dirty="0" err="1"/>
+              <a:rPr lang="en-US" sz="1600" dirty="0"/>
+              <a:t> </a:t>
+            </a:r>
+            <a:r>
+              <a:rPr lang="en-US" sz="1600" dirty="0" err="1"/>
               <a:t>sự,nguyên</a:t>
             </a:r>
             <a:r>
-              <a:rPr lang="en-US" dirty="0"/>
-              <a:t> </a:t>
-            </a:r>
-            <a:r>
-              <a:rPr lang="en-US" dirty="0" err="1"/>
+              <a:rPr lang="en-US" sz="1600" dirty="0"/>
+              <a:t> </a:t>
+            </a:r>
+            <a:r>
+              <a:rPr lang="en-US" sz="1600" dirty="0" err="1"/>
               <a:t>liệu,nợ</a:t>
             </a:r>
             <a:r>
-              <a:rPr lang="en-US" dirty="0"/>
-              <a:t> </a:t>
-            </a:r>
-            <a:r>
-              <a:rPr lang="en-US" dirty="0" err="1"/>
+              <a:rPr lang="en-US" sz="1600" dirty="0"/>
+              <a:t> </a:t>
+            </a:r>
+            <a:r>
+              <a:rPr lang="en-US" sz="1600" dirty="0" err="1"/>
               <a:t>công</a:t>
             </a:r>
             <a:r>
-              <a:rPr lang="en-US" dirty="0"/>
-              <a:t> </a:t>
-            </a:r>
-            <a:r>
-              <a:rPr lang="en-US" dirty="0" err="1"/>
+              <a:rPr lang="en-US" sz="1600" dirty="0"/>
+              <a:t> </a:t>
+            </a:r>
+            <a:r>
+              <a:rPr lang="en-US" sz="1600" dirty="0" err="1"/>
               <a:t>của</a:t>
             </a:r>
             <a:r>
-              <a:rPr lang="en-US" dirty="0"/>
-              <a:t> </a:t>
-            </a:r>
-            <a:r>
-              <a:rPr lang="en-US" dirty="0" err="1"/>
+              <a:rPr lang="en-US" sz="1600" dirty="0"/>
+              <a:t> </a:t>
+            </a:r>
+            <a:r>
+              <a:rPr lang="en-US" sz="1600" dirty="0" err="1"/>
               <a:t>của</a:t>
             </a:r>
             <a:r>
-              <a:rPr lang="en-US" dirty="0"/>
-              <a:t> </a:t>
-            </a:r>
-            <a:r>
-              <a:rPr lang="en-US" dirty="0" err="1"/>
+              <a:rPr lang="en-US" sz="1600" dirty="0"/>
+              <a:t> </a:t>
+            </a:r>
+            <a:r>
+              <a:rPr lang="en-US" sz="1600" dirty="0" err="1"/>
               <a:t>hàng</a:t>
             </a:r>
             <a:r>
-              <a:rPr lang="en-US" dirty="0"/>
+              <a:rPr lang="en-US" sz="1600" dirty="0"/>
               <a:t>.</a:t>
             </a:r>
           </a:p>
           <a:p>
             <a:r>
-              <a:rPr lang="en-US" dirty="0"/>
+              <a:rPr lang="en-US" sz="1600" dirty="0"/>
               <a:t>b)</a:t>
             </a:r>
             <a:r>
-              <a:rPr lang="en-US" dirty="0" err="1"/>
+              <a:rPr lang="en-US" sz="1600" dirty="0" err="1"/>
               <a:t>Hệ</a:t>
             </a:r>
             <a:r>
-              <a:rPr lang="en-US" dirty="0"/>
-              <a:t> </a:t>
-            </a:r>
-            <a:r>
-              <a:rPr lang="en-US" dirty="0" err="1"/>
+              <a:rPr lang="en-US" sz="1600" dirty="0"/>
+              <a:t> </a:t>
+            </a:r>
+            <a:r>
+              <a:rPr lang="en-US" sz="1600" dirty="0" err="1"/>
               <a:t>thống</a:t>
             </a:r>
             <a:r>
-              <a:rPr lang="en-US" dirty="0"/>
-              <a:t> </a:t>
-            </a:r>
-            <a:r>
-              <a:rPr lang="en-US" dirty="0" err="1"/>
+              <a:rPr lang="en-US" sz="1600" dirty="0"/>
+              <a:t> </a:t>
+            </a:r>
+            <a:r>
+              <a:rPr lang="en-US" sz="1600" dirty="0" err="1"/>
               <a:t>dành</a:t>
             </a:r>
             <a:r>
-              <a:rPr lang="en-US" dirty="0"/>
-              <a:t> </a:t>
-            </a:r>
-            <a:r>
-              <a:rPr lang="en-US" dirty="0" err="1"/>
+              <a:rPr lang="en-US" sz="1600" dirty="0"/>
+              <a:t> </a:t>
+            </a:r>
+            <a:r>
+              <a:rPr lang="en-US" sz="1600" dirty="0" err="1"/>
               <a:t>cho</a:t>
             </a:r>
             <a:r>
-              <a:rPr lang="en-US" dirty="0"/>
-              <a:t> </a:t>
-            </a:r>
-            <a:r>
-              <a:rPr lang="en-US" dirty="0" err="1"/>
+              <a:rPr lang="en-US" sz="1600" dirty="0"/>
+              <a:t> </a:t>
+            </a:r>
+            <a:r>
+              <a:rPr lang="en-US" sz="1600" dirty="0" err="1"/>
               <a:t>cửa</a:t>
             </a:r>
             <a:r>
-              <a:rPr lang="en-US" dirty="0"/>
-              <a:t> </a:t>
-            </a:r>
-            <a:r>
-              <a:rPr lang="en-US" dirty="0" err="1"/>
+              <a:rPr lang="en-US" sz="1600" dirty="0"/>
+              <a:t> </a:t>
+            </a:r>
+            <a:r>
+              <a:rPr lang="en-US" sz="1600" dirty="0" err="1"/>
               <a:t>hàng</a:t>
             </a:r>
             <a:r>
-              <a:rPr lang="en-US" dirty="0"/>
-              <a:t> </a:t>
-            </a:r>
-            <a:r>
-              <a:rPr lang="en-US" dirty="0" err="1"/>
+              <a:rPr lang="en-US" sz="1600" dirty="0"/>
+              <a:t> </a:t>
+            </a:r>
+            <a:r>
+              <a:rPr lang="en-US" sz="1600" dirty="0" err="1"/>
               <a:t>không</a:t>
             </a:r>
             <a:r>
-              <a:rPr lang="en-US" dirty="0"/>
-              <a:t> </a:t>
-            </a:r>
-            <a:r>
-              <a:rPr lang="en-US" dirty="0" err="1"/>
+              <a:rPr lang="en-US" sz="1600" dirty="0"/>
+              <a:t> </a:t>
+            </a:r>
+            <a:r>
+              <a:rPr lang="en-US" sz="1600" dirty="0" err="1"/>
               <a:t>có</a:t>
             </a:r>
             <a:r>
-              <a:rPr lang="en-US" dirty="0"/>
+              <a:rPr lang="en-US" sz="1600" dirty="0"/>
               <a:t> chi </a:t>
             </a:r>
             <a:r>
-              <a:rPr lang="en-US" dirty="0" err="1"/>
+              <a:rPr lang="en-US" sz="1600" dirty="0" err="1"/>
               <a:t>nhánh</a:t>
             </a:r>
             <a:r>
-              <a:rPr lang="en-US" dirty="0"/>
-              <a:t> </a:t>
-            </a:r>
-            <a:r>
-              <a:rPr lang="en-US" dirty="0" err="1"/>
+              <a:rPr lang="en-US" sz="1600" dirty="0"/>
+              <a:t> </a:t>
+            </a:r>
+            <a:r>
+              <a:rPr lang="en-US" sz="1600" dirty="0" err="1"/>
               <a:t>và</a:t>
             </a:r>
             <a:r>
-              <a:rPr lang="en-US" dirty="0"/>
-              <a:t> </a:t>
-            </a:r>
-            <a:r>
-              <a:rPr lang="en-US" dirty="0" err="1"/>
+              <a:rPr lang="en-US" sz="1600" dirty="0"/>
+              <a:t> </a:t>
+            </a:r>
+            <a:r>
+              <a:rPr lang="en-US" sz="1600" dirty="0" err="1"/>
               <a:t>quản</a:t>
             </a:r>
             <a:r>
-              <a:rPr lang="en-US" dirty="0"/>
-              <a:t> </a:t>
-            </a:r>
-            <a:r>
-              <a:rPr lang="en-US" dirty="0" err="1"/>
+              <a:rPr lang="en-US" sz="1600" dirty="0"/>
+              <a:t> </a:t>
+            </a:r>
+            <a:r>
+              <a:rPr lang="en-US" sz="1600" dirty="0" err="1"/>
               <a:t>lý</a:t>
             </a:r>
             <a:r>
-              <a:rPr lang="en-US" dirty="0"/>
-              <a:t> </a:t>
-            </a:r>
-            <a:r>
-              <a:rPr lang="en-US" dirty="0" err="1"/>
+              <a:rPr lang="en-US" sz="1600" dirty="0"/>
+              <a:t> </a:t>
+            </a:r>
+            <a:r>
+              <a:rPr lang="en-US" sz="1600" dirty="0" err="1"/>
               <a:t>là</a:t>
             </a:r>
             <a:r>
-              <a:rPr lang="en-US" dirty="0"/>
-              <a:t> </a:t>
-            </a:r>
-            <a:r>
-              <a:rPr lang="en-US" dirty="0" err="1"/>
+              <a:rPr lang="en-US" sz="1600" dirty="0"/>
+              <a:t> </a:t>
+            </a:r>
+            <a:r>
+              <a:rPr lang="en-US" sz="1600" dirty="0" err="1"/>
               <a:t>chủ</a:t>
             </a:r>
             <a:r>
-              <a:rPr lang="en-US" dirty="0"/>
-              <a:t> </a:t>
-            </a:r>
-            <a:r>
-              <a:rPr lang="en-US" dirty="0" err="1"/>
+              <a:rPr lang="en-US" sz="1600" dirty="0"/>
+              <a:t> </a:t>
+            </a:r>
+            <a:r>
+              <a:rPr lang="en-US" sz="1600" dirty="0" err="1"/>
               <a:t>cửa</a:t>
             </a:r>
             <a:r>
-              <a:rPr lang="en-US" dirty="0"/>
-              <a:t> </a:t>
-            </a:r>
-            <a:r>
-              <a:rPr lang="en-US" dirty="0" err="1"/>
+              <a:rPr lang="en-US" sz="1600" dirty="0"/>
+              <a:t> </a:t>
+            </a:r>
+            <a:r>
+              <a:rPr lang="en-US" sz="1600" dirty="0" err="1"/>
               <a:t>hàng</a:t>
             </a:r>
+            <a:endParaRPr lang="en-US" sz="1600" dirty="0"/>
+          </a:p>
+          <a:p>
+            <a:r>
+              <a:rPr lang="en-US" sz="1600" dirty="0"/>
+              <a:t>c)</a:t>
+            </a:r>
+            <a:r>
+              <a:rPr lang="en-US" sz="1600" dirty="0" err="1"/>
+              <a:t>Các</a:t>
+            </a:r>
+            <a:r>
+              <a:rPr lang="en-US" sz="1600" dirty="0"/>
+              <a:t> </a:t>
+            </a:r>
+            <a:r>
+              <a:rPr lang="en-US" sz="1600" dirty="0" err="1"/>
+              <a:t>người</a:t>
+            </a:r>
+            <a:r>
+              <a:rPr lang="en-US" sz="1600" dirty="0"/>
+              <a:t> </a:t>
+            </a:r>
+            <a:r>
+              <a:rPr lang="en-US" sz="1600" dirty="0" err="1"/>
+              <a:t>dùng</a:t>
+            </a:r>
+            <a:r>
+              <a:rPr lang="en-US" sz="1600" dirty="0"/>
+              <a:t> </a:t>
+            </a:r>
+            <a:r>
+              <a:rPr lang="en-US" sz="1600" dirty="0" err="1"/>
+              <a:t>tham</a:t>
+            </a:r>
+            <a:r>
+              <a:rPr lang="en-US" sz="1600" dirty="0"/>
+              <a:t> </a:t>
+            </a:r>
+            <a:r>
+              <a:rPr lang="en-US" sz="1600" dirty="0" err="1"/>
+              <a:t>gia</a:t>
+            </a:r>
+            <a:r>
+              <a:rPr lang="en-US" sz="1600" dirty="0"/>
+              <a:t> </a:t>
+            </a:r>
+            <a:r>
+              <a:rPr lang="en-US" sz="1600" dirty="0" err="1"/>
+              <a:t>vào</a:t>
+            </a:r>
+            <a:r>
+              <a:rPr lang="en-US" sz="1600" dirty="0"/>
+              <a:t> </a:t>
+            </a:r>
+            <a:r>
+              <a:rPr lang="en-US" sz="1600" dirty="0" err="1"/>
+              <a:t>hệ</a:t>
+            </a:r>
+            <a:r>
+              <a:rPr lang="en-US" sz="1600" dirty="0"/>
+              <a:t> </a:t>
+            </a:r>
+            <a:r>
+              <a:rPr lang="en-US" sz="1600" dirty="0" err="1"/>
+              <a:t>thống:Người</a:t>
+            </a:r>
+            <a:r>
+              <a:rPr lang="en-US" sz="1600" dirty="0"/>
+              <a:t> </a:t>
+            </a:r>
+            <a:r>
+              <a:rPr lang="en-US" sz="1600" dirty="0" err="1"/>
+              <a:t>quản</a:t>
+            </a:r>
+            <a:r>
+              <a:rPr lang="en-US" sz="1600" dirty="0"/>
+              <a:t> </a:t>
+            </a:r>
+            <a:r>
+              <a:rPr lang="en-US" sz="1600" dirty="0" err="1"/>
+              <a:t>lý</a:t>
+            </a:r>
+            <a:r>
+              <a:rPr lang="en-US" sz="1600" dirty="0"/>
+              <a:t> </a:t>
+            </a:r>
+            <a:r>
+              <a:rPr lang="en-US" sz="1600" dirty="0" err="1"/>
+              <a:t>và</a:t>
+            </a:r>
+            <a:r>
+              <a:rPr lang="en-US" sz="1600" dirty="0"/>
+              <a:t> </a:t>
+            </a:r>
+            <a:r>
+              <a:rPr lang="en-US" sz="1600" dirty="0" err="1"/>
+              <a:t>nhân</a:t>
+            </a:r>
+            <a:r>
+              <a:rPr lang="en-US" sz="1600" dirty="0"/>
+              <a:t> </a:t>
+            </a:r>
+            <a:r>
+              <a:rPr lang="en-US" sz="1600" dirty="0" err="1"/>
+              <a:t>viên</a:t>
+            </a:r>
+            <a:r>
+              <a:rPr lang="en-US" sz="1600" dirty="0"/>
+              <a:t> </a:t>
+            </a:r>
+            <a:r>
+              <a:rPr lang="en-US" sz="1600" dirty="0" err="1"/>
+              <a:t>bán</a:t>
+            </a:r>
+            <a:r>
+              <a:rPr lang="en-US" sz="1600" dirty="0"/>
+              <a:t> </a:t>
+            </a:r>
+            <a:r>
+              <a:rPr lang="en-US" sz="1600" dirty="0" err="1"/>
+              <a:t>hàng</a:t>
+            </a:r>
+            <a:endParaRPr lang="en-US" sz="1600" dirty="0"/>
+          </a:p>
+          <a:p>
+            <a:r>
+              <a:rPr lang="en-US" sz="1600" dirty="0"/>
+              <a:t>d)</a:t>
+            </a:r>
+            <a:r>
+              <a:rPr lang="en-US" sz="1600" dirty="0" err="1"/>
+              <a:t>Các</a:t>
+            </a:r>
+            <a:r>
+              <a:rPr lang="en-US" sz="1600" dirty="0"/>
+              <a:t> </a:t>
+            </a:r>
+            <a:r>
+              <a:rPr lang="en-US" sz="1600" dirty="0" err="1"/>
+              <a:t>chức</a:t>
+            </a:r>
+            <a:r>
+              <a:rPr lang="en-US" sz="1600" dirty="0"/>
+              <a:t> </a:t>
+            </a:r>
+            <a:r>
+              <a:rPr lang="en-US" sz="1600" dirty="0" err="1"/>
+              <a:t>năng</a:t>
+            </a:r>
+            <a:r>
+              <a:rPr lang="en-US" sz="1600" dirty="0"/>
+              <a:t>:</a:t>
+            </a:r>
+          </a:p>
+          <a:p>
+            <a:r>
+              <a:rPr lang="en-US" sz="1600" dirty="0"/>
+              <a:t>+)</a:t>
+            </a:r>
+            <a:r>
+              <a:rPr lang="en-US" sz="1600" dirty="0" err="1"/>
+              <a:t>Người</a:t>
+            </a:r>
+            <a:r>
+              <a:rPr lang="en-US" sz="1600" dirty="0"/>
+              <a:t> </a:t>
+            </a:r>
+            <a:r>
+              <a:rPr lang="en-US" sz="1600" dirty="0" err="1"/>
+              <a:t>quản</a:t>
+            </a:r>
+            <a:r>
+              <a:rPr lang="en-US" sz="1600" dirty="0"/>
+              <a:t> </a:t>
+            </a:r>
+            <a:r>
+              <a:rPr lang="en-US" sz="1600" dirty="0" err="1"/>
+              <a:t>lí</a:t>
+            </a:r>
+            <a:r>
+              <a:rPr lang="en-US" sz="1600" dirty="0"/>
+              <a:t>:</a:t>
+            </a:r>
+          </a:p>
+          <a:p>
+            <a:pPr lvl="1"/>
+            <a:r>
+              <a:rPr lang="en-US" dirty="0"/>
+              <a:t>_</a:t>
+            </a:r>
+            <a:r>
+              <a:rPr lang="en-US" dirty="0" err="1"/>
+              <a:t>Quản</a:t>
+            </a:r>
+            <a:r>
+              <a:rPr lang="en-US" dirty="0"/>
+              <a:t> </a:t>
+            </a:r>
+            <a:r>
+              <a:rPr lang="en-US" dirty="0" err="1"/>
+              <a:t>lý</a:t>
+            </a:r>
+            <a:r>
+              <a:rPr lang="en-US" dirty="0"/>
+              <a:t> </a:t>
+            </a:r>
+            <a:r>
+              <a:rPr lang="en-US" dirty="0" err="1"/>
+              <a:t>danh</a:t>
+            </a:r>
+            <a:r>
+              <a:rPr lang="en-US" dirty="0"/>
+              <a:t> </a:t>
+            </a:r>
+            <a:r>
+              <a:rPr lang="en-US" dirty="0" err="1"/>
+              <a:t>mục</a:t>
+            </a:r>
+            <a:r>
+              <a:rPr lang="en-US" dirty="0"/>
+              <a:t>			_</a:t>
+            </a:r>
+            <a:r>
+              <a:rPr lang="en-US" dirty="0" err="1"/>
+              <a:t>Quản</a:t>
+            </a:r>
+            <a:r>
+              <a:rPr lang="en-US" dirty="0"/>
+              <a:t> </a:t>
+            </a:r>
+            <a:r>
+              <a:rPr lang="en-US" dirty="0" err="1"/>
+              <a:t>lý</a:t>
+            </a:r>
+            <a:r>
+              <a:rPr lang="en-US" dirty="0"/>
+              <a:t> </a:t>
+            </a:r>
+            <a:r>
+              <a:rPr lang="en-US" dirty="0" err="1"/>
+              <a:t>khách</a:t>
+            </a:r>
+            <a:r>
+              <a:rPr lang="en-US" dirty="0"/>
+              <a:t> </a:t>
+            </a:r>
+            <a:r>
+              <a:rPr lang="en-US" dirty="0" err="1"/>
+              <a:t>hàng</a:t>
+            </a:r>
             <a:endParaRPr lang="en-US" dirty="0"/>
           </a:p>
           <a:p>
-            <a:r>
-              <a:rPr lang="en-US" dirty="0"/>
-              <a:t>c)</a:t>
-            </a:r>
-            <a:r>
-              <a:rPr lang="en-US" dirty="0" err="1"/>
-              <a:t>Các</a:t>
-            </a:r>
-            <a:r>
-              <a:rPr lang="en-US" dirty="0"/>
-              <a:t> </a:t>
-            </a:r>
-            <a:r>
-              <a:rPr lang="en-US" dirty="0" err="1"/>
-              <a:t>người</a:t>
-            </a:r>
-            <a:r>
-              <a:rPr lang="en-US" dirty="0"/>
-              <a:t> </a:t>
-            </a:r>
-            <a:r>
-              <a:rPr lang="en-US" dirty="0" err="1"/>
-              <a:t>dùng</a:t>
-            </a:r>
-            <a:r>
-              <a:rPr lang="en-US" dirty="0"/>
-              <a:t> </a:t>
-            </a:r>
-            <a:r>
-              <a:rPr lang="en-US" dirty="0" err="1"/>
-              <a:t>tham</a:t>
-            </a:r>
-            <a:r>
-              <a:rPr lang="en-US" dirty="0"/>
-              <a:t> </a:t>
-            </a:r>
-            <a:r>
-              <a:rPr lang="en-US" dirty="0" err="1"/>
-              <a:t>gia</a:t>
-            </a:r>
-            <a:r>
-              <a:rPr lang="en-US" dirty="0"/>
-              <a:t> </a:t>
-            </a:r>
-            <a:r>
-              <a:rPr lang="en-US" dirty="0" err="1"/>
-              <a:t>vào</a:t>
-            </a:r>
-            <a:r>
-              <a:rPr lang="en-US" dirty="0"/>
-              <a:t> </a:t>
-            </a:r>
-            <a:r>
-              <a:rPr lang="en-US" dirty="0" err="1"/>
-              <a:t>hệ</a:t>
-            </a:r>
-            <a:r>
-              <a:rPr lang="en-US" dirty="0"/>
-              <a:t> </a:t>
-            </a:r>
-            <a:r>
-              <a:rPr lang="en-US" dirty="0" err="1"/>
-              <a:t>thống:Người</a:t>
-            </a:r>
-            <a:r>
-              <a:rPr lang="en-US" dirty="0"/>
-              <a:t> </a:t>
-            </a:r>
-            <a:r>
-              <a:rPr lang="en-US" dirty="0" err="1"/>
-              <a:t>quản</a:t>
+            <a:pPr lvl="1"/>
+            <a:r>
+              <a:rPr lang="en-US" dirty="0"/>
+              <a:t>_</a:t>
+            </a:r>
+            <a:r>
+              <a:rPr lang="en-US" dirty="0" err="1"/>
+              <a:t>Quản</a:t>
             </a:r>
             <a:r>
               <a:rPr lang="en-US" dirty="0"/>
@@ -10853,194 +11284,6 @@
             </a:r>
             <a:r>
               <a:rPr lang="en-US" dirty="0" err="1"/>
-              <a:t>và</a:t>
-            </a:r>
-            <a:r>
-              <a:rPr lang="en-US" dirty="0"/>
-              <a:t> </a:t>
-            </a:r>
-            <a:r>
-              <a:rPr lang="en-US" dirty="0" err="1"/>
-              <a:t>nhân</a:t>
-            </a:r>
-            <a:r>
-              <a:rPr lang="en-US" dirty="0"/>
-              <a:t> </a:t>
-            </a:r>
-            <a:r>
-              <a:rPr lang="en-US" dirty="0" err="1"/>
-              <a:t>viên</a:t>
-            </a:r>
-            <a:r>
-              <a:rPr lang="en-US" dirty="0"/>
-              <a:t> </a:t>
-            </a:r>
-            <a:r>
-              <a:rPr lang="en-US" dirty="0" err="1"/>
-              <a:t>bán</a:t>
-            </a:r>
-            <a:r>
-              <a:rPr lang="en-US" dirty="0"/>
-              <a:t> </a:t>
-            </a:r>
-            <a:r>
-              <a:rPr lang="en-US" dirty="0" err="1"/>
-              <a:t>hàng</a:t>
-            </a:r>
-            <a:endParaRPr lang="en-US" dirty="0"/>
-          </a:p>
-          <a:p>
-            <a:r>
-              <a:rPr lang="en-US" dirty="0"/>
-              <a:t>d)</a:t>
-            </a:r>
-            <a:r>
-              <a:rPr lang="en-US" dirty="0" err="1"/>
-              <a:t>Các</a:t>
-            </a:r>
-            <a:r>
-              <a:rPr lang="en-US" dirty="0"/>
-              <a:t> </a:t>
-            </a:r>
-            <a:r>
-              <a:rPr lang="en-US" dirty="0" err="1"/>
-              <a:t>chức</a:t>
-            </a:r>
-            <a:r>
-              <a:rPr lang="en-US" dirty="0"/>
-              <a:t> </a:t>
-            </a:r>
-            <a:r>
-              <a:rPr lang="en-US" dirty="0" err="1"/>
-              <a:t>năng</a:t>
-            </a:r>
-            <a:r>
-              <a:rPr lang="en-US" dirty="0"/>
-              <a:t>:</a:t>
-            </a:r>
-          </a:p>
-          <a:p>
-            <a:r>
-              <a:rPr lang="en-US" dirty="0"/>
-              <a:t>+)</a:t>
-            </a:r>
-            <a:r>
-              <a:rPr lang="en-US" dirty="0" err="1"/>
-              <a:t>Người</a:t>
-            </a:r>
-            <a:r>
-              <a:rPr lang="en-US" dirty="0"/>
-              <a:t> </a:t>
-            </a:r>
-            <a:r>
-              <a:rPr lang="en-US" dirty="0" err="1"/>
-              <a:t>quản</a:t>
-            </a:r>
-            <a:r>
-              <a:rPr lang="en-US" dirty="0"/>
-              <a:t> </a:t>
-            </a:r>
-            <a:r>
-              <a:rPr lang="en-US" dirty="0" err="1"/>
-              <a:t>lí</a:t>
-            </a:r>
-            <a:r>
-              <a:rPr lang="en-US" dirty="0"/>
-              <a:t>:</a:t>
-            </a:r>
-          </a:p>
-          <a:p>
-            <a:pPr lvl="1"/>
-            <a:r>
-              <a:rPr lang="en-US" dirty="0"/>
-              <a:t>_</a:t>
-            </a:r>
-            <a:r>
-              <a:rPr lang="en-US" dirty="0" err="1"/>
-              <a:t>Quản</a:t>
-            </a:r>
-            <a:r>
-              <a:rPr lang="en-US" dirty="0"/>
-              <a:t> </a:t>
-            </a:r>
-            <a:r>
-              <a:rPr lang="en-US" dirty="0" err="1"/>
-              <a:t>lý</a:t>
-            </a:r>
-            <a:r>
-              <a:rPr lang="en-US" dirty="0"/>
-              <a:t> </a:t>
-            </a:r>
-            <a:r>
-              <a:rPr lang="en-US" dirty="0" err="1"/>
-              <a:t>danh</a:t>
-            </a:r>
-            <a:r>
-              <a:rPr lang="en-US" dirty="0"/>
-              <a:t> </a:t>
-            </a:r>
-            <a:r>
-              <a:rPr lang="en-US" dirty="0" err="1"/>
-              <a:t>mục</a:t>
-            </a:r>
-            <a:r>
-              <a:rPr lang="en-US" dirty="0"/>
-              <a:t>			_</a:t>
-            </a:r>
-            <a:r>
-              <a:rPr lang="en-US" dirty="0" err="1"/>
-              <a:t>Quản</a:t>
-            </a:r>
-            <a:r>
-              <a:rPr lang="en-US" dirty="0"/>
-              <a:t> </a:t>
-            </a:r>
-            <a:r>
-              <a:rPr lang="en-US" dirty="0" err="1"/>
-              <a:t>lý</a:t>
-            </a:r>
-            <a:r>
-              <a:rPr lang="en-US" dirty="0"/>
-              <a:t> </a:t>
-            </a:r>
-            <a:r>
-              <a:rPr lang="en-US" dirty="0" err="1"/>
-              <a:t>khách</a:t>
-            </a:r>
-            <a:r>
-              <a:rPr lang="en-US" dirty="0"/>
-              <a:t> </a:t>
-            </a:r>
-            <a:r>
-              <a:rPr lang="en-US" dirty="0" err="1"/>
-              <a:t>hàng</a:t>
-            </a:r>
-            <a:endParaRPr lang="en-US" dirty="0"/>
-          </a:p>
-          <a:p>
-            <a:pPr lvl="1"/>
-            <a:r>
-              <a:rPr lang="en-US" dirty="0"/>
-              <a:t>_</a:t>
-            </a:r>
-            <a:r>
-              <a:rPr lang="en-US" dirty="0" err="1"/>
-              <a:t>Quản</a:t>
-            </a:r>
-            <a:r>
-              <a:rPr lang="en-US" dirty="0"/>
-              <a:t> </a:t>
-            </a:r>
-            <a:r>
-              <a:rPr lang="en-US" dirty="0" err="1"/>
-              <a:t>lý</a:t>
-            </a:r>
-            <a:r>
-              <a:rPr lang="en-US" dirty="0"/>
-              <a:t> </a:t>
-            </a:r>
-            <a:r>
-              <a:rPr lang="en-US" dirty="0" err="1"/>
               <a:t>nhà</a:t>
             </a:r>
             <a:r>
@@ -11061,7 +11304,7 @@
             </a:r>
             <a:r>
               <a:rPr lang="en-US" dirty="0"/>
-              <a:t>		        _</a:t>
+              <a:t>		_</a:t>
             </a:r>
             <a:r>
               <a:rPr lang="en-US" dirty="0" err="1"/>
@@ -11273,7 +11516,7 @@
           </a:p>
           <a:p>
             <a:pPr lvl="4"/>
-            <a:endParaRPr lang="en-US" dirty="0"/>
+            <a:endParaRPr lang="en-US" sz="1600" dirty="0"/>
           </a:p>
         </p:txBody>
       </p:sp>
@@ -11575,8 +11818,8 @@
         </p:blipFill>
         <p:spPr>
           <a:xfrm>
-            <a:off x="4025573" y="609600"/>
-            <a:ext cx="5444998" cy="5791200"/>
+            <a:off x="4053565" y="180392"/>
+            <a:ext cx="5444998" cy="6397690"/>
           </a:xfrm>
           <a:prstGeom prst="rect">
             <a:avLst/>
@@ -11655,10 +11898,10 @@
       </p:sp>
       <p:pic>
         <p:nvPicPr>
-          <p:cNvPr id="4" name="Content Placeholder 3">
+          <p:cNvPr id="7" name="Content Placeholder 6">
             <a:extLst>
               <a:ext uri="{FF2B5EF4-FFF2-40B4-BE49-F238E27FC236}">
-                <a16:creationId xmlns:a16="http://schemas.microsoft.com/office/drawing/2014/main" id="{939492C9-72F1-4201-B75D-2A58E0A72C13}"/>
+                <a16:creationId xmlns:a16="http://schemas.microsoft.com/office/drawing/2014/main" id="{9E92EC1E-436B-4E8E-8837-7F41741B5010}"/>
               </a:ext>
             </a:extLst>
           </p:cNvPr>
@@ -11677,38 +11920,8 @@
         </p:blipFill>
         <p:spPr>
           <a:xfrm>
-            <a:off x="3892260" y="98522"/>
-            <a:ext cx="3063258" cy="3881437"/>
-          </a:xfrm>
-          <a:prstGeom prst="rect">
-            <a:avLst/>
-          </a:prstGeom>
-        </p:spPr>
-      </p:pic>
-      <p:pic>
-        <p:nvPicPr>
-          <p:cNvPr id="5" name="Picture 4">
-            <a:extLst>
-              <a:ext uri="{FF2B5EF4-FFF2-40B4-BE49-F238E27FC236}">
-                <a16:creationId xmlns:a16="http://schemas.microsoft.com/office/drawing/2014/main" id="{CCFEB4DC-9116-4604-9408-8A720FDC26A6}"/>
-              </a:ext>
-            </a:extLst>
-          </p:cNvPr>
-          <p:cNvPicPr>
-            <a:picLocks noChangeAspect="1"/>
-          </p:cNvPicPr>
-          <p:nvPr/>
-        </p:nvPicPr>
-        <p:blipFill>
-          <a:blip r:embed="rId3"/>
-          <a:stretch>
-            <a:fillRect/>
-          </a:stretch>
-        </p:blipFill>
-        <p:spPr>
-          <a:xfrm>
-            <a:off x="4116195" y="3979959"/>
-            <a:ext cx="2097993" cy="1750636"/>
+            <a:off x="4049486" y="117183"/>
+            <a:ext cx="5337109" cy="6227633"/>
           </a:xfrm>
           <a:prstGeom prst="rect">
             <a:avLst/>
@@ -12244,8 +12457,8 @@
         </p:blipFill>
         <p:spPr>
           <a:xfrm>
-            <a:off x="677334" y="1358156"/>
-            <a:ext cx="4618555" cy="3251167"/>
+            <a:off x="0" y="1358156"/>
+            <a:ext cx="5411755" cy="5219926"/>
           </a:xfrm>
           <a:prstGeom prst="rect">
             <a:avLst/>
@@ -12279,7 +12492,7 @@
         <p:spPr>
           <a:xfrm>
             <a:off x="5411755" y="1358156"/>
-            <a:ext cx="4851918" cy="3251167"/>
+            <a:ext cx="5673012" cy="5219926"/>
           </a:xfrm>
           <a:prstGeom prst="rect">
             <a:avLst/>
@@ -12399,8 +12612,8 @@
         </p:blipFill>
         <p:spPr>
           <a:xfrm>
-            <a:off x="677334" y="1451463"/>
-            <a:ext cx="4865335" cy="2952588"/>
+            <a:off x="248126" y="1451460"/>
+            <a:ext cx="5135637" cy="4193557"/>
           </a:xfrm>
           <a:prstGeom prst="rect">
             <a:avLst/>
@@ -12433,8 +12646,8 @@
         </p:blipFill>
         <p:spPr>
           <a:xfrm>
-            <a:off x="5812971" y="1451464"/>
-            <a:ext cx="5122507" cy="2952588"/>
+            <a:off x="5570376" y="1451461"/>
+            <a:ext cx="5533053" cy="4193557"/>
           </a:xfrm>
           <a:prstGeom prst="rect">
             <a:avLst/>
@@ -12554,8 +12767,8 @@
         </p:blipFill>
         <p:spPr>
           <a:xfrm>
-            <a:off x="793358" y="1262238"/>
-            <a:ext cx="4207850" cy="2861893"/>
+            <a:off x="335901" y="1262238"/>
+            <a:ext cx="4805265" cy="4037550"/>
           </a:xfrm>
           <a:prstGeom prst="rect">
             <a:avLst/>
@@ -12588,8 +12801,8 @@
         </p:blipFill>
         <p:spPr>
           <a:xfrm>
-            <a:off x="5514392" y="1262238"/>
-            <a:ext cx="4665306" cy="2861893"/>
+            <a:off x="5482598" y="1270000"/>
+            <a:ext cx="5424887" cy="4037550"/>
           </a:xfrm>
           <a:prstGeom prst="rect">
             <a:avLst/>
@@ -13040,8 +13253,8 @@
         </p:blipFill>
         <p:spPr>
           <a:xfrm>
-            <a:off x="537661" y="1395817"/>
-            <a:ext cx="5200666" cy="3120199"/>
+            <a:off x="233265" y="1395817"/>
+            <a:ext cx="5505062" cy="4090583"/>
           </a:xfrm>
           <a:prstGeom prst="rect">
             <a:avLst/>
@@ -13068,8 +13281,8 @@
         </p:blipFill>
         <p:spPr>
           <a:xfrm>
-            <a:off x="6008629" y="1270000"/>
-            <a:ext cx="4255044" cy="3413967"/>
+            <a:off x="6008628" y="1270000"/>
+            <a:ext cx="5290743" cy="4216400"/>
           </a:xfrm>
           <a:prstGeom prst="rect">
             <a:avLst/>
@@ -13189,8 +13402,8 @@
         </p:blipFill>
         <p:spPr>
           <a:xfrm>
-            <a:off x="152399" y="1350496"/>
-            <a:ext cx="5810655" cy="3211776"/>
+            <a:off x="152398" y="1350496"/>
+            <a:ext cx="5810655" cy="3893308"/>
           </a:xfrm>
           <a:prstGeom prst="rect">
             <a:avLst/>
@@ -13223,8 +13436,8 @@
         </p:blipFill>
         <p:spPr>
           <a:xfrm>
-            <a:off x="6329463" y="1350496"/>
-            <a:ext cx="4205591" cy="3299325"/>
+            <a:off x="6228948" y="1350496"/>
+            <a:ext cx="5079754" cy="3995945"/>
           </a:xfrm>
           <a:prstGeom prst="rect">
             <a:avLst/>
@@ -13344,8 +13557,8 @@
         </p:blipFill>
         <p:spPr>
           <a:xfrm>
-            <a:off x="677334" y="1343465"/>
-            <a:ext cx="5244108" cy="2810246"/>
+            <a:off x="295944" y="1343463"/>
+            <a:ext cx="5244108" cy="4096283"/>
           </a:xfrm>
           <a:prstGeom prst="rect">
             <a:avLst/>
@@ -13378,8 +13591,8 @@
         </p:blipFill>
         <p:spPr>
           <a:xfrm>
-            <a:off x="6012356" y="1343464"/>
-            <a:ext cx="4581065" cy="2810245"/>
+            <a:off x="5617029" y="1343464"/>
+            <a:ext cx="5710333" cy="4096282"/>
           </a:xfrm>
           <a:prstGeom prst="rect">
             <a:avLst/>
@@ -13495,8 +13708,8 @@
         </p:blipFill>
         <p:spPr>
           <a:xfrm>
-            <a:off x="677334" y="2076436"/>
-            <a:ext cx="4351866" cy="2542218"/>
+            <a:off x="223935" y="1269999"/>
+            <a:ext cx="4751733" cy="3535265"/>
           </a:xfrm>
           <a:prstGeom prst="rect">
             <a:avLst/>
@@ -13533,8 +13746,8 @@
         </p:blipFill>
         <p:spPr>
           <a:xfrm>
-            <a:off x="5184915" y="2076437"/>
-            <a:ext cx="4584236" cy="2542218"/>
+            <a:off x="5063616" y="1269999"/>
+            <a:ext cx="5843869" cy="3535264"/>
           </a:xfrm>
           <a:prstGeom prst="rect">
             <a:avLst/>
@@ -14390,14 +14603,14 @@
             <p:ph idx="1"/>
             <p:extLst>
               <p:ext uri="{D42A27DB-BD31-4B8C-83A1-F6EECF244321}">
-                <p14:modId xmlns:p14="http://schemas.microsoft.com/office/powerpoint/2010/main" val="239044819"/>
+                <p14:modId xmlns:p14="http://schemas.microsoft.com/office/powerpoint/2010/main" val="1386416107"/>
               </p:ext>
             </p:extLst>
           </p:nvPr>
         </p:nvGraphicFramePr>
         <p:xfrm>
           <a:off x="3075830" y="1120865"/>
-          <a:ext cx="6980140" cy="2839720"/>
+          <a:ext cx="6980140" cy="4206240"/>
         </p:xfrm>
         <a:graphic>
           <a:graphicData uri="http://schemas.openxmlformats.org/drawingml/2006/table">
@@ -14413,14 +14626,14 @@
                     </a:ext>
                   </a:extLst>
                 </a:gridCol>
-                <a:gridCol w="1054359">
+                <a:gridCol w="1296955">
                   <a:extLst>
                     <a:ext uri="{9D8B030D-6E8A-4147-A177-3AD203B41FA5}">
                       <a16:colId xmlns:a16="http://schemas.microsoft.com/office/drawing/2014/main" val="290829001"/>
                     </a:ext>
                   </a:extLst>
                 </a:gridCol>
-                <a:gridCol w="1791478">
+                <a:gridCol w="1548882">
                   <a:extLst>
                     <a:ext uri="{9D8B030D-6E8A-4147-A177-3AD203B41FA5}">
                       <a16:colId xmlns:a16="http://schemas.microsoft.com/office/drawing/2014/main" val="1448468528"/>
@@ -14442,7 +14655,7 @@
                     <a:lstStyle/>
                     <a:p>
                       <a:r>
-                        <a:rPr lang="en-US" sz="1200" dirty="0"/>
+                        <a:rPr lang="en-US" sz="1500" dirty="0"/>
                         <a:t>STT</a:t>
                       </a:r>
                     </a:p>
@@ -14455,7 +14668,7 @@
                     <a:lstStyle/>
                     <a:p>
                       <a:r>
-                        <a:rPr lang="en-US" sz="1200" dirty="0"/>
+                        <a:rPr lang="en-US" sz="1500" dirty="0"/>
                         <a:t>MSSV</a:t>
                       </a:r>
                     </a:p>
@@ -14468,26 +14681,26 @@
                     <a:lstStyle/>
                     <a:p>
                       <a:r>
-                        <a:rPr lang="en-US" sz="1200" dirty="0" err="1"/>
+                        <a:rPr lang="en-US" sz="1500" dirty="0" err="1"/>
                         <a:t>Họ</a:t>
                       </a:r>
                       <a:r>
-                        <a:rPr lang="en-US" sz="1200" dirty="0"/>
-                        <a:t> </a:t>
-                      </a:r>
-                      <a:r>
-                        <a:rPr lang="en-US" sz="1200" dirty="0" err="1"/>
+                        <a:rPr lang="en-US" sz="1500" dirty="0"/>
+                        <a:t> </a:t>
+                      </a:r>
+                      <a:r>
+                        <a:rPr lang="en-US" sz="1500" dirty="0" err="1"/>
                         <a:t>và</a:t>
                       </a:r>
                       <a:r>
-                        <a:rPr lang="en-US" sz="1200" dirty="0"/>
-                        <a:t> </a:t>
-                      </a:r>
-                      <a:r>
-                        <a:rPr lang="en-US" sz="1200" dirty="0" err="1"/>
+                        <a:rPr lang="en-US" sz="1500" dirty="0"/>
+                        <a:t> </a:t>
+                      </a:r>
+                      <a:r>
+                        <a:rPr lang="en-US" sz="1500" dirty="0" err="1"/>
                         <a:t>Tên</a:t>
                       </a:r>
-                      <a:endParaRPr lang="en-US" sz="1200" dirty="0"/>
+                      <a:endParaRPr lang="en-US" sz="1500" dirty="0"/>
                     </a:p>
                   </a:txBody>
                   <a:tcPr/>
@@ -14498,18 +14711,18 @@
                     <a:lstStyle/>
                     <a:p>
                       <a:r>
-                        <a:rPr lang="en-US" sz="1200" dirty="0" err="1"/>
+                        <a:rPr lang="en-US" sz="1500" dirty="0" err="1"/>
                         <a:t>Công</a:t>
                       </a:r>
                       <a:r>
-                        <a:rPr lang="en-US" sz="1200" dirty="0"/>
-                        <a:t> </a:t>
-                      </a:r>
-                      <a:r>
-                        <a:rPr lang="en-US" sz="1200" dirty="0" err="1"/>
+                        <a:rPr lang="en-US" sz="1500" dirty="0"/>
+                        <a:t> </a:t>
+                      </a:r>
+                      <a:r>
+                        <a:rPr lang="en-US" sz="1500" dirty="0" err="1"/>
                         <a:t>việc</a:t>
                       </a:r>
-                      <a:endParaRPr lang="en-US" sz="1200" dirty="0"/>
+                      <a:endParaRPr lang="en-US" sz="1500" dirty="0"/>
                     </a:p>
                   </a:txBody>
                   <a:tcPr/>
@@ -14527,7 +14740,7 @@
                     <a:lstStyle/>
                     <a:p>
                       <a:r>
-                        <a:rPr lang="en-US" sz="1200" dirty="0"/>
+                        <a:rPr lang="en-US" sz="1500" dirty="0"/>
                         <a:t>1</a:t>
                       </a:r>
                     </a:p>
@@ -14540,7 +14753,7 @@
                     <a:lstStyle/>
                     <a:p>
                       <a:r>
-                        <a:rPr lang="en-US" sz="1200" b="0" i="0" kern="1200" dirty="0">
+                        <a:rPr lang="en-US" sz="1500" b="0" i="0" kern="1200" dirty="0">
                           <a:solidFill>
                             <a:schemeClr val="dk1"/>
                           </a:solidFill>
@@ -14551,7 +14764,7 @@
                         </a:rPr>
                         <a:t>3118411024</a:t>
                       </a:r>
-                      <a:endParaRPr lang="en-US" sz="1200" dirty="0"/>
+                      <a:endParaRPr lang="en-US" sz="1500" dirty="0"/>
                     </a:p>
                   </a:txBody>
                   <a:tcPr/>
@@ -14562,22 +14775,22 @@
                     <a:lstStyle/>
                     <a:p>
                       <a:r>
-                        <a:rPr lang="en-US" sz="1200" dirty="0"/>
+                        <a:rPr lang="en-US" sz="1500" dirty="0"/>
                         <a:t>Lê </a:t>
                       </a:r>
                       <a:r>
-                        <a:rPr lang="en-US" sz="1200" dirty="0" err="1"/>
+                        <a:rPr lang="en-US" sz="1500" dirty="0" err="1"/>
                         <a:t>Hoàng</a:t>
                       </a:r>
                       <a:r>
-                        <a:rPr lang="en-US" sz="1200" dirty="0"/>
-                        <a:t> </a:t>
-                      </a:r>
-                      <a:r>
-                        <a:rPr lang="en-US" sz="1200" dirty="0" err="1"/>
+                        <a:rPr lang="en-US" sz="1500" dirty="0"/>
+                        <a:t> </a:t>
+                      </a:r>
+                      <a:r>
+                        <a:rPr lang="en-US" sz="1500" dirty="0" err="1"/>
                         <a:t>Tân</a:t>
                       </a:r>
-                      <a:endParaRPr lang="en-US" sz="1200" dirty="0"/>
+                      <a:endParaRPr lang="en-US" sz="1500" dirty="0"/>
                     </a:p>
                   </a:txBody>
                   <a:tcPr/>
@@ -14588,169 +14801,169 @@
                     <a:lstStyle/>
                     <a:p>
                       <a:r>
-                        <a:rPr lang="en-US" sz="1200" dirty="0"/>
+                        <a:rPr lang="en-US" sz="1500" dirty="0"/>
                         <a:t>-</a:t>
                       </a:r>
                       <a:r>
-                        <a:rPr lang="en-US" sz="1200" dirty="0" err="1"/>
+                        <a:rPr lang="en-US" sz="1500" dirty="0" err="1"/>
                         <a:t>Tạo</a:t>
                       </a:r>
                       <a:r>
-                        <a:rPr lang="en-US" sz="1200" dirty="0"/>
-                        <a:t> </a:t>
-                      </a:r>
-                      <a:r>
-                        <a:rPr lang="en-US" sz="1200" dirty="0" err="1"/>
+                        <a:rPr lang="en-US" sz="1500" dirty="0"/>
+                        <a:t> </a:t>
+                      </a:r>
+                      <a:r>
+                        <a:rPr lang="en-US" sz="1500" dirty="0" err="1"/>
                         <a:t>github,jira</a:t>
                       </a:r>
-                      <a:endParaRPr lang="en-US" sz="1200" dirty="0"/>
+                      <a:endParaRPr lang="en-US" sz="1500" dirty="0"/>
                     </a:p>
                     <a:p>
                       <a:r>
-                        <a:rPr lang="en-US" sz="1200" dirty="0"/>
+                        <a:rPr lang="en-US" sz="1500" dirty="0"/>
                         <a:t>-</a:t>
                       </a:r>
                       <a:r>
-                        <a:rPr lang="en-US" sz="1200" dirty="0" err="1"/>
+                        <a:rPr lang="en-US" sz="1500" dirty="0" err="1"/>
                         <a:t>Làm</a:t>
                       </a:r>
                       <a:r>
-                        <a:rPr lang="en-US" sz="1200" dirty="0"/>
-                        <a:t> </a:t>
-                      </a:r>
-                      <a:r>
-                        <a:rPr lang="en-US" sz="1200" dirty="0" err="1"/>
+                        <a:rPr lang="en-US" sz="1500" dirty="0"/>
+                        <a:t> </a:t>
+                      </a:r>
+                      <a:r>
+                        <a:rPr lang="en-US" sz="1500" dirty="0" err="1"/>
                         <a:t>biểu</a:t>
                       </a:r>
                       <a:r>
-                        <a:rPr lang="en-US" sz="1200" dirty="0"/>
-                        <a:t> </a:t>
-                      </a:r>
-                      <a:r>
-                        <a:rPr lang="en-US" sz="1200" dirty="0" err="1"/>
+                        <a:rPr lang="en-US" sz="1500" dirty="0"/>
+                        <a:t> </a:t>
+                      </a:r>
+                      <a:r>
+                        <a:rPr lang="en-US" sz="1500" dirty="0" err="1"/>
                         <a:t>mẫu</a:t>
                       </a:r>
                       <a:r>
-                        <a:rPr lang="en-US" sz="1200" dirty="0"/>
-                        <a:t> </a:t>
-                      </a:r>
-                      <a:r>
-                        <a:rPr lang="en-US" sz="1200" dirty="0" err="1"/>
+                        <a:rPr lang="en-US" sz="1500" dirty="0"/>
+                        <a:t> </a:t>
+                      </a:r>
+                      <a:r>
+                        <a:rPr lang="en-US" sz="1500" dirty="0" err="1"/>
                         <a:t>và</a:t>
                       </a:r>
                       <a:r>
-                        <a:rPr lang="en-US" sz="1200" dirty="0"/>
-                        <a:t> </a:t>
-                      </a:r>
-                      <a:r>
-                        <a:rPr lang="en-US" sz="1200" dirty="0" err="1"/>
+                        <a:rPr lang="en-US" sz="1500" dirty="0"/>
+                        <a:t> </a:t>
+                      </a:r>
+                      <a:r>
+                        <a:rPr lang="en-US" sz="1500" dirty="0" err="1"/>
                         <a:t>bảng</a:t>
                       </a:r>
                       <a:r>
-                        <a:rPr lang="en-US" sz="1200" dirty="0"/>
-                        <a:t> </a:t>
-                      </a:r>
-                      <a:r>
-                        <a:rPr lang="en-US" sz="1200" dirty="0" err="1"/>
+                        <a:rPr lang="en-US" sz="1500" dirty="0"/>
+                        <a:t> </a:t>
+                      </a:r>
+                      <a:r>
+                        <a:rPr lang="en-US" sz="1500" dirty="0" err="1"/>
                         <a:t>trách</a:t>
                       </a:r>
                       <a:r>
-                        <a:rPr lang="en-US" sz="1200" dirty="0"/>
-                        <a:t> </a:t>
-                      </a:r>
-                      <a:r>
-                        <a:rPr lang="en-US" sz="1200" dirty="0" err="1"/>
+                        <a:rPr lang="en-US" sz="1500" dirty="0"/>
+                        <a:t> </a:t>
+                      </a:r>
+                      <a:r>
+                        <a:rPr lang="en-US" sz="1500" dirty="0" err="1"/>
                         <a:t>nhiệm</a:t>
                       </a:r>
                       <a:r>
-                        <a:rPr lang="en-US" sz="1200" dirty="0"/>
-                        <a:t> </a:t>
-                      </a:r>
-                      <a:r>
-                        <a:rPr lang="en-US" sz="1200" dirty="0" err="1"/>
+                        <a:rPr lang="en-US" sz="1500" dirty="0"/>
+                        <a:t> </a:t>
+                      </a:r>
+                      <a:r>
+                        <a:rPr lang="en-US" sz="1500" dirty="0" err="1"/>
                         <a:t>chức</a:t>
                       </a:r>
                       <a:r>
-                        <a:rPr lang="en-US" sz="1200" dirty="0"/>
-                        <a:t> </a:t>
-                      </a:r>
-                      <a:r>
-                        <a:rPr lang="en-US" sz="1200" dirty="0" err="1"/>
+                        <a:rPr lang="en-US" sz="1500" dirty="0"/>
+                        <a:t> </a:t>
+                      </a:r>
+                      <a:r>
+                        <a:rPr lang="en-US" sz="1500" dirty="0" err="1"/>
                         <a:t>năng</a:t>
                       </a:r>
                       <a:r>
-                        <a:rPr lang="en-US" sz="1200" dirty="0"/>
-                        <a:t> </a:t>
-                      </a:r>
-                      <a:r>
-                        <a:rPr lang="en-US" sz="1200" dirty="0" err="1"/>
+                        <a:rPr lang="en-US" sz="1500" dirty="0"/>
+                        <a:t> </a:t>
+                      </a:r>
+                      <a:r>
+                        <a:rPr lang="en-US" sz="1500" dirty="0" err="1"/>
                         <a:t>quản</a:t>
                       </a:r>
                       <a:r>
-                        <a:rPr lang="en-US" sz="1200" dirty="0"/>
-                        <a:t> </a:t>
-                      </a:r>
-                      <a:r>
-                        <a:rPr lang="en-US" sz="1200" dirty="0" err="1"/>
+                        <a:rPr lang="en-US" sz="1500" dirty="0"/>
+                        <a:t> </a:t>
+                      </a:r>
+                      <a:r>
+                        <a:rPr lang="en-US" sz="1500" dirty="0" err="1"/>
                         <a:t>lý</a:t>
                       </a:r>
                       <a:r>
-                        <a:rPr lang="en-US" sz="1200" dirty="0"/>
-                        <a:t> </a:t>
-                      </a:r>
-                      <a:r>
-                        <a:rPr lang="en-US" sz="1200" dirty="0" err="1"/>
+                        <a:rPr lang="en-US" sz="1500" dirty="0"/>
+                        <a:t> </a:t>
+                      </a:r>
+                      <a:r>
+                        <a:rPr lang="en-US" sz="1500" dirty="0" err="1"/>
                         <a:t>nhân</a:t>
                       </a:r>
                       <a:r>
-                        <a:rPr lang="en-US" sz="1200" dirty="0"/>
-                        <a:t> </a:t>
-                      </a:r>
-                      <a:r>
-                        <a:rPr lang="en-US" sz="1200" dirty="0" err="1"/>
+                        <a:rPr lang="en-US" sz="1500" dirty="0"/>
+                        <a:t> </a:t>
+                      </a:r>
+                      <a:r>
+                        <a:rPr lang="en-US" sz="1500" dirty="0" err="1"/>
                         <a:t>viên</a:t>
                       </a:r>
                       <a:r>
-                        <a:rPr lang="en-US" sz="1200" dirty="0"/>
-                        <a:t> </a:t>
-                      </a:r>
-                      <a:r>
-                        <a:rPr lang="en-US" sz="1200" dirty="0" err="1"/>
+                        <a:rPr lang="en-US" sz="1500" dirty="0"/>
+                        <a:t> </a:t>
+                      </a:r>
+                      <a:r>
+                        <a:rPr lang="en-US" sz="1500" dirty="0" err="1"/>
                         <a:t>và</a:t>
                       </a:r>
                       <a:r>
-                        <a:rPr lang="en-US" sz="1200" dirty="0"/>
-                        <a:t> </a:t>
-                      </a:r>
-                      <a:r>
-                        <a:rPr lang="en-US" sz="1200" dirty="0" err="1"/>
+                        <a:rPr lang="en-US" sz="1500" dirty="0"/>
+                        <a:t> </a:t>
+                      </a:r>
+                      <a:r>
+                        <a:rPr lang="en-US" sz="1500" dirty="0" err="1"/>
                         <a:t>quản</a:t>
                       </a:r>
                       <a:r>
-                        <a:rPr lang="en-US" sz="1200" dirty="0"/>
-                        <a:t> </a:t>
-                      </a:r>
-                      <a:r>
-                        <a:rPr lang="en-US" sz="1200" dirty="0" err="1"/>
+                        <a:rPr lang="en-US" sz="1500" dirty="0"/>
+                        <a:t> </a:t>
+                      </a:r>
+                      <a:r>
+                        <a:rPr lang="en-US" sz="1500" dirty="0" err="1"/>
                         <a:t>lý</a:t>
                       </a:r>
                       <a:r>
-                        <a:rPr lang="en-US" sz="1200" dirty="0"/>
-                        <a:t> </a:t>
-                      </a:r>
-                      <a:r>
-                        <a:rPr lang="en-US" sz="1200" dirty="0" err="1"/>
+                        <a:rPr lang="en-US" sz="1500" dirty="0"/>
+                        <a:t> </a:t>
+                      </a:r>
+                      <a:r>
+                        <a:rPr lang="en-US" sz="1500" dirty="0" err="1"/>
                         <a:t>khách</a:t>
                       </a:r>
                       <a:r>
-                        <a:rPr lang="en-US" sz="1200" dirty="0"/>
-                        <a:t> </a:t>
-                      </a:r>
-                      <a:r>
-                        <a:rPr lang="en-US" sz="1200" dirty="0" err="1"/>
+                        <a:rPr lang="en-US" sz="1500" dirty="0"/>
+                        <a:t> </a:t>
+                      </a:r>
+                      <a:r>
+                        <a:rPr lang="en-US" sz="1500" dirty="0" err="1"/>
                         <a:t>hàng</a:t>
                       </a:r>
-                      <a:endParaRPr lang="en-US" sz="1200" dirty="0"/>
+                      <a:endParaRPr lang="en-US" sz="1500" dirty="0"/>
                     </a:p>
                   </a:txBody>
                   <a:tcPr/>
@@ -14768,7 +14981,7 @@
                     <a:lstStyle/>
                     <a:p>
                       <a:r>
-                        <a:rPr lang="en-US" sz="1200" dirty="0"/>
+                        <a:rPr lang="en-US" sz="1500" dirty="0"/>
                         <a:t>2</a:t>
                       </a:r>
                     </a:p>
@@ -14781,7 +14994,7 @@
                     <a:lstStyle/>
                     <a:p>
                       <a:r>
-                        <a:rPr lang="en-US" sz="1200" dirty="0"/>
+                        <a:rPr lang="en-US" sz="1500" dirty="0"/>
                         <a:t>3118411019</a:t>
                       </a:r>
                     </a:p>
@@ -14794,34 +15007,34 @@
                     <a:lstStyle/>
                     <a:p>
                       <a:r>
-                        <a:rPr lang="en-US" sz="1200" dirty="0" err="1"/>
+                        <a:rPr lang="en-US" sz="1500" dirty="0" err="1"/>
                         <a:t>Trương</a:t>
                       </a:r>
                       <a:r>
-                        <a:rPr lang="en-US" sz="1200" dirty="0"/>
-                        <a:t> </a:t>
-                      </a:r>
-                      <a:r>
-                        <a:rPr lang="en-US" sz="1200" dirty="0" err="1"/>
+                        <a:rPr lang="en-US" sz="1500" dirty="0"/>
+                        <a:t> </a:t>
+                      </a:r>
+                      <a:r>
+                        <a:rPr lang="en-US" sz="1500" dirty="0" err="1"/>
                         <a:t>Nguyễn</a:t>
                       </a:r>
                       <a:r>
-                        <a:rPr lang="en-US" sz="1200" dirty="0"/>
-                        <a:t> </a:t>
-                      </a:r>
-                      <a:r>
-                        <a:rPr lang="en-US" sz="1200" dirty="0" err="1"/>
+                        <a:rPr lang="en-US" sz="1500" dirty="0"/>
+                        <a:t> </a:t>
+                      </a:r>
+                      <a:r>
+                        <a:rPr lang="en-US" sz="1500" dirty="0" err="1"/>
                         <a:t>Yến</a:t>
                       </a:r>
                       <a:r>
-                        <a:rPr lang="en-US" sz="1200" dirty="0"/>
-                        <a:t> </a:t>
-                      </a:r>
-                      <a:r>
-                        <a:rPr lang="en-US" sz="1200" dirty="0" err="1"/>
+                        <a:rPr lang="en-US" sz="1500" dirty="0"/>
+                        <a:t> </a:t>
+                      </a:r>
+                      <a:r>
+                        <a:rPr lang="en-US" sz="1500" dirty="0" err="1"/>
                         <a:t>Nhi</a:t>
                       </a:r>
-                      <a:endParaRPr lang="en-US" sz="1200" dirty="0"/>
+                      <a:endParaRPr lang="en-US" sz="1500" dirty="0"/>
                     </a:p>
                   </a:txBody>
                   <a:tcPr/>
@@ -14832,138 +15045,138 @@
                     <a:lstStyle/>
                     <a:p>
                       <a:r>
-                        <a:rPr lang="en-US" sz="1200" dirty="0" err="1"/>
+                        <a:rPr lang="en-US" sz="1500" dirty="0" err="1"/>
                         <a:t>Làm</a:t>
                       </a:r>
                       <a:r>
-                        <a:rPr lang="en-US" sz="1200" dirty="0"/>
-                        <a:t> </a:t>
-                      </a:r>
-                      <a:r>
-                        <a:rPr lang="en-US" sz="1200" dirty="0" err="1"/>
+                        <a:rPr lang="en-US" sz="1500" dirty="0"/>
+                        <a:t> </a:t>
+                      </a:r>
+                      <a:r>
+                        <a:rPr lang="en-US" sz="1500" dirty="0" err="1"/>
                         <a:t>biểu</a:t>
                       </a:r>
                       <a:r>
-                        <a:rPr lang="en-US" sz="1200" dirty="0"/>
-                        <a:t> </a:t>
-                      </a:r>
-                      <a:r>
-                        <a:rPr lang="en-US" sz="1200" dirty="0" err="1"/>
+                        <a:rPr lang="en-US" sz="1500" dirty="0"/>
+                        <a:t> </a:t>
+                      </a:r>
+                      <a:r>
+                        <a:rPr lang="en-US" sz="1500" dirty="0" err="1"/>
                         <a:t>mẫu</a:t>
                       </a:r>
                       <a:r>
-                        <a:rPr lang="en-US" sz="1200" dirty="0"/>
-                        <a:t> </a:t>
-                      </a:r>
-                      <a:r>
-                        <a:rPr lang="en-US" sz="1200" dirty="0" err="1"/>
+                        <a:rPr lang="en-US" sz="1500" dirty="0"/>
+                        <a:t> </a:t>
+                      </a:r>
+                      <a:r>
+                        <a:rPr lang="en-US" sz="1500" dirty="0" err="1"/>
                         <a:t>và</a:t>
                       </a:r>
                       <a:r>
-                        <a:rPr lang="en-US" sz="1200" dirty="0"/>
-                        <a:t> </a:t>
-                      </a:r>
-                      <a:r>
-                        <a:rPr lang="en-US" sz="1200" dirty="0" err="1"/>
+                        <a:rPr lang="en-US" sz="1500" dirty="0"/>
+                        <a:t> </a:t>
+                      </a:r>
+                      <a:r>
+                        <a:rPr lang="en-US" sz="1500" dirty="0" err="1"/>
                         <a:t>bảng</a:t>
                       </a:r>
                       <a:r>
-                        <a:rPr lang="en-US" sz="1200" dirty="0"/>
-                        <a:t> </a:t>
-                      </a:r>
-                      <a:r>
-                        <a:rPr lang="en-US" sz="1200" dirty="0" err="1"/>
+                        <a:rPr lang="en-US" sz="1500" dirty="0"/>
+                        <a:t> </a:t>
+                      </a:r>
+                      <a:r>
+                        <a:rPr lang="en-US" sz="1500" dirty="0" err="1"/>
                         <a:t>trách</a:t>
                       </a:r>
                       <a:r>
-                        <a:rPr lang="en-US" sz="1200" dirty="0"/>
-                        <a:t> </a:t>
-                      </a:r>
-                      <a:r>
-                        <a:rPr lang="en-US" sz="1200" dirty="0" err="1"/>
+                        <a:rPr lang="en-US" sz="1500" dirty="0"/>
+                        <a:t> </a:t>
+                      </a:r>
+                      <a:r>
+                        <a:rPr lang="en-US" sz="1500" dirty="0" err="1"/>
                         <a:t>nhiệm</a:t>
                       </a:r>
                       <a:r>
-                        <a:rPr lang="en-US" sz="1200" dirty="0"/>
-                        <a:t> </a:t>
-                      </a:r>
-                      <a:r>
-                        <a:rPr lang="en-US" sz="1200" dirty="0" err="1"/>
+                        <a:rPr lang="en-US" sz="1500" dirty="0"/>
+                        <a:t> </a:t>
+                      </a:r>
+                      <a:r>
+                        <a:rPr lang="en-US" sz="1500" dirty="0" err="1"/>
                         <a:t>chức</a:t>
                       </a:r>
                       <a:r>
-                        <a:rPr lang="en-US" sz="1200" dirty="0"/>
-                        <a:t> </a:t>
-                      </a:r>
-                      <a:r>
-                        <a:rPr lang="en-US" sz="1200" dirty="0" err="1"/>
+                        <a:rPr lang="en-US" sz="1500" dirty="0"/>
+                        <a:t> </a:t>
+                      </a:r>
+                      <a:r>
+                        <a:rPr lang="en-US" sz="1500" dirty="0" err="1"/>
                         <a:t>năng</a:t>
                       </a:r>
                       <a:r>
-                        <a:rPr lang="en-US" sz="1200" dirty="0"/>
-                        <a:t> </a:t>
-                      </a:r>
-                      <a:r>
-                        <a:rPr lang="en-US" sz="1200" dirty="0" err="1"/>
+                        <a:rPr lang="en-US" sz="1500" dirty="0"/>
+                        <a:t> </a:t>
+                      </a:r>
+                      <a:r>
+                        <a:rPr lang="en-US" sz="1500" dirty="0" err="1"/>
                         <a:t>quản</a:t>
                       </a:r>
                       <a:r>
-                        <a:rPr lang="en-US" sz="1200" dirty="0"/>
-                        <a:t> </a:t>
-                      </a:r>
-                      <a:r>
-                        <a:rPr lang="en-US" sz="1200" dirty="0" err="1"/>
+                        <a:rPr lang="en-US" sz="1500" dirty="0"/>
+                        <a:t> </a:t>
+                      </a:r>
+                      <a:r>
+                        <a:rPr lang="en-US" sz="1500" dirty="0" err="1"/>
                         <a:t>danh</a:t>
                       </a:r>
                       <a:r>
-                        <a:rPr lang="en-US" sz="1200" dirty="0"/>
-                        <a:t> </a:t>
-                      </a:r>
-                      <a:r>
-                        <a:rPr lang="en-US" sz="1200" dirty="0" err="1"/>
+                        <a:rPr lang="en-US" sz="1500" dirty="0"/>
+                        <a:t> </a:t>
+                      </a:r>
+                      <a:r>
+                        <a:rPr lang="en-US" sz="1500" dirty="0" err="1"/>
                         <a:t>mục</a:t>
                       </a:r>
                       <a:r>
-                        <a:rPr lang="en-US" sz="1200" dirty="0"/>
-                        <a:t> </a:t>
-                      </a:r>
-                      <a:r>
-                        <a:rPr lang="en-US" sz="1200" dirty="0" err="1"/>
+                        <a:rPr lang="en-US" sz="1500" dirty="0"/>
+                        <a:t> </a:t>
+                      </a:r>
+                      <a:r>
+                        <a:rPr lang="en-US" sz="1500" dirty="0" err="1"/>
                         <a:t>và</a:t>
                       </a:r>
                       <a:r>
-                        <a:rPr lang="en-US" sz="1200" dirty="0"/>
-                        <a:t> </a:t>
-                      </a:r>
-                      <a:r>
-                        <a:rPr lang="en-US" sz="1200" dirty="0" err="1"/>
+                        <a:rPr lang="en-US" sz="1500" dirty="0"/>
+                        <a:t> </a:t>
+                      </a:r>
+                      <a:r>
+                        <a:rPr lang="en-US" sz="1500" dirty="0" err="1"/>
                         <a:t>kiểm</a:t>
                       </a:r>
                       <a:r>
-                        <a:rPr lang="en-US" sz="1200" dirty="0"/>
-                        <a:t> </a:t>
-                      </a:r>
-                      <a:r>
-                        <a:rPr lang="en-US" sz="1200" dirty="0" err="1"/>
+                        <a:rPr lang="en-US" sz="1500" dirty="0"/>
+                        <a:t> </a:t>
+                      </a:r>
+                      <a:r>
+                        <a:rPr lang="en-US" sz="1500" dirty="0" err="1"/>
                         <a:t>tra</a:t>
                       </a:r>
                       <a:r>
-                        <a:rPr lang="en-US" sz="1200" dirty="0"/>
-                        <a:t> </a:t>
-                      </a:r>
-                      <a:r>
-                        <a:rPr lang="en-US" sz="1200" dirty="0" err="1"/>
+                        <a:rPr lang="en-US" sz="1500" dirty="0"/>
+                        <a:t> </a:t>
+                      </a:r>
+                      <a:r>
+                        <a:rPr lang="en-US" sz="1500" dirty="0" err="1"/>
                         <a:t>nhập</a:t>
                       </a:r>
                       <a:r>
-                        <a:rPr lang="en-US" sz="1200" dirty="0"/>
-                        <a:t> </a:t>
-                      </a:r>
-                      <a:r>
-                        <a:rPr lang="en-US" sz="1200" dirty="0" err="1"/>
+                        <a:rPr lang="en-US" sz="1500" dirty="0"/>
+                        <a:t> </a:t>
+                      </a:r>
+                      <a:r>
+                        <a:rPr lang="en-US" sz="1500" dirty="0" err="1"/>
                         <a:t>hàng</a:t>
                       </a:r>
-                      <a:endParaRPr lang="en-US" sz="1200" dirty="0"/>
+                      <a:endParaRPr lang="en-US" sz="1500" dirty="0"/>
                     </a:p>
                   </a:txBody>
                   <a:tcPr/>
@@ -14981,7 +15194,7 @@
                     <a:lstStyle/>
                     <a:p>
                       <a:r>
-                        <a:rPr lang="en-US" sz="1200" dirty="0"/>
+                        <a:rPr lang="en-US" sz="1500" dirty="0"/>
                         <a:t>3</a:t>
                       </a:r>
                     </a:p>
@@ -14994,7 +15207,7 @@
                     <a:lstStyle/>
                     <a:p>
                       <a:r>
-                        <a:rPr lang="en-US" sz="1200" b="0" i="0" kern="1200" dirty="0">
+                        <a:rPr lang="en-US" sz="1500" b="0" i="0" kern="1200" dirty="0">
                           <a:solidFill>
                             <a:schemeClr val="dk1"/>
                           </a:solidFill>
@@ -15005,7 +15218,7 @@
                         </a:rPr>
                         <a:t>3118410162</a:t>
                       </a:r>
-                      <a:endParaRPr lang="en-US" sz="1200" dirty="0"/>
+                      <a:endParaRPr lang="en-US" sz="1500" dirty="0"/>
                     </a:p>
                   </a:txBody>
                   <a:tcPr/>
@@ -15016,26 +15229,26 @@
                     <a:lstStyle/>
                     <a:p>
                       <a:r>
-                        <a:rPr lang="en-US" sz="1200" dirty="0" err="1"/>
+                        <a:rPr lang="en-US" sz="1500" dirty="0" err="1"/>
                         <a:t>Từ</a:t>
                       </a:r>
                       <a:r>
-                        <a:rPr lang="en-US" sz="1200" dirty="0"/>
-                        <a:t> </a:t>
-                      </a:r>
-                      <a:r>
-                        <a:rPr lang="en-US" sz="1200" dirty="0" err="1"/>
+                        <a:rPr lang="en-US" sz="1500" dirty="0"/>
+                        <a:t> </a:t>
+                      </a:r>
+                      <a:r>
+                        <a:rPr lang="en-US" sz="1500" dirty="0" err="1"/>
                         <a:t>Chí</a:t>
                       </a:r>
                       <a:r>
-                        <a:rPr lang="en-US" sz="1200" dirty="0"/>
-                        <a:t> </a:t>
-                      </a:r>
-                      <a:r>
-                        <a:rPr lang="en-US" sz="1200" dirty="0" err="1"/>
+                        <a:rPr lang="en-US" sz="1500" dirty="0"/>
+                        <a:t> </a:t>
+                      </a:r>
+                      <a:r>
+                        <a:rPr lang="en-US" sz="1500" dirty="0" err="1"/>
                         <a:t>Huy</a:t>
                       </a:r>
-                      <a:endParaRPr lang="en-US" sz="1200" dirty="0"/>
+                      <a:endParaRPr lang="en-US" sz="1500" dirty="0"/>
                     </a:p>
                   </a:txBody>
                   <a:tcPr/>
@@ -15046,130 +15259,130 @@
                     <a:lstStyle/>
                     <a:p>
                       <a:r>
-                        <a:rPr lang="en-US" sz="1200" dirty="0" err="1"/>
+                        <a:rPr lang="en-US" sz="1500" dirty="0" err="1"/>
                         <a:t>Làm</a:t>
                       </a:r>
                       <a:r>
-                        <a:rPr lang="en-US" sz="1200" dirty="0"/>
-                        <a:t> </a:t>
-                      </a:r>
-                      <a:r>
-                        <a:rPr lang="en-US" sz="1200" dirty="0" err="1"/>
+                        <a:rPr lang="en-US" sz="1500" dirty="0"/>
+                        <a:t> </a:t>
+                      </a:r>
+                      <a:r>
+                        <a:rPr lang="en-US" sz="1500" dirty="0" err="1"/>
                         <a:t>biểu</a:t>
                       </a:r>
                       <a:r>
-                        <a:rPr lang="en-US" sz="1200" dirty="0"/>
-                        <a:t> </a:t>
-                      </a:r>
-                      <a:r>
-                        <a:rPr lang="en-US" sz="1200" dirty="0" err="1"/>
+                        <a:rPr lang="en-US" sz="1500" dirty="0"/>
+                        <a:t> </a:t>
+                      </a:r>
+                      <a:r>
+                        <a:rPr lang="en-US" sz="1500" dirty="0" err="1"/>
                         <a:t>mẫu</a:t>
                       </a:r>
                       <a:r>
-                        <a:rPr lang="en-US" sz="1200" dirty="0"/>
-                        <a:t> </a:t>
-                      </a:r>
-                      <a:r>
-                        <a:rPr lang="en-US" sz="1200" dirty="0" err="1"/>
+                        <a:rPr lang="en-US" sz="1500" dirty="0"/>
+                        <a:t> </a:t>
+                      </a:r>
+                      <a:r>
+                        <a:rPr lang="en-US" sz="1500" dirty="0" err="1"/>
                         <a:t>và</a:t>
                       </a:r>
                       <a:r>
-                        <a:rPr lang="en-US" sz="1200" dirty="0"/>
-                        <a:t> </a:t>
-                      </a:r>
-                      <a:r>
-                        <a:rPr lang="en-US" sz="1200" dirty="0" err="1"/>
+                        <a:rPr lang="en-US" sz="1500" dirty="0"/>
+                        <a:t> </a:t>
+                      </a:r>
+                      <a:r>
+                        <a:rPr lang="en-US" sz="1500" dirty="0" err="1"/>
                         <a:t>bảng</a:t>
                       </a:r>
                       <a:r>
-                        <a:rPr lang="en-US" sz="1200" dirty="0"/>
-                        <a:t> </a:t>
-                      </a:r>
-                      <a:r>
-                        <a:rPr lang="en-US" sz="1200" dirty="0" err="1"/>
+                        <a:rPr lang="en-US" sz="1500" dirty="0"/>
+                        <a:t> </a:t>
+                      </a:r>
+                      <a:r>
+                        <a:rPr lang="en-US" sz="1500" dirty="0" err="1"/>
                         <a:t>trách</a:t>
                       </a:r>
                       <a:r>
-                        <a:rPr lang="en-US" sz="1200" dirty="0"/>
-                        <a:t> </a:t>
-                      </a:r>
-                      <a:r>
-                        <a:rPr lang="en-US" sz="1200" dirty="0" err="1"/>
+                        <a:rPr lang="en-US" sz="1500" dirty="0"/>
+                        <a:t> </a:t>
+                      </a:r>
+                      <a:r>
+                        <a:rPr lang="en-US" sz="1500" dirty="0" err="1"/>
                         <a:t>nhiệm</a:t>
                       </a:r>
                       <a:r>
-                        <a:rPr lang="en-US" sz="1200" dirty="0"/>
-                        <a:t> </a:t>
-                      </a:r>
-                      <a:r>
-                        <a:rPr lang="en-US" sz="1200" dirty="0" err="1"/>
+                        <a:rPr lang="en-US" sz="1500" dirty="0"/>
+                        <a:t> </a:t>
+                      </a:r>
+                      <a:r>
+                        <a:rPr lang="en-US" sz="1500" dirty="0" err="1"/>
                         <a:t>chức</a:t>
                       </a:r>
                       <a:r>
-                        <a:rPr lang="en-US" sz="1200" dirty="0"/>
-                        <a:t> </a:t>
-                      </a:r>
-                      <a:r>
-                        <a:rPr lang="en-US" sz="1200" dirty="0" err="1"/>
+                        <a:rPr lang="en-US" sz="1500" dirty="0"/>
+                        <a:t> </a:t>
+                      </a:r>
+                      <a:r>
+                        <a:rPr lang="en-US" sz="1500" dirty="0" err="1"/>
                         <a:t>năng</a:t>
                       </a:r>
                       <a:r>
-                        <a:rPr lang="en-US" sz="1200" dirty="0"/>
-                        <a:t> </a:t>
-                      </a:r>
-                      <a:r>
-                        <a:rPr lang="en-US" sz="1200" dirty="0" err="1"/>
+                        <a:rPr lang="en-US" sz="1500" dirty="0"/>
+                        <a:t> </a:t>
+                      </a:r>
+                      <a:r>
+                        <a:rPr lang="en-US" sz="1500" dirty="0" err="1"/>
                         <a:t>quản</a:t>
                       </a:r>
                       <a:r>
-                        <a:rPr lang="en-US" sz="1200" dirty="0"/>
-                        <a:t> </a:t>
-                      </a:r>
-                      <a:r>
-                        <a:rPr lang="en-US" sz="1200" dirty="0" err="1"/>
+                        <a:rPr lang="en-US" sz="1500" dirty="0"/>
+                        <a:t> </a:t>
+                      </a:r>
+                      <a:r>
+                        <a:rPr lang="en-US" sz="1500" dirty="0" err="1"/>
                         <a:t>lý</a:t>
                       </a:r>
                       <a:r>
-                        <a:rPr lang="en-US" sz="1200" dirty="0"/>
-                        <a:t> </a:t>
-                      </a:r>
-                      <a:r>
-                        <a:rPr lang="en-US" sz="1200" dirty="0" err="1"/>
+                        <a:rPr lang="en-US" sz="1500" dirty="0"/>
+                        <a:t> </a:t>
+                      </a:r>
+                      <a:r>
+                        <a:rPr lang="en-US" sz="1500" dirty="0" err="1"/>
                         <a:t>bán</a:t>
                       </a:r>
                       <a:r>
-                        <a:rPr lang="en-US" sz="1200" dirty="0"/>
-                        <a:t> </a:t>
-                      </a:r>
-                      <a:r>
-                        <a:rPr lang="en-US" sz="1200" dirty="0" err="1"/>
+                        <a:rPr lang="en-US" sz="1500" dirty="0"/>
+                        <a:t> </a:t>
+                      </a:r>
+                      <a:r>
+                        <a:rPr lang="en-US" sz="1500" dirty="0" err="1"/>
                         <a:t>hàng</a:t>
                       </a:r>
                       <a:r>
-                        <a:rPr lang="en-US" sz="1200" dirty="0"/>
-                        <a:t> </a:t>
-                      </a:r>
-                      <a:r>
-                        <a:rPr lang="en-US" sz="1200" dirty="0" err="1"/>
+                        <a:rPr lang="en-US" sz="1500" dirty="0"/>
+                        <a:t> </a:t>
+                      </a:r>
+                      <a:r>
+                        <a:rPr lang="en-US" sz="1500" dirty="0" err="1"/>
                         <a:t>và</a:t>
                       </a:r>
                       <a:r>
-                        <a:rPr lang="en-US" sz="1200" dirty="0"/>
-                        <a:t> </a:t>
-                      </a:r>
-                      <a:r>
-                        <a:rPr lang="en-US" sz="1200" dirty="0" err="1"/>
+                        <a:rPr lang="en-US" sz="1500" dirty="0"/>
+                        <a:t> </a:t>
+                      </a:r>
+                      <a:r>
+                        <a:rPr lang="en-US" sz="1500" dirty="0" err="1"/>
                         <a:t>đăng</a:t>
                       </a:r>
                       <a:r>
-                        <a:rPr lang="en-US" sz="1200" dirty="0"/>
-                        <a:t> </a:t>
-                      </a:r>
-                      <a:r>
-                        <a:rPr lang="en-US" sz="1200" dirty="0" err="1"/>
+                        <a:rPr lang="en-US" sz="1500" dirty="0"/>
+                        <a:t> </a:t>
+                      </a:r>
+                      <a:r>
+                        <a:rPr lang="en-US" sz="1500" dirty="0" err="1"/>
                         <a:t>nhập</a:t>
                       </a:r>
-                      <a:endParaRPr lang="en-US" sz="1200" dirty="0"/>
+                      <a:endParaRPr lang="en-US" sz="1500" dirty="0"/>
                     </a:p>
                   </a:txBody>
                   <a:tcPr/>
@@ -15187,7 +15400,7 @@
                     <a:lstStyle/>
                     <a:p>
                       <a:r>
-                        <a:rPr lang="en-US" sz="1200" dirty="0"/>
+                        <a:rPr lang="en-US" sz="1500" dirty="0"/>
                         <a:t>4</a:t>
                       </a:r>
                     </a:p>
@@ -15200,7 +15413,7 @@
                     <a:lstStyle/>
                     <a:p>
                       <a:r>
-                        <a:rPr lang="en-US" sz="1200" dirty="0"/>
+                        <a:rPr lang="en-US" sz="1500" dirty="0"/>
                         <a:t>3118411023</a:t>
                       </a:r>
                     </a:p>
@@ -15213,7 +15426,7 @@
                     <a:lstStyle/>
                     <a:p>
                       <a:r>
-                        <a:rPr lang="en-US" sz="1200" dirty="0"/>
+                        <a:rPr lang="en-US" sz="1500" dirty="0"/>
                         <a:t>Lê Quang Sang</a:t>
                       </a:r>
                     </a:p>
@@ -15226,154 +15439,154 @@
                     <a:lstStyle/>
                     <a:p>
                       <a:r>
-                        <a:rPr lang="en-US" sz="1200" dirty="0" err="1"/>
+                        <a:rPr lang="en-US" sz="1500" dirty="0" err="1"/>
                         <a:t>Làm</a:t>
                       </a:r>
                       <a:r>
-                        <a:rPr lang="en-US" sz="1200" dirty="0"/>
-                        <a:t> </a:t>
-                      </a:r>
-                      <a:r>
-                        <a:rPr lang="en-US" sz="1200" dirty="0" err="1"/>
+                        <a:rPr lang="en-US" sz="1500" dirty="0"/>
+                        <a:t> </a:t>
+                      </a:r>
+                      <a:r>
+                        <a:rPr lang="en-US" sz="1500" dirty="0" err="1"/>
                         <a:t>biểu</a:t>
                       </a:r>
                       <a:r>
-                        <a:rPr lang="en-US" sz="1200" dirty="0"/>
-                        <a:t> </a:t>
-                      </a:r>
-                      <a:r>
-                        <a:rPr lang="en-US" sz="1200" dirty="0" err="1"/>
+                        <a:rPr lang="en-US" sz="1500" dirty="0"/>
+                        <a:t> </a:t>
+                      </a:r>
+                      <a:r>
+                        <a:rPr lang="en-US" sz="1500" dirty="0" err="1"/>
                         <a:t>mẫu</a:t>
                       </a:r>
                       <a:r>
-                        <a:rPr lang="en-US" sz="1200" dirty="0"/>
-                        <a:t> </a:t>
-                      </a:r>
-                      <a:r>
-                        <a:rPr lang="en-US" sz="1200" dirty="0" err="1"/>
+                        <a:rPr lang="en-US" sz="1500" dirty="0"/>
+                        <a:t> </a:t>
+                      </a:r>
+                      <a:r>
+                        <a:rPr lang="en-US" sz="1500" dirty="0" err="1"/>
                         <a:t>và</a:t>
                       </a:r>
                       <a:r>
-                        <a:rPr lang="en-US" sz="1200" dirty="0"/>
-                        <a:t> </a:t>
-                      </a:r>
-                      <a:r>
-                        <a:rPr lang="en-US" sz="1200" dirty="0" err="1"/>
+                        <a:rPr lang="en-US" sz="1500" dirty="0"/>
+                        <a:t> </a:t>
+                      </a:r>
+                      <a:r>
+                        <a:rPr lang="en-US" sz="1500" dirty="0" err="1"/>
                         <a:t>bảng</a:t>
                       </a:r>
                       <a:r>
-                        <a:rPr lang="en-US" sz="1200" dirty="0"/>
-                        <a:t> </a:t>
-                      </a:r>
-                      <a:r>
-                        <a:rPr lang="en-US" sz="1200" dirty="0" err="1"/>
+                        <a:rPr lang="en-US" sz="1500" dirty="0"/>
+                        <a:t> </a:t>
+                      </a:r>
+                      <a:r>
+                        <a:rPr lang="en-US" sz="1500" dirty="0" err="1"/>
                         <a:t>trách</a:t>
                       </a:r>
                       <a:r>
-                        <a:rPr lang="en-US" sz="1200" dirty="0"/>
-                        <a:t> </a:t>
-                      </a:r>
-                      <a:r>
-                        <a:rPr lang="en-US" sz="1200" dirty="0" err="1"/>
+                        <a:rPr lang="en-US" sz="1500" dirty="0"/>
+                        <a:t> </a:t>
+                      </a:r>
+                      <a:r>
+                        <a:rPr lang="en-US" sz="1500" dirty="0" err="1"/>
                         <a:t>nhiệm</a:t>
                       </a:r>
                       <a:r>
-                        <a:rPr lang="en-US" sz="1200" dirty="0"/>
-                        <a:t> </a:t>
-                      </a:r>
-                      <a:r>
-                        <a:rPr lang="en-US" sz="1200" dirty="0" err="1"/>
+                        <a:rPr lang="en-US" sz="1500" dirty="0"/>
+                        <a:t> </a:t>
+                      </a:r>
+                      <a:r>
+                        <a:rPr lang="en-US" sz="1500" dirty="0" err="1"/>
                         <a:t>chức</a:t>
                       </a:r>
                       <a:r>
-                        <a:rPr lang="en-US" sz="1200" dirty="0"/>
-                        <a:t> </a:t>
-                      </a:r>
-                      <a:r>
-                        <a:rPr lang="en-US" sz="1200" dirty="0" err="1"/>
+                        <a:rPr lang="en-US" sz="1500" dirty="0"/>
+                        <a:t> </a:t>
+                      </a:r>
+                      <a:r>
+                        <a:rPr lang="en-US" sz="1500" dirty="0" err="1"/>
                         <a:t>năng</a:t>
                       </a:r>
                       <a:r>
-                        <a:rPr lang="en-US" sz="1200" dirty="0"/>
-                        <a:t> </a:t>
-                      </a:r>
-                      <a:r>
-                        <a:rPr lang="en-US" sz="1200" dirty="0" err="1"/>
+                        <a:rPr lang="en-US" sz="1500" dirty="0"/>
+                        <a:t> </a:t>
+                      </a:r>
+                      <a:r>
+                        <a:rPr lang="en-US" sz="1500" dirty="0" err="1"/>
                         <a:t>quản</a:t>
                       </a:r>
                       <a:r>
-                        <a:rPr lang="en-US" sz="1200" dirty="0"/>
-                        <a:t> </a:t>
-                      </a:r>
-                      <a:r>
-                        <a:rPr lang="en-US" sz="1200" dirty="0" err="1"/>
+                        <a:rPr lang="en-US" sz="1500" dirty="0"/>
+                        <a:t> </a:t>
+                      </a:r>
+                      <a:r>
+                        <a:rPr lang="en-US" sz="1500" dirty="0" err="1"/>
                         <a:t>lý</a:t>
                       </a:r>
                       <a:r>
-                        <a:rPr lang="en-US" sz="1200" dirty="0"/>
-                        <a:t> </a:t>
-                      </a:r>
-                      <a:r>
-                        <a:rPr lang="en-US" sz="1200" dirty="0" err="1"/>
+                        <a:rPr lang="en-US" sz="1500" dirty="0"/>
+                        <a:t> </a:t>
+                      </a:r>
+                      <a:r>
+                        <a:rPr lang="en-US" sz="1500" dirty="0" err="1"/>
                         <a:t>nhà</a:t>
                       </a:r>
                       <a:r>
-                        <a:rPr lang="en-US" sz="1200" dirty="0"/>
-                        <a:t> </a:t>
-                      </a:r>
-                      <a:r>
-                        <a:rPr lang="en-US" sz="1200" dirty="0" err="1"/>
+                        <a:rPr lang="en-US" sz="1500" dirty="0"/>
+                        <a:t> </a:t>
+                      </a:r>
+                      <a:r>
+                        <a:rPr lang="en-US" sz="1500" dirty="0" err="1"/>
                         <a:t>cung</a:t>
                       </a:r>
                       <a:r>
-                        <a:rPr lang="en-US" sz="1200" dirty="0"/>
-                        <a:t> </a:t>
-                      </a:r>
-                      <a:r>
-                        <a:rPr lang="en-US" sz="1200" dirty="0" err="1"/>
+                        <a:rPr lang="en-US" sz="1500" dirty="0"/>
+                        <a:t> </a:t>
+                      </a:r>
+                      <a:r>
+                        <a:rPr lang="en-US" sz="1500" dirty="0" err="1"/>
                         <a:t>cấp</a:t>
                       </a:r>
                       <a:r>
-                        <a:rPr lang="en-US" sz="1200" dirty="0"/>
-                        <a:t> </a:t>
-                      </a:r>
-                      <a:r>
-                        <a:rPr lang="en-US" sz="1200" dirty="0" err="1"/>
+                        <a:rPr lang="en-US" sz="1500" dirty="0"/>
+                        <a:t> </a:t>
+                      </a:r>
+                      <a:r>
+                        <a:rPr lang="en-US" sz="1500" dirty="0" err="1"/>
                         <a:t>và</a:t>
                       </a:r>
                       <a:r>
-                        <a:rPr lang="en-US" sz="1200" dirty="0"/>
-                        <a:t> </a:t>
-                      </a:r>
-                      <a:r>
-                        <a:rPr lang="en-US" sz="1200" dirty="0" err="1"/>
+                        <a:rPr lang="en-US" sz="1500" dirty="0"/>
+                        <a:t> </a:t>
+                      </a:r>
+                      <a:r>
+                        <a:rPr lang="en-US" sz="1500" dirty="0" err="1"/>
                         <a:t>quản</a:t>
                       </a:r>
                       <a:r>
-                        <a:rPr lang="en-US" sz="1200" dirty="0"/>
-                        <a:t> </a:t>
-                      </a:r>
-                      <a:r>
-                        <a:rPr lang="en-US" sz="1200" dirty="0" err="1"/>
+                        <a:rPr lang="en-US" sz="1500" dirty="0"/>
+                        <a:t> </a:t>
+                      </a:r>
+                      <a:r>
+                        <a:rPr lang="en-US" sz="1500" dirty="0" err="1"/>
                         <a:t>lý</a:t>
                       </a:r>
                       <a:r>
-                        <a:rPr lang="en-US" sz="1200" dirty="0"/>
-                        <a:t> </a:t>
-                      </a:r>
-                      <a:r>
-                        <a:rPr lang="en-US" sz="1200" dirty="0" err="1"/>
+                        <a:rPr lang="en-US" sz="1500" dirty="0"/>
+                        <a:t> </a:t>
+                      </a:r>
+                      <a:r>
+                        <a:rPr lang="en-US" sz="1500" dirty="0" err="1"/>
                         <a:t>sản</a:t>
                       </a:r>
                       <a:r>
-                        <a:rPr lang="en-US" sz="1200" dirty="0"/>
-                        <a:t> </a:t>
-                      </a:r>
-                      <a:r>
-                        <a:rPr lang="en-US" sz="1200" dirty="0" err="1"/>
+                        <a:rPr lang="en-US" sz="1500" dirty="0"/>
+                        <a:t> </a:t>
+                      </a:r>
+                      <a:r>
+                        <a:rPr lang="en-US" sz="1500" dirty="0" err="1"/>
                         <a:t>phẩm</a:t>
                       </a:r>
-                      <a:endParaRPr lang="en-US" sz="1200" dirty="0"/>
+                      <a:endParaRPr lang="en-US" sz="1500" dirty="0"/>
                     </a:p>
                   </a:txBody>
                   <a:tcPr/>
@@ -15391,7 +15604,7 @@
                     <a:lstStyle/>
                     <a:p>
                       <a:r>
-                        <a:rPr lang="en-US" sz="1200" dirty="0"/>
+                        <a:rPr lang="en-US" sz="1500" dirty="0"/>
                         <a:t>5</a:t>
                       </a:r>
                     </a:p>
@@ -15404,7 +15617,7 @@
                     <a:lstStyle/>
                     <a:p>
                       <a:r>
-                        <a:rPr lang="en-US" sz="1200" b="0" i="0" kern="1200" dirty="0">
+                        <a:rPr lang="en-US" sz="1500" b="0" i="0" kern="1200" dirty="0">
                           <a:solidFill>
                             <a:schemeClr val="dk1"/>
                           </a:solidFill>
@@ -15415,7 +15628,7 @@
                         </a:rPr>
                         <a:t>3118411028</a:t>
                       </a:r>
-                      <a:endParaRPr lang="en-US" sz="1200" dirty="0"/>
+                      <a:endParaRPr lang="en-US" sz="1500" dirty="0"/>
                     </a:p>
                   </a:txBody>
                   <a:tcPr/>
@@ -15426,18 +15639,18 @@
                     <a:lstStyle/>
                     <a:p>
                       <a:r>
-                        <a:rPr lang="en-US" sz="1200" dirty="0" err="1"/>
+                        <a:rPr lang="en-US" sz="1500" dirty="0" err="1"/>
                         <a:t>Hồng</a:t>
                       </a:r>
                       <a:r>
-                        <a:rPr lang="en-US" sz="1200" dirty="0"/>
-                        <a:t> </a:t>
-                      </a:r>
-                      <a:r>
-                        <a:rPr lang="en-US" sz="1200" dirty="0" err="1"/>
+                        <a:rPr lang="en-US" sz="1500" dirty="0"/>
+                        <a:t> </a:t>
+                      </a:r>
+                      <a:r>
+                        <a:rPr lang="en-US" sz="1500" dirty="0" err="1"/>
                         <a:t>Thái</a:t>
                       </a:r>
-                      <a:endParaRPr lang="en-US" sz="1200" dirty="0"/>
+                      <a:endParaRPr lang="en-US" sz="1500" dirty="0"/>
                     </a:p>
                   </a:txBody>
                   <a:tcPr/>
@@ -15448,122 +15661,122 @@
                     <a:lstStyle/>
                     <a:p>
                       <a:r>
-                        <a:rPr lang="en-US" sz="1200" dirty="0" err="1"/>
+                        <a:rPr lang="en-US" sz="1500" dirty="0" err="1"/>
                         <a:t>Làm</a:t>
                       </a:r>
                       <a:r>
-                        <a:rPr lang="en-US" sz="1200" dirty="0"/>
-                        <a:t> </a:t>
-                      </a:r>
-                      <a:r>
-                        <a:rPr lang="en-US" sz="1200" dirty="0" err="1"/>
+                        <a:rPr lang="en-US" sz="1500" dirty="0"/>
+                        <a:t> </a:t>
+                      </a:r>
+                      <a:r>
+                        <a:rPr lang="en-US" sz="1500" dirty="0" err="1"/>
                         <a:t>biểu</a:t>
                       </a:r>
                       <a:r>
-                        <a:rPr lang="en-US" sz="1200" dirty="0"/>
-                        <a:t> </a:t>
-                      </a:r>
-                      <a:r>
-                        <a:rPr lang="en-US" sz="1200" dirty="0" err="1"/>
+                        <a:rPr lang="en-US" sz="1500" dirty="0"/>
+                        <a:t> </a:t>
+                      </a:r>
+                      <a:r>
+                        <a:rPr lang="en-US" sz="1500" dirty="0" err="1"/>
                         <a:t>mẫu</a:t>
                       </a:r>
                       <a:r>
-                        <a:rPr lang="en-US" sz="1200" dirty="0"/>
-                        <a:t> </a:t>
-                      </a:r>
-                      <a:r>
-                        <a:rPr lang="en-US" sz="1200" dirty="0" err="1"/>
+                        <a:rPr lang="en-US" sz="1500" dirty="0"/>
+                        <a:t> </a:t>
+                      </a:r>
+                      <a:r>
+                        <a:rPr lang="en-US" sz="1500" dirty="0" err="1"/>
                         <a:t>và</a:t>
                       </a:r>
                       <a:r>
-                        <a:rPr lang="en-US" sz="1200" dirty="0"/>
-                        <a:t> </a:t>
-                      </a:r>
-                      <a:r>
-                        <a:rPr lang="en-US" sz="1200" dirty="0" err="1"/>
+                        <a:rPr lang="en-US" sz="1500" dirty="0"/>
+                        <a:t> </a:t>
+                      </a:r>
+                      <a:r>
+                        <a:rPr lang="en-US" sz="1500" dirty="0" err="1"/>
                         <a:t>bảng</a:t>
                       </a:r>
                       <a:r>
-                        <a:rPr lang="en-US" sz="1200" dirty="0"/>
-                        <a:t> </a:t>
-                      </a:r>
-                      <a:r>
-                        <a:rPr lang="en-US" sz="1200" dirty="0" err="1"/>
+                        <a:rPr lang="en-US" sz="1500" dirty="0"/>
+                        <a:t> </a:t>
+                      </a:r>
+                      <a:r>
+                        <a:rPr lang="en-US" sz="1500" dirty="0" err="1"/>
                         <a:t>trách</a:t>
                       </a:r>
                       <a:r>
-                        <a:rPr lang="en-US" sz="1200" dirty="0"/>
-                        <a:t> </a:t>
-                      </a:r>
-                      <a:r>
-                        <a:rPr lang="en-US" sz="1200" dirty="0" err="1"/>
+                        <a:rPr lang="en-US" sz="1500" dirty="0"/>
+                        <a:t> </a:t>
+                      </a:r>
+                      <a:r>
+                        <a:rPr lang="en-US" sz="1500" dirty="0" err="1"/>
                         <a:t>nhiệm</a:t>
                       </a:r>
                       <a:r>
-                        <a:rPr lang="en-US" sz="1200" dirty="0"/>
-                        <a:t> </a:t>
-                      </a:r>
-                      <a:r>
-                        <a:rPr lang="en-US" sz="1200" dirty="0" err="1"/>
+                        <a:rPr lang="en-US" sz="1500" dirty="0"/>
+                        <a:t> </a:t>
+                      </a:r>
+                      <a:r>
+                        <a:rPr lang="en-US" sz="1500" dirty="0" err="1"/>
                         <a:t>chức</a:t>
                       </a:r>
                       <a:r>
-                        <a:rPr lang="en-US" sz="1200" dirty="0"/>
-                        <a:t> </a:t>
-                      </a:r>
-                      <a:r>
-                        <a:rPr lang="en-US" sz="1200" dirty="0" err="1"/>
+                        <a:rPr lang="en-US" sz="1500" dirty="0"/>
+                        <a:t> </a:t>
+                      </a:r>
+                      <a:r>
+                        <a:rPr lang="en-US" sz="1500" dirty="0" err="1"/>
                         <a:t>năng</a:t>
                       </a:r>
                       <a:r>
-                        <a:rPr lang="en-US" sz="1200" dirty="0"/>
-                        <a:t> </a:t>
-                      </a:r>
-                      <a:r>
-                        <a:rPr lang="en-US" sz="1200" dirty="0" err="1"/>
+                        <a:rPr lang="en-US" sz="1500" dirty="0"/>
+                        <a:t> </a:t>
+                      </a:r>
+                      <a:r>
+                        <a:rPr lang="en-US" sz="1500" dirty="0" err="1"/>
                         <a:t>thống</a:t>
                       </a:r>
                       <a:r>
-                        <a:rPr lang="en-US" sz="1200" dirty="0"/>
-                        <a:t> </a:t>
-                      </a:r>
-                      <a:r>
-                        <a:rPr lang="en-US" sz="1200" dirty="0" err="1"/>
+                        <a:rPr lang="en-US" sz="1500" dirty="0"/>
+                        <a:t> </a:t>
+                      </a:r>
+                      <a:r>
+                        <a:rPr lang="en-US" sz="1500" dirty="0" err="1"/>
                         <a:t>kế</a:t>
                       </a:r>
                       <a:r>
-                        <a:rPr lang="en-US" sz="1200" dirty="0"/>
-                        <a:t> </a:t>
-                      </a:r>
-                      <a:r>
-                        <a:rPr lang="en-US" sz="1200" dirty="0" err="1"/>
+                        <a:rPr lang="en-US" sz="1500" dirty="0"/>
+                        <a:t> </a:t>
+                      </a:r>
+                      <a:r>
+                        <a:rPr lang="en-US" sz="1500" dirty="0" err="1"/>
                         <a:t>và</a:t>
                       </a:r>
                       <a:r>
-                        <a:rPr lang="en-US" sz="1200" dirty="0"/>
-                        <a:t> </a:t>
-                      </a:r>
-                      <a:r>
-                        <a:rPr lang="en-US" sz="1200" dirty="0" err="1"/>
+                        <a:rPr lang="en-US" sz="1500" dirty="0"/>
+                        <a:t> </a:t>
+                      </a:r>
+                      <a:r>
+                        <a:rPr lang="en-US" sz="1500" dirty="0" err="1"/>
                         <a:t>quản</a:t>
                       </a:r>
                       <a:r>
-                        <a:rPr lang="en-US" sz="1200" dirty="0"/>
-                        <a:t> </a:t>
-                      </a:r>
-                      <a:r>
-                        <a:rPr lang="en-US" sz="1200" dirty="0" err="1"/>
+                        <a:rPr lang="en-US" sz="1500" dirty="0"/>
+                        <a:t> </a:t>
+                      </a:r>
+                      <a:r>
+                        <a:rPr lang="en-US" sz="1500" dirty="0" err="1"/>
                         <a:t>lý</a:t>
                       </a:r>
                       <a:r>
-                        <a:rPr lang="en-US" sz="1200" dirty="0"/>
-                        <a:t> </a:t>
-                      </a:r>
-                      <a:r>
-                        <a:rPr lang="en-US" sz="1200" dirty="0" err="1"/>
+                        <a:rPr lang="en-US" sz="1500" dirty="0"/>
+                        <a:t> </a:t>
+                      </a:r>
+                      <a:r>
+                        <a:rPr lang="en-US" sz="1500" dirty="0" err="1"/>
                         <a:t>kho</a:t>
                       </a:r>
-                      <a:endParaRPr lang="en-US" sz="1200" dirty="0"/>
+                      <a:endParaRPr lang="en-US" sz="1500" dirty="0"/>
                     </a:p>
                   </a:txBody>
                   <a:tcPr/>
@@ -15656,14 +15869,14 @@
             <p:ph idx="1"/>
             <p:extLst>
               <p:ext uri="{D42A27DB-BD31-4B8C-83A1-F6EECF244321}">
-                <p14:modId xmlns:p14="http://schemas.microsoft.com/office/powerpoint/2010/main" val="790508420"/>
+                <p14:modId xmlns:p14="http://schemas.microsoft.com/office/powerpoint/2010/main" val="2365680026"/>
               </p:ext>
             </p:extLst>
           </p:nvPr>
         </p:nvGraphicFramePr>
         <p:xfrm>
           <a:off x="2842565" y="1442131"/>
-          <a:ext cx="6980140" cy="2656840"/>
+          <a:ext cx="6980140" cy="3977640"/>
         </p:xfrm>
         <a:graphic>
           <a:graphicData uri="http://schemas.openxmlformats.org/drawingml/2006/table">
@@ -15679,14 +15892,14 @@
                     </a:ext>
                   </a:extLst>
                 </a:gridCol>
-                <a:gridCol w="979714">
+                <a:gridCol w="1268963">
                   <a:extLst>
                     <a:ext uri="{9D8B030D-6E8A-4147-A177-3AD203B41FA5}">
                       <a16:colId xmlns:a16="http://schemas.microsoft.com/office/drawing/2014/main" val="908936647"/>
                     </a:ext>
                   </a:extLst>
                 </a:gridCol>
-                <a:gridCol w="1782147">
+                <a:gridCol w="1492898">
                   <a:extLst>
                     <a:ext uri="{9D8B030D-6E8A-4147-A177-3AD203B41FA5}">
                       <a16:colId xmlns:a16="http://schemas.microsoft.com/office/drawing/2014/main" val="3813905972"/>
@@ -15708,7 +15921,7 @@
                     <a:lstStyle/>
                     <a:p>
                       <a:r>
-                        <a:rPr lang="en-US" sz="1200" dirty="0"/>
+                        <a:rPr lang="en-US" sz="1500" dirty="0"/>
                         <a:t>STT</a:t>
                       </a:r>
                     </a:p>
@@ -15721,7 +15934,7 @@
                     <a:lstStyle/>
                     <a:p>
                       <a:r>
-                        <a:rPr lang="en-US" sz="1200" dirty="0"/>
+                        <a:rPr lang="en-US" sz="1500" dirty="0"/>
                         <a:t>MSSV</a:t>
                       </a:r>
                     </a:p>
@@ -15734,26 +15947,26 @@
                     <a:lstStyle/>
                     <a:p>
                       <a:r>
-                        <a:rPr lang="en-US" sz="1200" dirty="0" err="1"/>
+                        <a:rPr lang="en-US" sz="1500" dirty="0" err="1"/>
                         <a:t>Họ</a:t>
                       </a:r>
                       <a:r>
-                        <a:rPr lang="en-US" sz="1200" dirty="0"/>
-                        <a:t> </a:t>
-                      </a:r>
-                      <a:r>
-                        <a:rPr lang="en-US" sz="1200" dirty="0" err="1"/>
+                        <a:rPr lang="en-US" sz="1500" dirty="0"/>
+                        <a:t> </a:t>
+                      </a:r>
+                      <a:r>
+                        <a:rPr lang="en-US" sz="1500" dirty="0" err="1"/>
                         <a:t>và</a:t>
                       </a:r>
                       <a:r>
-                        <a:rPr lang="en-US" sz="1200" dirty="0"/>
-                        <a:t> </a:t>
-                      </a:r>
-                      <a:r>
-                        <a:rPr lang="en-US" sz="1200" dirty="0" err="1"/>
+                        <a:rPr lang="en-US" sz="1500" dirty="0"/>
+                        <a:t> </a:t>
+                      </a:r>
+                      <a:r>
+                        <a:rPr lang="en-US" sz="1500" dirty="0" err="1"/>
                         <a:t>Tên</a:t>
                       </a:r>
-                      <a:endParaRPr lang="en-US" sz="1200" dirty="0"/>
+                      <a:endParaRPr lang="en-US" sz="1500" dirty="0"/>
                     </a:p>
                   </a:txBody>
                   <a:tcPr/>
@@ -15764,18 +15977,18 @@
                     <a:lstStyle/>
                     <a:p>
                       <a:r>
-                        <a:rPr lang="en-US" sz="1200" dirty="0" err="1"/>
+                        <a:rPr lang="en-US" sz="1500" dirty="0" err="1"/>
                         <a:t>Công</a:t>
                       </a:r>
                       <a:r>
-                        <a:rPr lang="en-US" sz="1200" dirty="0"/>
-                        <a:t> </a:t>
-                      </a:r>
-                      <a:r>
-                        <a:rPr lang="en-US" sz="1200" dirty="0" err="1"/>
+                        <a:rPr lang="en-US" sz="1500" dirty="0"/>
+                        <a:t> </a:t>
+                      </a:r>
+                      <a:r>
+                        <a:rPr lang="en-US" sz="1500" dirty="0" err="1"/>
                         <a:t>việc</a:t>
                       </a:r>
-                      <a:endParaRPr lang="en-US" sz="1200" dirty="0"/>
+                      <a:endParaRPr lang="en-US" sz="1500" dirty="0"/>
                     </a:p>
                   </a:txBody>
                   <a:tcPr/>
@@ -15793,7 +16006,7 @@
                     <a:lstStyle/>
                     <a:p>
                       <a:r>
-                        <a:rPr lang="en-US" sz="1200" dirty="0"/>
+                        <a:rPr lang="en-US" sz="1500" dirty="0"/>
                         <a:t>1</a:t>
                       </a:r>
                     </a:p>
@@ -15806,7 +16019,7 @@
                     <a:lstStyle/>
                     <a:p>
                       <a:r>
-                        <a:rPr lang="en-US" sz="1200" b="0" i="0" kern="1200" dirty="0">
+                        <a:rPr lang="en-US" sz="1500" b="0" i="0" kern="1200" dirty="0">
                           <a:solidFill>
                             <a:schemeClr val="dk1"/>
                           </a:solidFill>
@@ -15817,7 +16030,7 @@
                         </a:rPr>
                         <a:t>3118411024</a:t>
                       </a:r>
-                      <a:endParaRPr lang="en-US" sz="1200" dirty="0"/>
+                      <a:endParaRPr lang="en-US" sz="1500" dirty="0"/>
                     </a:p>
                   </a:txBody>
                   <a:tcPr/>
@@ -15828,22 +16041,22 @@
                     <a:lstStyle/>
                     <a:p>
                       <a:r>
-                        <a:rPr lang="en-US" sz="1200" dirty="0"/>
+                        <a:rPr lang="en-US" sz="1500" dirty="0"/>
                         <a:t>Lê </a:t>
                       </a:r>
                       <a:r>
-                        <a:rPr lang="en-US" sz="1200" dirty="0" err="1"/>
+                        <a:rPr lang="en-US" sz="1500" dirty="0" err="1"/>
                         <a:t>Hoàng</a:t>
                       </a:r>
                       <a:r>
-                        <a:rPr lang="en-US" sz="1200" dirty="0"/>
-                        <a:t> </a:t>
-                      </a:r>
-                      <a:r>
-                        <a:rPr lang="en-US" sz="1200" dirty="0" err="1"/>
+                        <a:rPr lang="en-US" sz="1500" dirty="0"/>
+                        <a:t> </a:t>
+                      </a:r>
+                      <a:r>
+                        <a:rPr lang="en-US" sz="1500" dirty="0" err="1"/>
                         <a:t>Tân</a:t>
                       </a:r>
-                      <a:endParaRPr lang="en-US" sz="1200" dirty="0"/>
+                      <a:endParaRPr lang="en-US" sz="1500" dirty="0"/>
                     </a:p>
                   </a:txBody>
                   <a:tcPr/>
@@ -15854,138 +16067,138 @@
                     <a:lstStyle/>
                     <a:p>
                       <a:r>
-                        <a:rPr lang="en-US" sz="1200" dirty="0" err="1"/>
+                        <a:rPr lang="en-US" sz="1500" dirty="0" err="1"/>
                         <a:t>Vẽ</a:t>
                       </a:r>
                       <a:r>
-                        <a:rPr lang="en-US" sz="1200" dirty="0"/>
-                        <a:t> </a:t>
-                      </a:r>
-                      <a:r>
-                        <a:rPr lang="en-US" sz="1200" dirty="0" err="1"/>
+                        <a:rPr lang="en-US" sz="1500" dirty="0"/>
+                        <a:t> </a:t>
+                      </a:r>
+                      <a:r>
+                        <a:rPr lang="en-US" sz="1500" dirty="0" err="1"/>
                         <a:t>sơ</a:t>
                       </a:r>
                       <a:r>
-                        <a:rPr lang="en-US" sz="1200" dirty="0"/>
-                        <a:t> </a:t>
-                      </a:r>
-                      <a:r>
-                        <a:rPr lang="en-US" sz="1200" dirty="0" err="1"/>
+                        <a:rPr lang="en-US" sz="1500" dirty="0"/>
+                        <a:t> </a:t>
+                      </a:r>
+                      <a:r>
+                        <a:rPr lang="en-US" sz="1500" dirty="0" err="1"/>
                         <a:t>đồ</a:t>
                       </a:r>
                       <a:r>
-                        <a:rPr lang="en-US" sz="1200" dirty="0"/>
-                        <a:t> </a:t>
-                      </a:r>
-                      <a:r>
-                        <a:rPr lang="en-US" sz="1200" dirty="0" err="1"/>
+                        <a:rPr lang="en-US" sz="1500" dirty="0"/>
+                        <a:t> </a:t>
+                      </a:r>
+                      <a:r>
+                        <a:rPr lang="en-US" sz="1500" dirty="0" err="1"/>
                         <a:t>DFD,usecase</a:t>
                       </a:r>
                       <a:r>
-                        <a:rPr lang="en-US" sz="1200" dirty="0"/>
+                        <a:rPr lang="en-US" sz="1500" dirty="0"/>
                         <a:t> ,</a:t>
                       </a:r>
                       <a:r>
-                        <a:rPr lang="en-US" sz="1200" dirty="0" err="1"/>
+                        <a:rPr lang="en-US" sz="1500" dirty="0" err="1"/>
                         <a:t>activity,erd</a:t>
                       </a:r>
                       <a:r>
-                        <a:rPr lang="en-US" sz="1200" dirty="0"/>
-                        <a:t> </a:t>
-                      </a:r>
-                      <a:r>
-                        <a:rPr lang="en-US" sz="1200" dirty="0" err="1"/>
+                        <a:rPr lang="en-US" sz="1500" dirty="0"/>
+                        <a:t> </a:t>
+                      </a:r>
+                      <a:r>
+                        <a:rPr lang="en-US" sz="1500" dirty="0" err="1"/>
                         <a:t>cho</a:t>
                       </a:r>
                       <a:r>
-                        <a:rPr lang="en-US" sz="1200" dirty="0"/>
-                        <a:t> </a:t>
-                      </a:r>
-                      <a:r>
-                        <a:rPr lang="en-US" sz="1200" dirty="0" err="1"/>
+                        <a:rPr lang="en-US" sz="1500" dirty="0"/>
+                        <a:t> </a:t>
+                      </a:r>
+                      <a:r>
+                        <a:rPr lang="en-US" sz="1500" dirty="0" err="1"/>
                         <a:t>chức</a:t>
                       </a:r>
                       <a:r>
-                        <a:rPr lang="en-US" sz="1200" dirty="0"/>
-                        <a:t> </a:t>
-                      </a:r>
-                      <a:r>
-                        <a:rPr lang="en-US" sz="1200" dirty="0" err="1"/>
+                        <a:rPr lang="en-US" sz="1500" dirty="0"/>
+                        <a:t> </a:t>
+                      </a:r>
+                      <a:r>
+                        <a:rPr lang="en-US" sz="1500" dirty="0" err="1"/>
                         <a:t>năng</a:t>
                       </a:r>
                       <a:r>
-                        <a:rPr lang="en-US" sz="1200" dirty="0"/>
-                        <a:t> </a:t>
-                      </a:r>
-                      <a:r>
-                        <a:rPr lang="en-US" sz="1200" dirty="0" err="1"/>
+                        <a:rPr lang="en-US" sz="1500" dirty="0"/>
+                        <a:t> </a:t>
+                      </a:r>
+                      <a:r>
+                        <a:rPr lang="en-US" sz="1500" dirty="0" err="1"/>
                         <a:t>quản</a:t>
                       </a:r>
                       <a:r>
-                        <a:rPr lang="en-US" sz="1200" dirty="0"/>
-                        <a:t> </a:t>
-                      </a:r>
-                      <a:r>
-                        <a:rPr lang="en-US" sz="1200" dirty="0" err="1"/>
+                        <a:rPr lang="en-US" sz="1500" dirty="0"/>
+                        <a:t> </a:t>
+                      </a:r>
+                      <a:r>
+                        <a:rPr lang="en-US" sz="1500" dirty="0" err="1"/>
                         <a:t>lý</a:t>
                       </a:r>
                       <a:r>
-                        <a:rPr lang="en-US" sz="1200" dirty="0"/>
-                        <a:t> </a:t>
-                      </a:r>
-                      <a:r>
-                        <a:rPr lang="en-US" sz="1200" dirty="0" err="1"/>
+                        <a:rPr lang="en-US" sz="1500" dirty="0"/>
+                        <a:t> </a:t>
+                      </a:r>
+                      <a:r>
+                        <a:rPr lang="en-US" sz="1500" dirty="0" err="1"/>
                         <a:t>nhân</a:t>
                       </a:r>
                       <a:r>
-                        <a:rPr lang="en-US" sz="1200" dirty="0"/>
-                        <a:t> </a:t>
-                      </a:r>
-                      <a:r>
-                        <a:rPr lang="en-US" sz="1200" dirty="0" err="1"/>
+                        <a:rPr lang="en-US" sz="1500" dirty="0"/>
+                        <a:t> </a:t>
+                      </a:r>
+                      <a:r>
+                        <a:rPr lang="en-US" sz="1500" dirty="0" err="1"/>
                         <a:t>viên</a:t>
                       </a:r>
                       <a:r>
-                        <a:rPr lang="en-US" sz="1200" dirty="0"/>
-                        <a:t> </a:t>
-                      </a:r>
-                      <a:r>
-                        <a:rPr lang="en-US" sz="1200" dirty="0" err="1"/>
+                        <a:rPr lang="en-US" sz="1500" dirty="0"/>
+                        <a:t> </a:t>
+                      </a:r>
+                      <a:r>
+                        <a:rPr lang="en-US" sz="1500" dirty="0" err="1"/>
                         <a:t>và</a:t>
                       </a:r>
                       <a:r>
-                        <a:rPr lang="en-US" sz="1200" dirty="0"/>
-                        <a:t> </a:t>
-                      </a:r>
-                      <a:r>
-                        <a:rPr lang="en-US" sz="1200" dirty="0" err="1"/>
+                        <a:rPr lang="en-US" sz="1500" dirty="0"/>
+                        <a:t> </a:t>
+                      </a:r>
+                      <a:r>
+                        <a:rPr lang="en-US" sz="1500" dirty="0" err="1"/>
                         <a:t>quản</a:t>
                       </a:r>
                       <a:r>
-                        <a:rPr lang="en-US" sz="1200" dirty="0"/>
-                        <a:t> </a:t>
-                      </a:r>
-                      <a:r>
-                        <a:rPr lang="en-US" sz="1200" dirty="0" err="1"/>
+                        <a:rPr lang="en-US" sz="1500" dirty="0"/>
+                        <a:t> </a:t>
+                      </a:r>
+                      <a:r>
+                        <a:rPr lang="en-US" sz="1500" dirty="0" err="1"/>
                         <a:t>lý</a:t>
                       </a:r>
                       <a:r>
-                        <a:rPr lang="en-US" sz="1200" dirty="0"/>
-                        <a:t> </a:t>
-                      </a:r>
-                      <a:r>
-                        <a:rPr lang="en-US" sz="1200" dirty="0" err="1"/>
+                        <a:rPr lang="en-US" sz="1500" dirty="0"/>
+                        <a:t> </a:t>
+                      </a:r>
+                      <a:r>
+                        <a:rPr lang="en-US" sz="1500" dirty="0" err="1"/>
                         <a:t>khách</a:t>
                       </a:r>
                       <a:r>
-                        <a:rPr lang="en-US" sz="1200" dirty="0"/>
-                        <a:t> </a:t>
-                      </a:r>
-                      <a:r>
-                        <a:rPr lang="en-US" sz="1200" dirty="0" err="1"/>
+                        <a:rPr lang="en-US" sz="1500" dirty="0"/>
+                        <a:t> </a:t>
+                      </a:r>
+                      <a:r>
+                        <a:rPr lang="en-US" sz="1500" dirty="0" err="1"/>
                         <a:t>hàng</a:t>
                       </a:r>
-                      <a:endParaRPr lang="en-US" sz="1200" dirty="0"/>
+                      <a:endParaRPr lang="en-US" sz="1500" dirty="0"/>
                     </a:p>
                   </a:txBody>
                   <a:tcPr/>
@@ -16003,7 +16216,7 @@
                     <a:lstStyle/>
                     <a:p>
                       <a:r>
-                        <a:rPr lang="en-US" sz="1200" dirty="0"/>
+                        <a:rPr lang="en-US" sz="1500" dirty="0"/>
                         <a:t>2</a:t>
                       </a:r>
                     </a:p>
@@ -16016,7 +16229,7 @@
                     <a:lstStyle/>
                     <a:p>
                       <a:r>
-                        <a:rPr lang="en-US" sz="1200" dirty="0"/>
+                        <a:rPr lang="en-US" sz="1500" dirty="0"/>
                         <a:t>3118411019</a:t>
                       </a:r>
                     </a:p>
@@ -16029,34 +16242,34 @@
                     <a:lstStyle/>
                     <a:p>
                       <a:r>
-                        <a:rPr lang="en-US" sz="1200" dirty="0" err="1"/>
+                        <a:rPr lang="en-US" sz="1500" dirty="0" err="1"/>
                         <a:t>Trương</a:t>
                       </a:r>
                       <a:r>
-                        <a:rPr lang="en-US" sz="1200" dirty="0"/>
-                        <a:t> </a:t>
-                      </a:r>
-                      <a:r>
-                        <a:rPr lang="en-US" sz="1200" dirty="0" err="1"/>
+                        <a:rPr lang="en-US" sz="1500" dirty="0"/>
+                        <a:t> </a:t>
+                      </a:r>
+                      <a:r>
+                        <a:rPr lang="en-US" sz="1500" dirty="0" err="1"/>
                         <a:t>Nguyễn</a:t>
                       </a:r>
                       <a:r>
-                        <a:rPr lang="en-US" sz="1200" dirty="0"/>
-                        <a:t> </a:t>
-                      </a:r>
-                      <a:r>
-                        <a:rPr lang="en-US" sz="1200" dirty="0" err="1"/>
+                        <a:rPr lang="en-US" sz="1500" dirty="0"/>
+                        <a:t> </a:t>
+                      </a:r>
+                      <a:r>
+                        <a:rPr lang="en-US" sz="1500" dirty="0" err="1"/>
                         <a:t>Yến</a:t>
                       </a:r>
                       <a:r>
-                        <a:rPr lang="en-US" sz="1200" dirty="0"/>
-                        <a:t> </a:t>
-                      </a:r>
-                      <a:r>
-                        <a:rPr lang="en-US" sz="1200" dirty="0" err="1"/>
+                        <a:rPr lang="en-US" sz="1500" dirty="0"/>
+                        <a:t> </a:t>
+                      </a:r>
+                      <a:r>
+                        <a:rPr lang="en-US" sz="1500" dirty="0" err="1"/>
                         <a:t>Nhi</a:t>
                       </a:r>
-                      <a:endParaRPr lang="en-US" sz="1200" dirty="0"/>
+                      <a:endParaRPr lang="en-US" sz="1500" dirty="0"/>
                     </a:p>
                   </a:txBody>
                   <a:tcPr/>
@@ -16067,130 +16280,130 @@
                     <a:lstStyle/>
                     <a:p>
                       <a:r>
-                        <a:rPr lang="en-US" sz="1200" dirty="0" err="1"/>
+                        <a:rPr lang="en-US" sz="1500" dirty="0" err="1"/>
                         <a:t>Vẽ</a:t>
                       </a:r>
                       <a:r>
-                        <a:rPr lang="en-US" sz="1200" dirty="0"/>
-                        <a:t> </a:t>
-                      </a:r>
-                      <a:r>
-                        <a:rPr lang="en-US" sz="1200" dirty="0" err="1"/>
+                        <a:rPr lang="en-US" sz="1500" dirty="0"/>
+                        <a:t> </a:t>
+                      </a:r>
+                      <a:r>
+                        <a:rPr lang="en-US" sz="1500" dirty="0" err="1"/>
                         <a:t>sơ</a:t>
                       </a:r>
                       <a:r>
-                        <a:rPr lang="en-US" sz="1200" dirty="0"/>
-                        <a:t> </a:t>
-                      </a:r>
-                      <a:r>
-                        <a:rPr lang="en-US" sz="1200" dirty="0" err="1"/>
+                        <a:rPr lang="en-US" sz="1500" dirty="0"/>
+                        <a:t> </a:t>
+                      </a:r>
+                      <a:r>
+                        <a:rPr lang="en-US" sz="1500" dirty="0" err="1"/>
                         <a:t>đồ</a:t>
                       </a:r>
                       <a:r>
-                        <a:rPr lang="en-US" sz="1200" dirty="0"/>
-                        <a:t> </a:t>
-                      </a:r>
-                      <a:r>
-                        <a:rPr lang="en-US" sz="1200" dirty="0" err="1"/>
+                        <a:rPr lang="en-US" sz="1500" dirty="0"/>
+                        <a:t> </a:t>
+                      </a:r>
+                      <a:r>
+                        <a:rPr lang="en-US" sz="1500" dirty="0" err="1"/>
                         <a:t>DFD,usecase</a:t>
                       </a:r>
                       <a:r>
-                        <a:rPr lang="en-US" sz="1200" dirty="0"/>
+                        <a:rPr lang="en-US" sz="1500" dirty="0"/>
                         <a:t> ,</a:t>
                       </a:r>
                       <a:r>
-                        <a:rPr lang="en-US" sz="1200" dirty="0" err="1"/>
+                        <a:rPr lang="en-US" sz="1500" dirty="0" err="1"/>
                         <a:t>activity,erd</a:t>
                       </a:r>
                       <a:r>
-                        <a:rPr lang="en-US" sz="1200" dirty="0"/>
-                        <a:t> </a:t>
-                      </a:r>
-                      <a:r>
-                        <a:rPr lang="en-US" sz="1200" dirty="0" err="1"/>
+                        <a:rPr lang="en-US" sz="1500" dirty="0"/>
+                        <a:t> </a:t>
+                      </a:r>
+                      <a:r>
+                        <a:rPr lang="en-US" sz="1500" dirty="0" err="1"/>
                         <a:t>cho</a:t>
                       </a:r>
                       <a:r>
-                        <a:rPr lang="en-US" sz="1200" dirty="0"/>
-                        <a:t> </a:t>
-                      </a:r>
-                      <a:r>
-                        <a:rPr lang="en-US" sz="1200" dirty="0" err="1"/>
+                        <a:rPr lang="en-US" sz="1500" dirty="0"/>
+                        <a:t> </a:t>
+                      </a:r>
+                      <a:r>
+                        <a:rPr lang="en-US" sz="1500" dirty="0" err="1"/>
                         <a:t>chức</a:t>
                       </a:r>
                       <a:r>
-                        <a:rPr lang="en-US" sz="1200" dirty="0"/>
-                        <a:t> </a:t>
-                      </a:r>
-                      <a:r>
-                        <a:rPr lang="en-US" sz="1200" dirty="0" err="1"/>
+                        <a:rPr lang="en-US" sz="1500" dirty="0"/>
+                        <a:t> </a:t>
+                      </a:r>
+                      <a:r>
+                        <a:rPr lang="en-US" sz="1500" dirty="0" err="1"/>
                         <a:t>năng</a:t>
                       </a:r>
                       <a:r>
-                        <a:rPr lang="en-US" sz="1200" dirty="0"/>
-                        <a:t> </a:t>
-                      </a:r>
-                      <a:r>
-                        <a:rPr lang="en-US" sz="1200" dirty="0" err="1"/>
+                        <a:rPr lang="en-US" sz="1500" dirty="0"/>
+                        <a:t> </a:t>
+                      </a:r>
+                      <a:r>
+                        <a:rPr lang="en-US" sz="1500" dirty="0" err="1"/>
                         <a:t>quản</a:t>
                       </a:r>
                       <a:r>
-                        <a:rPr lang="en-US" sz="1200" dirty="0"/>
-                        <a:t> </a:t>
-                      </a:r>
-                      <a:r>
-                        <a:rPr lang="en-US" sz="1200" dirty="0" err="1"/>
+                        <a:rPr lang="en-US" sz="1500" dirty="0"/>
+                        <a:t> </a:t>
+                      </a:r>
+                      <a:r>
+                        <a:rPr lang="en-US" sz="1500" dirty="0" err="1"/>
                         <a:t>danh</a:t>
                       </a:r>
                       <a:r>
-                        <a:rPr lang="en-US" sz="1200" dirty="0"/>
-                        <a:t> </a:t>
-                      </a:r>
-                      <a:r>
-                        <a:rPr lang="en-US" sz="1200" dirty="0" err="1"/>
+                        <a:rPr lang="en-US" sz="1500" dirty="0"/>
+                        <a:t> </a:t>
+                      </a:r>
+                      <a:r>
+                        <a:rPr lang="en-US" sz="1500" dirty="0" err="1"/>
                         <a:t>mục</a:t>
                       </a:r>
                       <a:r>
-                        <a:rPr lang="en-US" sz="1200" dirty="0"/>
-                        <a:t> </a:t>
-                      </a:r>
-                      <a:r>
-                        <a:rPr lang="en-US" sz="1200" dirty="0" err="1"/>
+                        <a:rPr lang="en-US" sz="1500" dirty="0"/>
+                        <a:t> </a:t>
+                      </a:r>
+                      <a:r>
+                        <a:rPr lang="en-US" sz="1500" dirty="0" err="1"/>
                         <a:t>và</a:t>
                       </a:r>
                       <a:r>
-                        <a:rPr lang="en-US" sz="1200" dirty="0"/>
-                        <a:t> </a:t>
-                      </a:r>
-                      <a:r>
-                        <a:rPr lang="en-US" sz="1200" dirty="0" err="1"/>
+                        <a:rPr lang="en-US" sz="1500" dirty="0"/>
+                        <a:t> </a:t>
+                      </a:r>
+                      <a:r>
+                        <a:rPr lang="en-US" sz="1500" dirty="0" err="1"/>
                         <a:t>kiểm</a:t>
                       </a:r>
                       <a:r>
-                        <a:rPr lang="en-US" sz="1200" dirty="0"/>
-                        <a:t> </a:t>
-                      </a:r>
-                      <a:r>
-                        <a:rPr lang="en-US" sz="1200" dirty="0" err="1"/>
+                        <a:rPr lang="en-US" sz="1500" dirty="0"/>
+                        <a:t> </a:t>
+                      </a:r>
+                      <a:r>
+                        <a:rPr lang="en-US" sz="1500" dirty="0" err="1"/>
                         <a:t>tra</a:t>
                       </a:r>
                       <a:r>
-                        <a:rPr lang="en-US" sz="1200" dirty="0"/>
-                        <a:t> </a:t>
-                      </a:r>
-                      <a:r>
-                        <a:rPr lang="en-US" sz="1200" dirty="0" err="1"/>
+                        <a:rPr lang="en-US" sz="1500" dirty="0"/>
+                        <a:t> </a:t>
+                      </a:r>
+                      <a:r>
+                        <a:rPr lang="en-US" sz="1500" dirty="0" err="1"/>
                         <a:t>nhập</a:t>
                       </a:r>
                       <a:r>
-                        <a:rPr lang="en-US" sz="1200" dirty="0"/>
-                        <a:t> </a:t>
-                      </a:r>
-                      <a:r>
-                        <a:rPr lang="en-US" sz="1200" dirty="0" err="1"/>
+                        <a:rPr lang="en-US" sz="1500" dirty="0"/>
+                        <a:t> </a:t>
+                      </a:r>
+                      <a:r>
+                        <a:rPr lang="en-US" sz="1500" dirty="0" err="1"/>
                         <a:t>hàng</a:t>
                       </a:r>
-                      <a:endParaRPr lang="en-US" sz="1200" dirty="0"/>
+                      <a:endParaRPr lang="en-US" sz="1500" dirty="0"/>
                     </a:p>
                   </a:txBody>
                   <a:tcPr/>
@@ -16208,7 +16421,7 @@
                     <a:lstStyle/>
                     <a:p>
                       <a:r>
-                        <a:rPr lang="en-US" sz="1200" dirty="0"/>
+                        <a:rPr lang="en-US" sz="1500" dirty="0"/>
                         <a:t>3</a:t>
                       </a:r>
                     </a:p>
@@ -16221,7 +16434,7 @@
                     <a:lstStyle/>
                     <a:p>
                       <a:r>
-                        <a:rPr lang="en-US" sz="1200" b="0" i="0" kern="1200" dirty="0">
+                        <a:rPr lang="en-US" sz="1500" b="0" i="0" kern="1200" dirty="0">
                           <a:solidFill>
                             <a:schemeClr val="dk1"/>
                           </a:solidFill>
@@ -16232,7 +16445,7 @@
                         </a:rPr>
                         <a:t>3118410162</a:t>
                       </a:r>
-                      <a:endParaRPr lang="en-US" sz="1200" dirty="0"/>
+                      <a:endParaRPr lang="en-US" sz="1500" dirty="0"/>
                     </a:p>
                   </a:txBody>
                   <a:tcPr/>
@@ -16243,26 +16456,26 @@
                     <a:lstStyle/>
                     <a:p>
                       <a:r>
-                        <a:rPr lang="en-US" sz="1200" dirty="0" err="1"/>
+                        <a:rPr lang="en-US" sz="1500" dirty="0" err="1"/>
                         <a:t>Từ</a:t>
                       </a:r>
                       <a:r>
-                        <a:rPr lang="en-US" sz="1200" dirty="0"/>
-                        <a:t> </a:t>
-                      </a:r>
-                      <a:r>
-                        <a:rPr lang="en-US" sz="1200" dirty="0" err="1"/>
+                        <a:rPr lang="en-US" sz="1500" dirty="0"/>
+                        <a:t> </a:t>
+                      </a:r>
+                      <a:r>
+                        <a:rPr lang="en-US" sz="1500" dirty="0" err="1"/>
                         <a:t>Chí</a:t>
                       </a:r>
                       <a:r>
-                        <a:rPr lang="en-US" sz="1200" dirty="0"/>
-                        <a:t> </a:t>
-                      </a:r>
-                      <a:r>
-                        <a:rPr lang="en-US" sz="1200" dirty="0" err="1"/>
+                        <a:rPr lang="en-US" sz="1500" dirty="0"/>
+                        <a:t> </a:t>
+                      </a:r>
+                      <a:r>
+                        <a:rPr lang="en-US" sz="1500" dirty="0" err="1"/>
                         <a:t>Huy</a:t>
                       </a:r>
-                      <a:endParaRPr lang="en-US" sz="1200" dirty="0"/>
+                      <a:endParaRPr lang="en-US" sz="1500" dirty="0"/>
                     </a:p>
                   </a:txBody>
                   <a:tcPr/>
@@ -16273,122 +16486,122 @@
                     <a:lstStyle/>
                     <a:p>
                       <a:r>
-                        <a:rPr lang="en-US" sz="1200" dirty="0" err="1"/>
+                        <a:rPr lang="en-US" sz="1500" dirty="0" err="1"/>
                         <a:t>Vẽ</a:t>
                       </a:r>
                       <a:r>
-                        <a:rPr lang="en-US" sz="1200" dirty="0"/>
-                        <a:t> </a:t>
-                      </a:r>
-                      <a:r>
-                        <a:rPr lang="en-US" sz="1200" dirty="0" err="1"/>
+                        <a:rPr lang="en-US" sz="1500" dirty="0"/>
+                        <a:t> </a:t>
+                      </a:r>
+                      <a:r>
+                        <a:rPr lang="en-US" sz="1500" dirty="0" err="1"/>
                         <a:t>sơ</a:t>
                       </a:r>
                       <a:r>
-                        <a:rPr lang="en-US" sz="1200" dirty="0"/>
-                        <a:t> </a:t>
-                      </a:r>
-                      <a:r>
-                        <a:rPr lang="en-US" sz="1200" dirty="0" err="1"/>
+                        <a:rPr lang="en-US" sz="1500" dirty="0"/>
+                        <a:t> </a:t>
+                      </a:r>
+                      <a:r>
+                        <a:rPr lang="en-US" sz="1500" dirty="0" err="1"/>
                         <a:t>đồ</a:t>
                       </a:r>
                       <a:r>
-                        <a:rPr lang="en-US" sz="1200" dirty="0"/>
-                        <a:t> </a:t>
-                      </a:r>
-                      <a:r>
-                        <a:rPr lang="en-US" sz="1200" dirty="0" err="1"/>
+                        <a:rPr lang="en-US" sz="1500" dirty="0"/>
+                        <a:t> </a:t>
+                      </a:r>
+                      <a:r>
+                        <a:rPr lang="en-US" sz="1500" dirty="0" err="1"/>
                         <a:t>DFD,usecase</a:t>
                       </a:r>
                       <a:r>
-                        <a:rPr lang="en-US" sz="1200" dirty="0"/>
+                        <a:rPr lang="en-US" sz="1500" dirty="0"/>
                         <a:t> ,</a:t>
                       </a:r>
                       <a:r>
-                        <a:rPr lang="en-US" sz="1200" dirty="0" err="1"/>
+                        <a:rPr lang="en-US" sz="1500" dirty="0" err="1"/>
                         <a:t>activity,erd</a:t>
                       </a:r>
                       <a:r>
-                        <a:rPr lang="en-US" sz="1200" dirty="0"/>
-                        <a:t> </a:t>
-                      </a:r>
-                      <a:r>
-                        <a:rPr lang="en-US" sz="1200" dirty="0" err="1"/>
+                        <a:rPr lang="en-US" sz="1500" dirty="0"/>
+                        <a:t> </a:t>
+                      </a:r>
+                      <a:r>
+                        <a:rPr lang="en-US" sz="1500" dirty="0" err="1"/>
                         <a:t>cho</a:t>
                       </a:r>
                       <a:r>
-                        <a:rPr lang="en-US" sz="1200" dirty="0"/>
-                        <a:t> </a:t>
-                      </a:r>
-                      <a:r>
-                        <a:rPr lang="en-US" sz="1200" dirty="0" err="1"/>
+                        <a:rPr lang="en-US" sz="1500" dirty="0"/>
+                        <a:t> </a:t>
+                      </a:r>
+                      <a:r>
+                        <a:rPr lang="en-US" sz="1500" dirty="0" err="1"/>
                         <a:t>chức</a:t>
                       </a:r>
                       <a:r>
-                        <a:rPr lang="en-US" sz="1200" dirty="0"/>
-                        <a:t> </a:t>
-                      </a:r>
-                      <a:r>
-                        <a:rPr lang="en-US" sz="1200" dirty="0" err="1"/>
+                        <a:rPr lang="en-US" sz="1500" dirty="0"/>
+                        <a:t> </a:t>
+                      </a:r>
+                      <a:r>
+                        <a:rPr lang="en-US" sz="1500" dirty="0" err="1"/>
                         <a:t>năng</a:t>
                       </a:r>
                       <a:r>
-                        <a:rPr lang="en-US" sz="1200" dirty="0"/>
-                        <a:t> </a:t>
-                      </a:r>
-                      <a:r>
-                        <a:rPr lang="en-US" sz="1200" dirty="0" err="1"/>
+                        <a:rPr lang="en-US" sz="1500" dirty="0"/>
+                        <a:t> </a:t>
+                      </a:r>
+                      <a:r>
+                        <a:rPr lang="en-US" sz="1500" dirty="0" err="1"/>
                         <a:t>quản</a:t>
                       </a:r>
                       <a:r>
-                        <a:rPr lang="en-US" sz="1200" dirty="0"/>
-                        <a:t> </a:t>
-                      </a:r>
-                      <a:r>
-                        <a:rPr lang="en-US" sz="1200" dirty="0" err="1"/>
+                        <a:rPr lang="en-US" sz="1500" dirty="0"/>
+                        <a:t> </a:t>
+                      </a:r>
+                      <a:r>
+                        <a:rPr lang="en-US" sz="1500" dirty="0" err="1"/>
                         <a:t>lý</a:t>
                       </a:r>
                       <a:r>
-                        <a:rPr lang="en-US" sz="1200" dirty="0"/>
-                        <a:t> </a:t>
-                      </a:r>
-                      <a:r>
-                        <a:rPr lang="en-US" sz="1200" dirty="0" err="1"/>
+                        <a:rPr lang="en-US" sz="1500" dirty="0"/>
+                        <a:t> </a:t>
+                      </a:r>
+                      <a:r>
+                        <a:rPr lang="en-US" sz="1500" dirty="0" err="1"/>
                         <a:t>bán</a:t>
                       </a:r>
                       <a:r>
-                        <a:rPr lang="en-US" sz="1200" dirty="0"/>
-                        <a:t> </a:t>
-                      </a:r>
-                      <a:r>
-                        <a:rPr lang="en-US" sz="1200" dirty="0" err="1"/>
+                        <a:rPr lang="en-US" sz="1500" dirty="0"/>
+                        <a:t> </a:t>
+                      </a:r>
+                      <a:r>
+                        <a:rPr lang="en-US" sz="1500" dirty="0" err="1"/>
                         <a:t>hàng</a:t>
                       </a:r>
                       <a:r>
-                        <a:rPr lang="en-US" sz="1200" dirty="0"/>
-                        <a:t> </a:t>
-                      </a:r>
-                      <a:r>
-                        <a:rPr lang="en-US" sz="1200" dirty="0" err="1"/>
+                        <a:rPr lang="en-US" sz="1500" dirty="0"/>
+                        <a:t> </a:t>
+                      </a:r>
+                      <a:r>
+                        <a:rPr lang="en-US" sz="1500" dirty="0" err="1"/>
                         <a:t>và</a:t>
                       </a:r>
                       <a:r>
-                        <a:rPr lang="en-US" sz="1200" dirty="0"/>
-                        <a:t> </a:t>
-                      </a:r>
-                      <a:r>
-                        <a:rPr lang="en-US" sz="1200" dirty="0" err="1"/>
+                        <a:rPr lang="en-US" sz="1500" dirty="0"/>
+                        <a:t> </a:t>
+                      </a:r>
+                      <a:r>
+                        <a:rPr lang="en-US" sz="1500" dirty="0" err="1"/>
                         <a:t>đăng</a:t>
                       </a:r>
                       <a:r>
-                        <a:rPr lang="en-US" sz="1200" dirty="0"/>
-                        <a:t> </a:t>
-                      </a:r>
-                      <a:r>
-                        <a:rPr lang="en-US" sz="1200" dirty="0" err="1"/>
+                        <a:rPr lang="en-US" sz="1500" dirty="0"/>
+                        <a:t> </a:t>
+                      </a:r>
+                      <a:r>
+                        <a:rPr lang="en-US" sz="1500" dirty="0" err="1"/>
                         <a:t>nhập</a:t>
                       </a:r>
-                      <a:endParaRPr lang="en-US" sz="1200" dirty="0"/>
+                      <a:endParaRPr lang="en-US" sz="1500" dirty="0"/>
                     </a:p>
                   </a:txBody>
                   <a:tcPr/>
@@ -16406,7 +16619,7 @@
                     <a:lstStyle/>
                     <a:p>
                       <a:r>
-                        <a:rPr lang="en-US" sz="1200" dirty="0"/>
+                        <a:rPr lang="en-US" sz="1500" dirty="0"/>
                         <a:t>4</a:t>
                       </a:r>
                     </a:p>
@@ -16419,7 +16632,7 @@
                     <a:lstStyle/>
                     <a:p>
                       <a:r>
-                        <a:rPr lang="en-US" sz="1200" dirty="0"/>
+                        <a:rPr lang="en-US" sz="1500" dirty="0"/>
                         <a:t>3118411023</a:t>
                       </a:r>
                     </a:p>
@@ -16432,7 +16645,7 @@
                     <a:lstStyle/>
                     <a:p>
                       <a:r>
-                        <a:rPr lang="en-US" sz="1200" dirty="0"/>
+                        <a:rPr lang="en-US" sz="1500" dirty="0"/>
                         <a:t>Lê Quang Sang</a:t>
                       </a:r>
                     </a:p>
@@ -16445,146 +16658,146 @@
                     <a:lstStyle/>
                     <a:p>
                       <a:r>
-                        <a:rPr lang="en-US" sz="1200" dirty="0" err="1"/>
+                        <a:rPr lang="en-US" sz="1500" dirty="0" err="1"/>
                         <a:t>Vẽ</a:t>
                       </a:r>
                       <a:r>
-                        <a:rPr lang="en-US" sz="1200" dirty="0"/>
-                        <a:t> </a:t>
-                      </a:r>
-                      <a:r>
-                        <a:rPr lang="en-US" sz="1200" dirty="0" err="1"/>
+                        <a:rPr lang="en-US" sz="1500" dirty="0"/>
+                        <a:t> </a:t>
+                      </a:r>
+                      <a:r>
+                        <a:rPr lang="en-US" sz="1500" dirty="0" err="1"/>
                         <a:t>sơ</a:t>
                       </a:r>
                       <a:r>
-                        <a:rPr lang="en-US" sz="1200" dirty="0"/>
-                        <a:t> </a:t>
-                      </a:r>
-                      <a:r>
-                        <a:rPr lang="en-US" sz="1200" dirty="0" err="1"/>
+                        <a:rPr lang="en-US" sz="1500" dirty="0"/>
+                        <a:t> </a:t>
+                      </a:r>
+                      <a:r>
+                        <a:rPr lang="en-US" sz="1500" dirty="0" err="1"/>
                         <a:t>đồ</a:t>
                       </a:r>
                       <a:r>
-                        <a:rPr lang="en-US" sz="1200" dirty="0"/>
-                        <a:t> </a:t>
-                      </a:r>
-                      <a:r>
-                        <a:rPr lang="en-US" sz="1200" dirty="0" err="1"/>
+                        <a:rPr lang="en-US" sz="1500" dirty="0"/>
+                        <a:t> </a:t>
+                      </a:r>
+                      <a:r>
+                        <a:rPr lang="en-US" sz="1500" dirty="0" err="1"/>
                         <a:t>DFD,usecase</a:t>
                       </a:r>
                       <a:r>
-                        <a:rPr lang="en-US" sz="1200" dirty="0"/>
+                        <a:rPr lang="en-US" sz="1500" dirty="0"/>
                         <a:t> ,</a:t>
                       </a:r>
                       <a:r>
-                        <a:rPr lang="en-US" sz="1200" dirty="0" err="1"/>
+                        <a:rPr lang="en-US" sz="1500" dirty="0" err="1"/>
                         <a:t>activity,erd</a:t>
                       </a:r>
                       <a:r>
-                        <a:rPr lang="en-US" sz="1200" dirty="0"/>
-                        <a:t> </a:t>
-                      </a:r>
-                      <a:r>
-                        <a:rPr lang="en-US" sz="1200" dirty="0" err="1"/>
+                        <a:rPr lang="en-US" sz="1500" dirty="0"/>
+                        <a:t> </a:t>
+                      </a:r>
+                      <a:r>
+                        <a:rPr lang="en-US" sz="1500" dirty="0" err="1"/>
                         <a:t>cho</a:t>
                       </a:r>
                       <a:r>
-                        <a:rPr lang="en-US" sz="1200" dirty="0"/>
-                        <a:t> </a:t>
-                      </a:r>
-                      <a:r>
-                        <a:rPr lang="en-US" sz="1200" dirty="0" err="1"/>
+                        <a:rPr lang="en-US" sz="1500" dirty="0"/>
+                        <a:t> </a:t>
+                      </a:r>
+                      <a:r>
+                        <a:rPr lang="en-US" sz="1500" dirty="0" err="1"/>
                         <a:t>chức</a:t>
                       </a:r>
                       <a:r>
-                        <a:rPr lang="en-US" sz="1200" dirty="0"/>
-                        <a:t> </a:t>
-                      </a:r>
-                      <a:r>
-                        <a:rPr lang="en-US" sz="1200" dirty="0" err="1"/>
+                        <a:rPr lang="en-US" sz="1500" dirty="0"/>
+                        <a:t> </a:t>
+                      </a:r>
+                      <a:r>
+                        <a:rPr lang="en-US" sz="1500" dirty="0" err="1"/>
                         <a:t>năng</a:t>
                       </a:r>
                       <a:r>
-                        <a:rPr lang="en-US" sz="1200" dirty="0"/>
-                        <a:t> </a:t>
-                      </a:r>
-                      <a:r>
-                        <a:rPr lang="en-US" sz="1200" dirty="0" err="1"/>
+                        <a:rPr lang="en-US" sz="1500" dirty="0"/>
+                        <a:t> </a:t>
+                      </a:r>
+                      <a:r>
+                        <a:rPr lang="en-US" sz="1500" dirty="0" err="1"/>
                         <a:t>quản</a:t>
                       </a:r>
                       <a:r>
-                        <a:rPr lang="en-US" sz="1200" dirty="0"/>
-                        <a:t> </a:t>
-                      </a:r>
-                      <a:r>
-                        <a:rPr lang="en-US" sz="1200" dirty="0" err="1"/>
+                        <a:rPr lang="en-US" sz="1500" dirty="0"/>
+                        <a:t> </a:t>
+                      </a:r>
+                      <a:r>
+                        <a:rPr lang="en-US" sz="1500" dirty="0" err="1"/>
                         <a:t>lý</a:t>
                       </a:r>
                       <a:r>
-                        <a:rPr lang="en-US" sz="1200" dirty="0"/>
-                        <a:t> </a:t>
-                      </a:r>
-                      <a:r>
-                        <a:rPr lang="en-US" sz="1200" dirty="0" err="1"/>
+                        <a:rPr lang="en-US" sz="1500" dirty="0"/>
+                        <a:t> </a:t>
+                      </a:r>
+                      <a:r>
+                        <a:rPr lang="en-US" sz="1500" dirty="0" err="1"/>
                         <a:t>nhà</a:t>
                       </a:r>
                       <a:r>
-                        <a:rPr lang="en-US" sz="1200" dirty="0"/>
-                        <a:t> </a:t>
-                      </a:r>
-                      <a:r>
-                        <a:rPr lang="en-US" sz="1200" dirty="0" err="1"/>
+                        <a:rPr lang="en-US" sz="1500" dirty="0"/>
+                        <a:t> </a:t>
+                      </a:r>
+                      <a:r>
+                        <a:rPr lang="en-US" sz="1500" dirty="0" err="1"/>
                         <a:t>cung</a:t>
                       </a:r>
                       <a:r>
-                        <a:rPr lang="en-US" sz="1200" dirty="0"/>
-                        <a:t> </a:t>
-                      </a:r>
-                      <a:r>
-                        <a:rPr lang="en-US" sz="1200" dirty="0" err="1"/>
+                        <a:rPr lang="en-US" sz="1500" dirty="0"/>
+                        <a:t> </a:t>
+                      </a:r>
+                      <a:r>
+                        <a:rPr lang="en-US" sz="1500" dirty="0" err="1"/>
                         <a:t>cấp</a:t>
                       </a:r>
                       <a:r>
-                        <a:rPr lang="en-US" sz="1200" dirty="0"/>
-                        <a:t> </a:t>
-                      </a:r>
-                      <a:r>
-                        <a:rPr lang="en-US" sz="1200" dirty="0" err="1"/>
+                        <a:rPr lang="en-US" sz="1500" dirty="0"/>
+                        <a:t> </a:t>
+                      </a:r>
+                      <a:r>
+                        <a:rPr lang="en-US" sz="1500" dirty="0" err="1"/>
                         <a:t>và</a:t>
                       </a:r>
                       <a:r>
-                        <a:rPr lang="en-US" sz="1200" dirty="0"/>
-                        <a:t> </a:t>
-                      </a:r>
-                      <a:r>
-                        <a:rPr lang="en-US" sz="1200" dirty="0" err="1"/>
+                        <a:rPr lang="en-US" sz="1500" dirty="0"/>
+                        <a:t> </a:t>
+                      </a:r>
+                      <a:r>
+                        <a:rPr lang="en-US" sz="1500" dirty="0" err="1"/>
                         <a:t>quản</a:t>
                       </a:r>
                       <a:r>
-                        <a:rPr lang="en-US" sz="1200" dirty="0"/>
-                        <a:t> </a:t>
-                      </a:r>
-                      <a:r>
-                        <a:rPr lang="en-US" sz="1200" dirty="0" err="1"/>
+                        <a:rPr lang="en-US" sz="1500" dirty="0"/>
+                        <a:t> </a:t>
+                      </a:r>
+                      <a:r>
+                        <a:rPr lang="en-US" sz="1500" dirty="0" err="1"/>
                         <a:t>lý</a:t>
                       </a:r>
                       <a:r>
-                        <a:rPr lang="en-US" sz="1200" dirty="0"/>
-                        <a:t> </a:t>
-                      </a:r>
-                      <a:r>
-                        <a:rPr lang="en-US" sz="1200" dirty="0" err="1"/>
+                        <a:rPr lang="en-US" sz="1500" dirty="0"/>
+                        <a:t> </a:t>
+                      </a:r>
+                      <a:r>
+                        <a:rPr lang="en-US" sz="1500" dirty="0" err="1"/>
                         <a:t>sản</a:t>
                       </a:r>
                       <a:r>
-                        <a:rPr lang="en-US" sz="1200" dirty="0"/>
-                        <a:t> </a:t>
-                      </a:r>
-                      <a:r>
-                        <a:rPr lang="en-US" sz="1200" dirty="0" err="1"/>
+                        <a:rPr lang="en-US" sz="1500" dirty="0"/>
+                        <a:t> </a:t>
+                      </a:r>
+                      <a:r>
+                        <a:rPr lang="en-US" sz="1500" dirty="0" err="1"/>
                         <a:t>phẩm</a:t>
                       </a:r>
-                      <a:endParaRPr lang="en-US" sz="1200" dirty="0"/>
+                      <a:endParaRPr lang="en-US" sz="1500" dirty="0"/>
                     </a:p>
                   </a:txBody>
                   <a:tcPr/>
@@ -16602,7 +16815,7 @@
                     <a:lstStyle/>
                     <a:p>
                       <a:r>
-                        <a:rPr lang="en-US" sz="1200" dirty="0"/>
+                        <a:rPr lang="en-US" sz="1500" dirty="0"/>
                         <a:t>5</a:t>
                       </a:r>
                     </a:p>
@@ -16615,7 +16828,7 @@
                     <a:lstStyle/>
                     <a:p>
                       <a:r>
-                        <a:rPr lang="en-US" sz="1200" b="0" i="0" kern="1200" dirty="0">
+                        <a:rPr lang="en-US" sz="1500" b="0" i="0" kern="1200" dirty="0">
                           <a:solidFill>
                             <a:schemeClr val="dk1"/>
                           </a:solidFill>
@@ -16626,7 +16839,7 @@
                         </a:rPr>
                         <a:t>3118411028</a:t>
                       </a:r>
-                      <a:endParaRPr lang="en-US" sz="1200" dirty="0"/>
+                      <a:endParaRPr lang="en-US" sz="1500" dirty="0"/>
                     </a:p>
                   </a:txBody>
                   <a:tcPr/>
@@ -16637,18 +16850,18 @@
                     <a:lstStyle/>
                     <a:p>
                       <a:r>
-                        <a:rPr lang="en-US" sz="1200" dirty="0" err="1"/>
+                        <a:rPr lang="en-US" sz="1500" dirty="0" err="1"/>
                         <a:t>Hồng</a:t>
                       </a:r>
                       <a:r>
-                        <a:rPr lang="en-US" sz="1200" dirty="0"/>
-                        <a:t> </a:t>
-                      </a:r>
-                      <a:r>
-                        <a:rPr lang="en-US" sz="1200" dirty="0" err="1"/>
+                        <a:rPr lang="en-US" sz="1500" dirty="0"/>
+                        <a:t> </a:t>
+                      </a:r>
+                      <a:r>
+                        <a:rPr lang="en-US" sz="1500" dirty="0" err="1"/>
                         <a:t>Thái</a:t>
                       </a:r>
-                      <a:endParaRPr lang="en-US" sz="1200" dirty="0"/>
+                      <a:endParaRPr lang="en-US" sz="1500" dirty="0"/>
                     </a:p>
                   </a:txBody>
                   <a:tcPr/>
@@ -16659,114 +16872,114 @@
                     <a:lstStyle/>
                     <a:p>
                       <a:r>
-                        <a:rPr lang="en-US" sz="1200" dirty="0" err="1"/>
+                        <a:rPr lang="en-US" sz="1500" dirty="0" err="1"/>
                         <a:t>Vẽ</a:t>
                       </a:r>
                       <a:r>
-                        <a:rPr lang="en-US" sz="1200" dirty="0"/>
-                        <a:t> </a:t>
-                      </a:r>
-                      <a:r>
-                        <a:rPr lang="en-US" sz="1200" dirty="0" err="1"/>
+                        <a:rPr lang="en-US" sz="1500" dirty="0"/>
+                        <a:t> </a:t>
+                      </a:r>
+                      <a:r>
+                        <a:rPr lang="en-US" sz="1500" dirty="0" err="1"/>
                         <a:t>sơ</a:t>
                       </a:r>
                       <a:r>
-                        <a:rPr lang="en-US" sz="1200" dirty="0"/>
-                        <a:t> </a:t>
-                      </a:r>
-                      <a:r>
-                        <a:rPr lang="en-US" sz="1200" dirty="0" err="1"/>
+                        <a:rPr lang="en-US" sz="1500" dirty="0"/>
+                        <a:t> </a:t>
+                      </a:r>
+                      <a:r>
+                        <a:rPr lang="en-US" sz="1500" dirty="0" err="1"/>
                         <a:t>đồ</a:t>
                       </a:r>
                       <a:r>
-                        <a:rPr lang="en-US" sz="1200" dirty="0"/>
-                        <a:t> </a:t>
-                      </a:r>
-                      <a:r>
-                        <a:rPr lang="en-US" sz="1200" dirty="0" err="1"/>
+                        <a:rPr lang="en-US" sz="1500" dirty="0"/>
+                        <a:t> </a:t>
+                      </a:r>
+                      <a:r>
+                        <a:rPr lang="en-US" sz="1500" dirty="0" err="1"/>
                         <a:t>DFD,usecase</a:t>
                       </a:r>
                       <a:r>
-                        <a:rPr lang="en-US" sz="1200" dirty="0"/>
+                        <a:rPr lang="en-US" sz="1500" dirty="0"/>
                         <a:t> ,</a:t>
                       </a:r>
                       <a:r>
-                        <a:rPr lang="en-US" sz="1200" dirty="0" err="1"/>
+                        <a:rPr lang="en-US" sz="1500" dirty="0" err="1"/>
                         <a:t>activity,erd</a:t>
                       </a:r>
                       <a:r>
-                        <a:rPr lang="en-US" sz="1200" dirty="0"/>
-                        <a:t> </a:t>
-                      </a:r>
-                      <a:r>
-                        <a:rPr lang="en-US" sz="1200" dirty="0" err="1"/>
+                        <a:rPr lang="en-US" sz="1500" dirty="0"/>
+                        <a:t> </a:t>
+                      </a:r>
+                      <a:r>
+                        <a:rPr lang="en-US" sz="1500" dirty="0" err="1"/>
                         <a:t>cho</a:t>
                       </a:r>
                       <a:r>
-                        <a:rPr lang="en-US" sz="1200" dirty="0"/>
-                        <a:t> </a:t>
-                      </a:r>
-                      <a:r>
-                        <a:rPr lang="en-US" sz="1200" dirty="0" err="1"/>
+                        <a:rPr lang="en-US" sz="1500" dirty="0"/>
+                        <a:t> </a:t>
+                      </a:r>
+                      <a:r>
+                        <a:rPr lang="en-US" sz="1500" dirty="0" err="1"/>
                         <a:t>chức</a:t>
                       </a:r>
                       <a:r>
-                        <a:rPr lang="en-US" sz="1200" dirty="0"/>
-                        <a:t> </a:t>
-                      </a:r>
-                      <a:r>
-                        <a:rPr lang="en-US" sz="1200" dirty="0" err="1"/>
+                        <a:rPr lang="en-US" sz="1500" dirty="0"/>
+                        <a:t> </a:t>
+                      </a:r>
+                      <a:r>
+                        <a:rPr lang="en-US" sz="1500" dirty="0" err="1"/>
                         <a:t>năng</a:t>
                       </a:r>
                       <a:r>
-                        <a:rPr lang="en-US" sz="1200" dirty="0"/>
-                        <a:t> </a:t>
-                      </a:r>
-                      <a:r>
-                        <a:rPr lang="en-US" sz="1200" dirty="0" err="1"/>
+                        <a:rPr lang="en-US" sz="1500" dirty="0"/>
+                        <a:t> </a:t>
+                      </a:r>
+                      <a:r>
+                        <a:rPr lang="en-US" sz="1500" dirty="0" err="1"/>
                         <a:t>thống</a:t>
                       </a:r>
                       <a:r>
-                        <a:rPr lang="en-US" sz="1200" dirty="0"/>
-                        <a:t> </a:t>
-                      </a:r>
-                      <a:r>
-                        <a:rPr lang="en-US" sz="1200" dirty="0" err="1"/>
+                        <a:rPr lang="en-US" sz="1500" dirty="0"/>
+                        <a:t> </a:t>
+                      </a:r>
+                      <a:r>
+                        <a:rPr lang="en-US" sz="1500" dirty="0" err="1"/>
                         <a:t>kế</a:t>
                       </a:r>
                       <a:r>
-                        <a:rPr lang="en-US" sz="1200" dirty="0"/>
-                        <a:t> </a:t>
-                      </a:r>
-                      <a:r>
-                        <a:rPr lang="en-US" sz="1200" dirty="0" err="1"/>
+                        <a:rPr lang="en-US" sz="1500" dirty="0"/>
+                        <a:t> </a:t>
+                      </a:r>
+                      <a:r>
+                        <a:rPr lang="en-US" sz="1500" dirty="0" err="1"/>
                         <a:t>và</a:t>
                       </a:r>
                       <a:r>
-                        <a:rPr lang="en-US" sz="1200" dirty="0"/>
-                        <a:t> </a:t>
-                      </a:r>
-                      <a:r>
-                        <a:rPr lang="en-US" sz="1200" dirty="0" err="1"/>
+                        <a:rPr lang="en-US" sz="1500" dirty="0"/>
+                        <a:t> </a:t>
+                      </a:r>
+                      <a:r>
+                        <a:rPr lang="en-US" sz="1500" dirty="0" err="1"/>
                         <a:t>quản</a:t>
                       </a:r>
                       <a:r>
-                        <a:rPr lang="en-US" sz="1200" dirty="0"/>
-                        <a:t> </a:t>
-                      </a:r>
-                      <a:r>
-                        <a:rPr lang="en-US" sz="1200" dirty="0" err="1"/>
+                        <a:rPr lang="en-US" sz="1500" dirty="0"/>
+                        <a:t> </a:t>
+                      </a:r>
+                      <a:r>
+                        <a:rPr lang="en-US" sz="1500" dirty="0" err="1"/>
                         <a:t>lý</a:t>
                       </a:r>
                       <a:r>
-                        <a:rPr lang="en-US" sz="1200" dirty="0"/>
-                        <a:t> </a:t>
-                      </a:r>
-                      <a:r>
-                        <a:rPr lang="en-US" sz="1200" dirty="0" err="1"/>
+                        <a:rPr lang="en-US" sz="1500" dirty="0"/>
+                        <a:t> </a:t>
+                      </a:r>
+                      <a:r>
+                        <a:rPr lang="en-US" sz="1500" dirty="0" err="1"/>
                         <a:t>kho</a:t>
                       </a:r>
-                      <a:endParaRPr lang="en-US" sz="1200" dirty="0"/>
+                      <a:endParaRPr lang="en-US" sz="1500" dirty="0"/>
                     </a:p>
                   </a:txBody>
                   <a:tcPr/>
@@ -16859,14 +17072,14 @@
             <p:ph idx="1"/>
             <p:extLst>
               <p:ext uri="{D42A27DB-BD31-4B8C-83A1-F6EECF244321}">
-                <p14:modId xmlns:p14="http://schemas.microsoft.com/office/powerpoint/2010/main" val="2128195222"/>
+                <p14:modId xmlns:p14="http://schemas.microsoft.com/office/powerpoint/2010/main" val="3486475825"/>
               </p:ext>
             </p:extLst>
           </p:nvPr>
         </p:nvGraphicFramePr>
         <p:xfrm>
           <a:off x="3442996" y="320040"/>
-          <a:ext cx="6876660" cy="5562900"/>
+          <a:ext cx="6876660" cy="5837220"/>
         </p:xfrm>
         <a:graphic>
           <a:graphicData uri="http://schemas.openxmlformats.org/drawingml/2006/table">
@@ -16882,14 +17095,14 @@
                     </a:ext>
                   </a:extLst>
                 </a:gridCol>
-                <a:gridCol w="989045">
+                <a:gridCol w="1296955">
                   <a:extLst>
                     <a:ext uri="{9D8B030D-6E8A-4147-A177-3AD203B41FA5}">
                       <a16:colId xmlns:a16="http://schemas.microsoft.com/office/drawing/2014/main" val="312710228"/>
                     </a:ext>
                   </a:extLst>
                 </a:gridCol>
-                <a:gridCol w="1772817">
+                <a:gridCol w="1464907">
                   <a:extLst>
                     <a:ext uri="{9D8B030D-6E8A-4147-A177-3AD203B41FA5}">
                       <a16:colId xmlns:a16="http://schemas.microsoft.com/office/drawing/2014/main" val="3770589514"/>
@@ -16911,7 +17124,7 @@
                     <a:lstStyle/>
                     <a:p>
                       <a:r>
-                        <a:rPr lang="en-US" sz="1200" dirty="0"/>
+                        <a:rPr lang="en-US" sz="1500" dirty="0"/>
                         <a:t>STT</a:t>
                       </a:r>
                     </a:p>
@@ -16924,7 +17137,7 @@
                     <a:lstStyle/>
                     <a:p>
                       <a:r>
-                        <a:rPr lang="en-US" sz="1200" dirty="0"/>
+                        <a:rPr lang="en-US" sz="1500" dirty="0"/>
                         <a:t>MSSV</a:t>
                       </a:r>
                     </a:p>
@@ -16937,26 +17150,26 @@
                     <a:lstStyle/>
                     <a:p>
                       <a:r>
-                        <a:rPr lang="en-US" sz="1200" dirty="0" err="1"/>
+                        <a:rPr lang="en-US" sz="1500" dirty="0" err="1"/>
                         <a:t>Họ</a:t>
                       </a:r>
                       <a:r>
-                        <a:rPr lang="en-US" sz="1200" dirty="0"/>
-                        <a:t> </a:t>
-                      </a:r>
-                      <a:r>
-                        <a:rPr lang="en-US" sz="1200" dirty="0" err="1"/>
+                        <a:rPr lang="en-US" sz="1500" dirty="0"/>
+                        <a:t> </a:t>
+                      </a:r>
+                      <a:r>
+                        <a:rPr lang="en-US" sz="1500" dirty="0" err="1"/>
                         <a:t>và</a:t>
                       </a:r>
                       <a:r>
-                        <a:rPr lang="en-US" sz="1200" dirty="0"/>
-                        <a:t> </a:t>
-                      </a:r>
-                      <a:r>
-                        <a:rPr lang="en-US" sz="1200" dirty="0" err="1"/>
+                        <a:rPr lang="en-US" sz="1500" dirty="0"/>
+                        <a:t> </a:t>
+                      </a:r>
+                      <a:r>
+                        <a:rPr lang="en-US" sz="1500" dirty="0" err="1"/>
                         <a:t>Tên</a:t>
                       </a:r>
-                      <a:endParaRPr lang="en-US" sz="1200" dirty="0"/>
+                      <a:endParaRPr lang="en-US" sz="1500" dirty="0"/>
                     </a:p>
                   </a:txBody>
                   <a:tcPr/>
@@ -16967,18 +17180,18 @@
                     <a:lstStyle/>
                     <a:p>
                       <a:r>
-                        <a:rPr lang="en-US" sz="1200" dirty="0" err="1"/>
+                        <a:rPr lang="en-US" sz="1500" dirty="0" err="1"/>
                         <a:t>Công</a:t>
                       </a:r>
                       <a:r>
-                        <a:rPr lang="en-US" sz="1200" dirty="0"/>
-                        <a:t> </a:t>
-                      </a:r>
-                      <a:r>
-                        <a:rPr lang="en-US" sz="1200" dirty="0" err="1"/>
+                        <a:rPr lang="en-US" sz="1500" dirty="0"/>
+                        <a:t> </a:t>
+                      </a:r>
+                      <a:r>
+                        <a:rPr lang="en-US" sz="1500" dirty="0" err="1"/>
                         <a:t>việc</a:t>
                       </a:r>
-                      <a:endParaRPr lang="en-US" sz="1200" dirty="0"/>
+                      <a:endParaRPr lang="en-US" sz="1500" dirty="0"/>
                     </a:p>
                   </a:txBody>
                   <a:tcPr/>
@@ -16996,7 +17209,7 @@
                     <a:lstStyle/>
                     <a:p>
                       <a:r>
-                        <a:rPr lang="en-US" sz="1200" dirty="0"/>
+                        <a:rPr lang="en-US" sz="1500" dirty="0"/>
                         <a:t>1</a:t>
                       </a:r>
                     </a:p>
@@ -17009,7 +17222,7 @@
                     <a:lstStyle/>
                     <a:p>
                       <a:r>
-                        <a:rPr lang="en-US" sz="1200" b="0" i="0" kern="1200" dirty="0">
+                        <a:rPr lang="en-US" sz="1500" b="0" i="0" kern="1200" dirty="0">
                           <a:solidFill>
                             <a:schemeClr val="dk1"/>
                           </a:solidFill>
@@ -17020,7 +17233,7 @@
                         </a:rPr>
                         <a:t>3118411024</a:t>
                       </a:r>
-                      <a:endParaRPr lang="en-US" sz="1200" dirty="0"/>
+                      <a:endParaRPr lang="en-US" sz="1500" dirty="0"/>
                     </a:p>
                   </a:txBody>
                   <a:tcPr/>
@@ -17031,22 +17244,22 @@
                     <a:lstStyle/>
                     <a:p>
                       <a:r>
-                        <a:rPr lang="en-US" sz="1200" dirty="0"/>
+                        <a:rPr lang="en-US" sz="1500" dirty="0"/>
                         <a:t>Lê </a:t>
                       </a:r>
                       <a:r>
-                        <a:rPr lang="en-US" sz="1200" dirty="0" err="1"/>
+                        <a:rPr lang="en-US" sz="1500" dirty="0" err="1"/>
                         <a:t>Hoàng</a:t>
                       </a:r>
                       <a:r>
-                        <a:rPr lang="en-US" sz="1200" dirty="0"/>
-                        <a:t> </a:t>
-                      </a:r>
-                      <a:r>
-                        <a:rPr lang="en-US" sz="1200" dirty="0" err="1"/>
+                        <a:rPr lang="en-US" sz="1500" dirty="0"/>
+                        <a:t> </a:t>
+                      </a:r>
+                      <a:r>
+                        <a:rPr lang="en-US" sz="1500" dirty="0" err="1"/>
                         <a:t>Tân</a:t>
                       </a:r>
-                      <a:endParaRPr lang="en-US" sz="1200" dirty="0"/>
+                      <a:endParaRPr lang="en-US" sz="1500" dirty="0"/>
                     </a:p>
                   </a:txBody>
                   <a:tcPr/>
@@ -17057,218 +17270,218 @@
                     <a:lstStyle/>
                     <a:p>
                       <a:r>
-                        <a:rPr lang="en-US" sz="1200" dirty="0" err="1"/>
+                        <a:rPr lang="en-US" sz="1500" dirty="0" err="1"/>
                         <a:t>Vẽ</a:t>
                       </a:r>
                       <a:r>
-                        <a:rPr lang="en-US" sz="1200" dirty="0"/>
-                        <a:t> </a:t>
-                      </a:r>
-                      <a:r>
-                        <a:rPr lang="en-US" sz="1200" dirty="0" err="1"/>
+                        <a:rPr lang="en-US" sz="1500" dirty="0"/>
+                        <a:t> </a:t>
+                      </a:r>
+                      <a:r>
+                        <a:rPr lang="en-US" sz="1500" dirty="0" err="1"/>
                         <a:t>giao</a:t>
                       </a:r>
                       <a:r>
-                        <a:rPr lang="en-US" sz="1200" dirty="0"/>
-                        <a:t> </a:t>
-                      </a:r>
-                      <a:r>
-                        <a:rPr lang="en-US" sz="1200" dirty="0" err="1"/>
-                        <a:t>diên,bảng</a:t>
-                      </a:r>
-                      <a:r>
-                        <a:rPr lang="en-US" sz="1200" dirty="0"/>
-                        <a:t> </a:t>
-                      </a:r>
-                      <a:r>
-                        <a:rPr lang="en-US" sz="1200" dirty="0" err="1"/>
+                        <a:rPr lang="en-US" sz="1500" dirty="0"/>
+                        <a:t> </a:t>
+                      </a:r>
+                      <a:r>
+                        <a:rPr lang="en-US" sz="1500" dirty="0" err="1"/>
+                        <a:t>diện,bảng</a:t>
+                      </a:r>
+                      <a:r>
+                        <a:rPr lang="en-US" sz="1500" dirty="0"/>
+                        <a:t> </a:t>
+                      </a:r>
+                      <a:r>
+                        <a:rPr lang="en-US" sz="1500" dirty="0" err="1"/>
                         <a:t>chức</a:t>
                       </a:r>
                       <a:r>
-                        <a:rPr lang="en-US" sz="1200" dirty="0"/>
-                        <a:t> </a:t>
-                      </a:r>
-                      <a:r>
-                        <a:rPr lang="en-US" sz="1200" dirty="0" err="1"/>
+                        <a:rPr lang="en-US" sz="1500" dirty="0"/>
+                        <a:t> </a:t>
+                      </a:r>
+                      <a:r>
+                        <a:rPr lang="en-US" sz="1500" dirty="0" err="1"/>
                         <a:t>năng</a:t>
                       </a:r>
                       <a:r>
-                        <a:rPr lang="en-US" sz="1200" dirty="0"/>
-                        <a:t> </a:t>
-                      </a:r>
-                      <a:r>
-                        <a:rPr lang="en-US" sz="1200" dirty="0" err="1"/>
+                        <a:rPr lang="en-US" sz="1500" dirty="0"/>
+                        <a:t> </a:t>
+                      </a:r>
+                      <a:r>
+                        <a:rPr lang="en-US" sz="1500" dirty="0" err="1"/>
                         <a:t>xử</a:t>
                       </a:r>
                       <a:r>
-                        <a:rPr lang="en-US" sz="1200" dirty="0"/>
-                        <a:t> </a:t>
-                      </a:r>
-                      <a:r>
-                        <a:rPr lang="en-US" sz="1200" dirty="0" err="1"/>
+                        <a:rPr lang="en-US" sz="1500" dirty="0"/>
+                        <a:t> </a:t>
+                      </a:r>
+                      <a:r>
+                        <a:rPr lang="en-US" sz="1500" dirty="0" err="1"/>
                         <a:t>lý</a:t>
                       </a:r>
                       <a:r>
-                        <a:rPr lang="en-US" sz="1200" dirty="0"/>
-                        <a:t> </a:t>
-                      </a:r>
-                      <a:r>
-                        <a:rPr lang="en-US" sz="1200" dirty="0" err="1"/>
+                        <a:rPr lang="en-US" sz="1500" dirty="0"/>
+                        <a:t> </a:t>
+                      </a:r>
+                      <a:r>
+                        <a:rPr lang="en-US" sz="1500" dirty="0" err="1"/>
                         <a:t>giao</a:t>
                       </a:r>
                       <a:r>
-                        <a:rPr lang="en-US" sz="1200" dirty="0"/>
-                        <a:t> </a:t>
-                      </a:r>
-                      <a:r>
-                        <a:rPr lang="en-US" sz="1200" dirty="0" err="1"/>
-                        <a:t>diên,bảng</a:t>
-                      </a:r>
-                      <a:r>
-                        <a:rPr lang="en-US" sz="1200" dirty="0"/>
-                        <a:t> </a:t>
-                      </a:r>
-                      <a:r>
-                        <a:rPr lang="en-US" sz="1200" dirty="0" err="1"/>
+                        <a:rPr lang="en-US" sz="1500" dirty="0"/>
+                        <a:t> </a:t>
+                      </a:r>
+                      <a:r>
+                        <a:rPr lang="en-US" sz="1500" dirty="0" err="1"/>
+                        <a:t>diện,bảng</a:t>
+                      </a:r>
+                      <a:r>
+                        <a:rPr lang="en-US" sz="1500" dirty="0"/>
+                        <a:t> </a:t>
+                      </a:r>
+                      <a:r>
+                        <a:rPr lang="en-US" sz="1500" dirty="0" err="1"/>
                         <a:t>mô</a:t>
                       </a:r>
                       <a:r>
-                        <a:rPr lang="en-US" sz="1200" dirty="0"/>
-                        <a:t> </a:t>
-                      </a:r>
-                      <a:r>
-                        <a:rPr lang="en-US" sz="1200" dirty="0" err="1"/>
+                        <a:rPr lang="en-US" sz="1500" dirty="0"/>
+                        <a:t> </a:t>
+                      </a:r>
+                      <a:r>
+                        <a:rPr lang="en-US" sz="1500" dirty="0" err="1"/>
                         <a:t>tả</a:t>
                       </a:r>
                       <a:r>
-                        <a:rPr lang="en-US" sz="1200" dirty="0"/>
-                        <a:t> </a:t>
-                      </a:r>
-                      <a:r>
-                        <a:rPr lang="en-US" sz="1200" dirty="0" err="1"/>
+                        <a:rPr lang="en-US" sz="1500" dirty="0"/>
+                        <a:t> </a:t>
+                      </a:r>
+                      <a:r>
+                        <a:rPr lang="en-US" sz="1500" dirty="0" err="1"/>
                         <a:t>xử</a:t>
                       </a:r>
                       <a:r>
-                        <a:rPr lang="en-US" sz="1200" dirty="0"/>
-                        <a:t> </a:t>
-                      </a:r>
-                      <a:r>
-                        <a:rPr lang="en-US" sz="1200" dirty="0" err="1"/>
+                        <a:rPr lang="en-US" sz="1500" dirty="0"/>
+                        <a:t> </a:t>
+                      </a:r>
+                      <a:r>
+                        <a:rPr lang="en-US" sz="1500" dirty="0" err="1"/>
                         <a:t>lý</a:t>
                       </a:r>
                       <a:r>
-                        <a:rPr lang="en-US" sz="1200" dirty="0"/>
-                        <a:t> </a:t>
-                      </a:r>
-                      <a:r>
-                        <a:rPr lang="en-US" sz="1200" dirty="0" err="1"/>
+                        <a:rPr lang="en-US" sz="1500" dirty="0"/>
+                        <a:t> </a:t>
+                      </a:r>
+                      <a:r>
+                        <a:rPr lang="en-US" sz="1500" dirty="0" err="1"/>
                         <a:t>dữ</a:t>
                       </a:r>
                       <a:r>
-                        <a:rPr lang="en-US" sz="1200" dirty="0"/>
-                        <a:t> </a:t>
-                      </a:r>
-                      <a:r>
-                        <a:rPr lang="en-US" sz="1200" dirty="0" err="1"/>
+                        <a:rPr lang="en-US" sz="1500" dirty="0"/>
+                        <a:t> </a:t>
+                      </a:r>
+                      <a:r>
+                        <a:rPr lang="en-US" sz="1500" dirty="0" err="1"/>
                         <a:t>liệu</a:t>
                       </a:r>
                       <a:r>
-                        <a:rPr lang="en-US" sz="1200" dirty="0"/>
-                        <a:t> </a:t>
-                      </a:r>
-                      <a:r>
-                        <a:rPr lang="en-US" sz="1200" dirty="0" err="1"/>
+                        <a:rPr lang="en-US" sz="1500" dirty="0"/>
+                        <a:t> </a:t>
+                      </a:r>
+                      <a:r>
+                        <a:rPr lang="en-US" sz="1500" dirty="0" err="1"/>
                         <a:t>cho</a:t>
                       </a:r>
                       <a:r>
-                        <a:rPr lang="en-US" sz="1200" dirty="0"/>
-                        <a:t> </a:t>
-                      </a:r>
-                      <a:r>
-                        <a:rPr lang="en-US" sz="1200" dirty="0" err="1"/>
+                        <a:rPr lang="en-US" sz="1500" dirty="0"/>
+                        <a:t> </a:t>
+                      </a:r>
+                      <a:r>
+                        <a:rPr lang="en-US" sz="1500" dirty="0" err="1"/>
                         <a:t>chức</a:t>
                       </a:r>
                       <a:r>
-                        <a:rPr lang="en-US" sz="1200" dirty="0"/>
-                        <a:t> </a:t>
-                      </a:r>
-                      <a:r>
-                        <a:rPr lang="en-US" sz="1200" dirty="0" err="1"/>
+                        <a:rPr lang="en-US" sz="1500" dirty="0"/>
+                        <a:t> </a:t>
+                      </a:r>
+                      <a:r>
+                        <a:rPr lang="en-US" sz="1500" dirty="0" err="1"/>
                         <a:t>năng</a:t>
                       </a:r>
                       <a:r>
-                        <a:rPr lang="en-US" sz="1200" dirty="0"/>
-                        <a:t> </a:t>
-                      </a:r>
-                      <a:r>
-                        <a:rPr lang="en-US" sz="1200" dirty="0" err="1"/>
+                        <a:rPr lang="en-US" sz="1500" dirty="0"/>
+                        <a:t> </a:t>
+                      </a:r>
+                      <a:r>
+                        <a:rPr lang="en-US" sz="1500" dirty="0" err="1"/>
                         <a:t>quản</a:t>
                       </a:r>
                       <a:r>
-                        <a:rPr lang="en-US" sz="1200" dirty="0"/>
-                        <a:t> </a:t>
-                      </a:r>
-                      <a:r>
-                        <a:rPr lang="en-US" sz="1200" dirty="0" err="1"/>
+                        <a:rPr lang="en-US" sz="1500" dirty="0"/>
+                        <a:t> </a:t>
+                      </a:r>
+                      <a:r>
+                        <a:rPr lang="en-US" sz="1500" dirty="0" err="1"/>
                         <a:t>lý</a:t>
                       </a:r>
                       <a:r>
-                        <a:rPr lang="en-US" sz="1200" dirty="0"/>
-                        <a:t> </a:t>
-                      </a:r>
-                      <a:r>
-                        <a:rPr lang="en-US" sz="1200" dirty="0" err="1"/>
+                        <a:rPr lang="en-US" sz="1500" dirty="0"/>
+                        <a:t> </a:t>
+                      </a:r>
+                      <a:r>
+                        <a:rPr lang="en-US" sz="1500" dirty="0" err="1"/>
                         <a:t>nhân</a:t>
                       </a:r>
                       <a:r>
-                        <a:rPr lang="en-US" sz="1200" dirty="0"/>
-                        <a:t> </a:t>
-                      </a:r>
-                      <a:r>
-                        <a:rPr lang="en-US" sz="1200" dirty="0" err="1"/>
+                        <a:rPr lang="en-US" sz="1500" dirty="0"/>
+                        <a:t> </a:t>
+                      </a:r>
+                      <a:r>
+                        <a:rPr lang="en-US" sz="1500" dirty="0" err="1"/>
                         <a:t>viên</a:t>
                       </a:r>
                       <a:r>
-                        <a:rPr lang="en-US" sz="1200" dirty="0"/>
-                        <a:t> </a:t>
-                      </a:r>
-                      <a:r>
-                        <a:rPr lang="en-US" sz="1200" dirty="0" err="1"/>
+                        <a:rPr lang="en-US" sz="1500" dirty="0"/>
+                        <a:t> </a:t>
+                      </a:r>
+                      <a:r>
+                        <a:rPr lang="en-US" sz="1500" dirty="0" err="1"/>
                         <a:t>và</a:t>
                       </a:r>
                       <a:r>
-                        <a:rPr lang="en-US" sz="1200" dirty="0"/>
-                        <a:t> </a:t>
-                      </a:r>
-                      <a:r>
-                        <a:rPr lang="en-US" sz="1200" dirty="0" err="1"/>
+                        <a:rPr lang="en-US" sz="1500" dirty="0"/>
+                        <a:t> </a:t>
+                      </a:r>
+                      <a:r>
+                        <a:rPr lang="en-US" sz="1500" dirty="0" err="1"/>
                         <a:t>quản</a:t>
                       </a:r>
                       <a:r>
-                        <a:rPr lang="en-US" sz="1200" dirty="0"/>
-                        <a:t> </a:t>
-                      </a:r>
-                      <a:r>
-                        <a:rPr lang="en-US" sz="1200" dirty="0" err="1"/>
+                        <a:rPr lang="en-US" sz="1500" dirty="0"/>
+                        <a:t> </a:t>
+                      </a:r>
+                      <a:r>
+                        <a:rPr lang="en-US" sz="1500" dirty="0" err="1"/>
                         <a:t>lý</a:t>
                       </a:r>
                       <a:r>
-                        <a:rPr lang="en-US" sz="1200" dirty="0"/>
-                        <a:t> </a:t>
-                      </a:r>
-                      <a:r>
-                        <a:rPr lang="en-US" sz="1200" dirty="0" err="1"/>
+                        <a:rPr lang="en-US" sz="1500" dirty="0"/>
+                        <a:t> </a:t>
+                      </a:r>
+                      <a:r>
+                        <a:rPr lang="en-US" sz="1500" dirty="0" err="1"/>
                         <a:t>khách</a:t>
                       </a:r>
                       <a:r>
-                        <a:rPr lang="en-US" sz="1200" dirty="0"/>
-                        <a:t> </a:t>
-                      </a:r>
-                      <a:r>
-                        <a:rPr lang="en-US" sz="1200" dirty="0" err="1"/>
+                        <a:rPr lang="en-US" sz="1500" dirty="0"/>
+                        <a:t> </a:t>
+                      </a:r>
+                      <a:r>
+                        <a:rPr lang="en-US" sz="1500" dirty="0" err="1"/>
                         <a:t>hàng</a:t>
                       </a:r>
-                      <a:endParaRPr lang="en-US" sz="1200" dirty="0"/>
+                      <a:endParaRPr lang="en-US" sz="1500" dirty="0"/>
                     </a:p>
                   </a:txBody>
                   <a:tcPr/>
@@ -17286,7 +17499,7 @@
                     <a:lstStyle/>
                     <a:p>
                       <a:r>
-                        <a:rPr lang="en-US" sz="1200" dirty="0"/>
+                        <a:rPr lang="en-US" sz="1500" dirty="0"/>
                         <a:t>2</a:t>
                       </a:r>
                     </a:p>
@@ -17299,7 +17512,7 @@
                     <a:lstStyle/>
                     <a:p>
                       <a:r>
-                        <a:rPr lang="en-US" sz="1200" dirty="0"/>
+                        <a:rPr lang="en-US" sz="1500" dirty="0"/>
                         <a:t>3118411019</a:t>
                       </a:r>
                     </a:p>
@@ -17312,34 +17525,34 @@
                     <a:lstStyle/>
                     <a:p>
                       <a:r>
-                        <a:rPr lang="en-US" sz="1200" dirty="0" err="1"/>
+                        <a:rPr lang="en-US" sz="1500" dirty="0" err="1"/>
                         <a:t>Trương</a:t>
                       </a:r>
                       <a:r>
-                        <a:rPr lang="en-US" sz="1200" dirty="0"/>
-                        <a:t> </a:t>
-                      </a:r>
-                      <a:r>
-                        <a:rPr lang="en-US" sz="1200" dirty="0" err="1"/>
+                        <a:rPr lang="en-US" sz="1500" dirty="0"/>
+                        <a:t> </a:t>
+                      </a:r>
+                      <a:r>
+                        <a:rPr lang="en-US" sz="1500" dirty="0" err="1"/>
                         <a:t>Nguyễn</a:t>
                       </a:r>
                       <a:r>
-                        <a:rPr lang="en-US" sz="1200" dirty="0"/>
-                        <a:t> </a:t>
-                      </a:r>
-                      <a:r>
-                        <a:rPr lang="en-US" sz="1200" dirty="0" err="1"/>
+                        <a:rPr lang="en-US" sz="1500" dirty="0"/>
+                        <a:t> </a:t>
+                      </a:r>
+                      <a:r>
+                        <a:rPr lang="en-US" sz="1500" dirty="0" err="1"/>
                         <a:t>Yến</a:t>
                       </a:r>
                       <a:r>
-                        <a:rPr lang="en-US" sz="1200" dirty="0"/>
-                        <a:t> </a:t>
-                      </a:r>
-                      <a:r>
-                        <a:rPr lang="en-US" sz="1200" dirty="0" err="1"/>
+                        <a:rPr lang="en-US" sz="1500" dirty="0"/>
+                        <a:t> </a:t>
+                      </a:r>
+                      <a:r>
+                        <a:rPr lang="en-US" sz="1500" dirty="0" err="1"/>
                         <a:t>Nhi</a:t>
                       </a:r>
-                      <a:endParaRPr lang="en-US" sz="1200" dirty="0"/>
+                      <a:endParaRPr lang="en-US" sz="1500" dirty="0"/>
                     </a:p>
                   </a:txBody>
                   <a:tcPr/>
@@ -17350,210 +17563,210 @@
                     <a:lstStyle/>
                     <a:p>
                       <a:r>
-                        <a:rPr lang="en-US" sz="1200" dirty="0" err="1"/>
+                        <a:rPr lang="en-US" sz="1500" dirty="0" err="1"/>
                         <a:t>Vẽ</a:t>
                       </a:r>
                       <a:r>
-                        <a:rPr lang="en-US" sz="1200" dirty="0"/>
-                        <a:t> </a:t>
-                      </a:r>
-                      <a:r>
-                        <a:rPr lang="en-US" sz="1200" dirty="0" err="1"/>
+                        <a:rPr lang="en-US" sz="1500" dirty="0"/>
+                        <a:t> </a:t>
+                      </a:r>
+                      <a:r>
+                        <a:rPr lang="en-US" sz="1500" dirty="0" err="1"/>
                         <a:t>giao</a:t>
                       </a:r>
                       <a:r>
-                        <a:rPr lang="en-US" sz="1200" dirty="0"/>
-                        <a:t> </a:t>
-                      </a:r>
-                      <a:r>
-                        <a:rPr lang="en-US" sz="1200" dirty="0" err="1"/>
-                        <a:t>diên,bảng</a:t>
-                      </a:r>
-                      <a:r>
-                        <a:rPr lang="en-US" sz="1200" dirty="0"/>
-                        <a:t> </a:t>
-                      </a:r>
-                      <a:r>
-                        <a:rPr lang="en-US" sz="1200" dirty="0" err="1"/>
+                        <a:rPr lang="en-US" sz="1500" dirty="0"/>
+                        <a:t> </a:t>
+                      </a:r>
+                      <a:r>
+                        <a:rPr lang="en-US" sz="1500" dirty="0" err="1"/>
+                        <a:t>diện,bảng</a:t>
+                      </a:r>
+                      <a:r>
+                        <a:rPr lang="en-US" sz="1500" dirty="0"/>
+                        <a:t> </a:t>
+                      </a:r>
+                      <a:r>
+                        <a:rPr lang="en-US" sz="1500" dirty="0" err="1"/>
                         <a:t>chức</a:t>
                       </a:r>
                       <a:r>
-                        <a:rPr lang="en-US" sz="1200" dirty="0"/>
-                        <a:t> </a:t>
-                      </a:r>
-                      <a:r>
-                        <a:rPr lang="en-US" sz="1200" dirty="0" err="1"/>
+                        <a:rPr lang="en-US" sz="1500" dirty="0"/>
+                        <a:t> </a:t>
+                      </a:r>
+                      <a:r>
+                        <a:rPr lang="en-US" sz="1500" dirty="0" err="1"/>
                         <a:t>năng</a:t>
                       </a:r>
                       <a:r>
-                        <a:rPr lang="en-US" sz="1200" dirty="0"/>
-                        <a:t> </a:t>
-                      </a:r>
-                      <a:r>
-                        <a:rPr lang="en-US" sz="1200" dirty="0" err="1"/>
+                        <a:rPr lang="en-US" sz="1500" dirty="0"/>
+                        <a:t> </a:t>
+                      </a:r>
+                      <a:r>
+                        <a:rPr lang="en-US" sz="1500" dirty="0" err="1"/>
                         <a:t>xử</a:t>
                       </a:r>
                       <a:r>
-                        <a:rPr lang="en-US" sz="1200" dirty="0"/>
-                        <a:t> </a:t>
-                      </a:r>
-                      <a:r>
-                        <a:rPr lang="en-US" sz="1200" dirty="0" err="1"/>
+                        <a:rPr lang="en-US" sz="1500" dirty="0"/>
+                        <a:t> </a:t>
+                      </a:r>
+                      <a:r>
+                        <a:rPr lang="en-US" sz="1500" dirty="0" err="1"/>
                         <a:t>lý</a:t>
                       </a:r>
                       <a:r>
-                        <a:rPr lang="en-US" sz="1200" dirty="0"/>
-                        <a:t> </a:t>
-                      </a:r>
-                      <a:r>
-                        <a:rPr lang="en-US" sz="1200" dirty="0" err="1"/>
+                        <a:rPr lang="en-US" sz="1500" dirty="0"/>
+                        <a:t> </a:t>
+                      </a:r>
+                      <a:r>
+                        <a:rPr lang="en-US" sz="1500" dirty="0" err="1"/>
                         <a:t>giao</a:t>
                       </a:r>
                       <a:r>
-                        <a:rPr lang="en-US" sz="1200" dirty="0"/>
-                        <a:t> </a:t>
-                      </a:r>
-                      <a:r>
-                        <a:rPr lang="en-US" sz="1200" dirty="0" err="1"/>
-                        <a:t>diên,bảng</a:t>
-                      </a:r>
-                      <a:r>
-                        <a:rPr lang="en-US" sz="1200" dirty="0"/>
-                        <a:t> </a:t>
-                      </a:r>
-                      <a:r>
-                        <a:rPr lang="en-US" sz="1200" dirty="0" err="1"/>
+                        <a:rPr lang="en-US" sz="1500" dirty="0"/>
+                        <a:t> </a:t>
+                      </a:r>
+                      <a:r>
+                        <a:rPr lang="en-US" sz="1500" dirty="0" err="1"/>
+                        <a:t>diện,bảng</a:t>
+                      </a:r>
+                      <a:r>
+                        <a:rPr lang="en-US" sz="1500" dirty="0"/>
+                        <a:t> </a:t>
+                      </a:r>
+                      <a:r>
+                        <a:rPr lang="en-US" sz="1500" dirty="0" err="1"/>
                         <a:t>mô</a:t>
                       </a:r>
                       <a:r>
-                        <a:rPr lang="en-US" sz="1200" dirty="0"/>
-                        <a:t> </a:t>
-                      </a:r>
-                      <a:r>
-                        <a:rPr lang="en-US" sz="1200" dirty="0" err="1"/>
+                        <a:rPr lang="en-US" sz="1500" dirty="0"/>
+                        <a:t> </a:t>
+                      </a:r>
+                      <a:r>
+                        <a:rPr lang="en-US" sz="1500" dirty="0" err="1"/>
                         <a:t>tả</a:t>
                       </a:r>
                       <a:r>
-                        <a:rPr lang="en-US" sz="1200" dirty="0"/>
-                        <a:t> </a:t>
-                      </a:r>
-                      <a:r>
-                        <a:rPr lang="en-US" sz="1200" dirty="0" err="1"/>
+                        <a:rPr lang="en-US" sz="1500" dirty="0"/>
+                        <a:t> </a:t>
+                      </a:r>
+                      <a:r>
+                        <a:rPr lang="en-US" sz="1500" dirty="0" err="1"/>
                         <a:t>xử</a:t>
                       </a:r>
                       <a:r>
-                        <a:rPr lang="en-US" sz="1200" dirty="0"/>
-                        <a:t> </a:t>
-                      </a:r>
-                      <a:r>
-                        <a:rPr lang="en-US" sz="1200" dirty="0" err="1"/>
+                        <a:rPr lang="en-US" sz="1500" dirty="0"/>
+                        <a:t> </a:t>
+                      </a:r>
+                      <a:r>
+                        <a:rPr lang="en-US" sz="1500" dirty="0" err="1"/>
                         <a:t>lý</a:t>
                       </a:r>
                       <a:r>
-                        <a:rPr lang="en-US" sz="1200" dirty="0"/>
-                        <a:t> </a:t>
-                      </a:r>
-                      <a:r>
-                        <a:rPr lang="en-US" sz="1200" dirty="0" err="1"/>
+                        <a:rPr lang="en-US" sz="1500" dirty="0"/>
+                        <a:t> </a:t>
+                      </a:r>
+                      <a:r>
+                        <a:rPr lang="en-US" sz="1500" dirty="0" err="1"/>
                         <a:t>dữ</a:t>
                       </a:r>
                       <a:r>
-                        <a:rPr lang="en-US" sz="1200" dirty="0"/>
-                        <a:t> </a:t>
-                      </a:r>
-                      <a:r>
-                        <a:rPr lang="en-US" sz="1200" dirty="0" err="1"/>
+                        <a:rPr lang="en-US" sz="1500" dirty="0"/>
+                        <a:t> </a:t>
+                      </a:r>
+                      <a:r>
+                        <a:rPr lang="en-US" sz="1500" dirty="0" err="1"/>
                         <a:t>liệu</a:t>
                       </a:r>
                       <a:r>
-                        <a:rPr lang="en-US" sz="1200" dirty="0"/>
-                        <a:t> </a:t>
-                      </a:r>
-                      <a:r>
-                        <a:rPr lang="en-US" sz="1200" dirty="0" err="1"/>
+                        <a:rPr lang="en-US" sz="1500" dirty="0"/>
+                        <a:t> </a:t>
+                      </a:r>
+                      <a:r>
+                        <a:rPr lang="en-US" sz="1500" dirty="0" err="1"/>
                         <a:t>cho</a:t>
                       </a:r>
                       <a:r>
-                        <a:rPr lang="en-US" sz="1200" dirty="0"/>
-                        <a:t> </a:t>
-                      </a:r>
-                      <a:r>
-                        <a:rPr lang="en-US" sz="1200" dirty="0" err="1"/>
+                        <a:rPr lang="en-US" sz="1500" dirty="0"/>
+                        <a:t> </a:t>
+                      </a:r>
+                      <a:r>
+                        <a:rPr lang="en-US" sz="1500" dirty="0" err="1"/>
                         <a:t>chức</a:t>
                       </a:r>
                       <a:r>
-                        <a:rPr lang="en-US" sz="1200" dirty="0"/>
-                        <a:t> </a:t>
-                      </a:r>
-                      <a:r>
-                        <a:rPr lang="en-US" sz="1200" dirty="0" err="1"/>
+                        <a:rPr lang="en-US" sz="1500" dirty="0"/>
+                        <a:t> </a:t>
+                      </a:r>
+                      <a:r>
+                        <a:rPr lang="en-US" sz="1500" dirty="0" err="1"/>
                         <a:t>năng</a:t>
                       </a:r>
                       <a:r>
-                        <a:rPr lang="en-US" sz="1200" dirty="0"/>
-                        <a:t> </a:t>
-                      </a:r>
-                      <a:r>
-                        <a:rPr lang="en-US" sz="1200" dirty="0" err="1"/>
+                        <a:rPr lang="en-US" sz="1500" dirty="0"/>
+                        <a:t> </a:t>
+                      </a:r>
+                      <a:r>
+                        <a:rPr lang="en-US" sz="1500" dirty="0" err="1"/>
                         <a:t>quản</a:t>
                       </a:r>
                       <a:r>
-                        <a:rPr lang="en-US" sz="1200" dirty="0"/>
-                        <a:t> </a:t>
-                      </a:r>
-                      <a:r>
-                        <a:rPr lang="en-US" sz="1200" dirty="0" err="1"/>
+                        <a:rPr lang="en-US" sz="1500" dirty="0"/>
+                        <a:t> </a:t>
+                      </a:r>
+                      <a:r>
+                        <a:rPr lang="en-US" sz="1500" dirty="0" err="1"/>
                         <a:t>danh</a:t>
                       </a:r>
                       <a:r>
-                        <a:rPr lang="en-US" sz="1200" dirty="0"/>
-                        <a:t> </a:t>
-                      </a:r>
-                      <a:r>
-                        <a:rPr lang="en-US" sz="1200" dirty="0" err="1"/>
+                        <a:rPr lang="en-US" sz="1500" dirty="0"/>
+                        <a:t> </a:t>
+                      </a:r>
+                      <a:r>
+                        <a:rPr lang="en-US" sz="1500" dirty="0" err="1"/>
                         <a:t>mục</a:t>
                       </a:r>
                       <a:r>
-                        <a:rPr lang="en-US" sz="1200" dirty="0"/>
-                        <a:t> </a:t>
-                      </a:r>
-                      <a:r>
-                        <a:rPr lang="en-US" sz="1200" dirty="0" err="1"/>
+                        <a:rPr lang="en-US" sz="1500" dirty="0"/>
+                        <a:t> </a:t>
+                      </a:r>
+                      <a:r>
+                        <a:rPr lang="en-US" sz="1500" dirty="0" err="1"/>
                         <a:t>và</a:t>
                       </a:r>
                       <a:r>
-                        <a:rPr lang="en-US" sz="1200" dirty="0"/>
-                        <a:t> </a:t>
-                      </a:r>
-                      <a:r>
-                        <a:rPr lang="en-US" sz="1200" dirty="0" err="1"/>
+                        <a:rPr lang="en-US" sz="1500" dirty="0"/>
+                        <a:t> </a:t>
+                      </a:r>
+                      <a:r>
+                        <a:rPr lang="en-US" sz="1500" dirty="0" err="1"/>
                         <a:t>kiểm</a:t>
                       </a:r>
                       <a:r>
-                        <a:rPr lang="en-US" sz="1200" dirty="0"/>
-                        <a:t> </a:t>
-                      </a:r>
-                      <a:r>
-                        <a:rPr lang="en-US" sz="1200" dirty="0" err="1"/>
+                        <a:rPr lang="en-US" sz="1500" dirty="0"/>
+                        <a:t> </a:t>
+                      </a:r>
+                      <a:r>
+                        <a:rPr lang="en-US" sz="1500" dirty="0" err="1"/>
                         <a:t>tra</a:t>
                       </a:r>
                       <a:r>
-                        <a:rPr lang="en-US" sz="1200" dirty="0"/>
-                        <a:t> </a:t>
-                      </a:r>
-                      <a:r>
-                        <a:rPr lang="en-US" sz="1200" dirty="0" err="1"/>
+                        <a:rPr lang="en-US" sz="1500" dirty="0"/>
+                        <a:t> </a:t>
+                      </a:r>
+                      <a:r>
+                        <a:rPr lang="en-US" sz="1500" dirty="0" err="1"/>
                         <a:t>nhập</a:t>
                       </a:r>
                       <a:r>
-                        <a:rPr lang="en-US" sz="1200" dirty="0"/>
-                        <a:t> </a:t>
-                      </a:r>
-                      <a:r>
-                        <a:rPr lang="en-US" sz="1200" dirty="0" err="1"/>
+                        <a:rPr lang="en-US" sz="1500" dirty="0"/>
+                        <a:t> </a:t>
+                      </a:r>
+                      <a:r>
+                        <a:rPr lang="en-US" sz="1500" dirty="0" err="1"/>
                         <a:t>hàng</a:t>
                       </a:r>
-                      <a:endParaRPr lang="en-US" sz="1200" dirty="0"/>
+                      <a:endParaRPr lang="en-US" sz="1500" dirty="0"/>
                     </a:p>
                   </a:txBody>
                   <a:tcPr/>
@@ -17571,7 +17784,7 @@
                     <a:lstStyle/>
                     <a:p>
                       <a:r>
-                        <a:rPr lang="en-US" sz="1200" dirty="0"/>
+                        <a:rPr lang="en-US" sz="1500" dirty="0"/>
                         <a:t>3</a:t>
                       </a:r>
                     </a:p>
@@ -17584,7 +17797,7 @@
                     <a:lstStyle/>
                     <a:p>
                       <a:r>
-                        <a:rPr lang="en-US" sz="1200" b="0" i="0" kern="1200" dirty="0">
+                        <a:rPr lang="en-US" sz="1500" b="0" i="0" kern="1200" dirty="0">
                           <a:solidFill>
                             <a:schemeClr val="dk1"/>
                           </a:solidFill>
@@ -17595,7 +17808,7 @@
                         </a:rPr>
                         <a:t>3118410162</a:t>
                       </a:r>
-                      <a:endParaRPr lang="en-US" sz="1200" dirty="0"/>
+                      <a:endParaRPr lang="en-US" sz="1500" dirty="0"/>
                     </a:p>
                   </a:txBody>
                   <a:tcPr/>
@@ -17606,26 +17819,26 @@
                     <a:lstStyle/>
                     <a:p>
                       <a:r>
-                        <a:rPr lang="en-US" sz="1200" dirty="0" err="1"/>
+                        <a:rPr lang="en-US" sz="1500" dirty="0" err="1"/>
                         <a:t>Từ</a:t>
                       </a:r>
                       <a:r>
-                        <a:rPr lang="en-US" sz="1200" dirty="0"/>
-                        <a:t> </a:t>
-                      </a:r>
-                      <a:r>
-                        <a:rPr lang="en-US" sz="1200" dirty="0" err="1"/>
+                        <a:rPr lang="en-US" sz="1500" dirty="0"/>
+                        <a:t> </a:t>
+                      </a:r>
+                      <a:r>
+                        <a:rPr lang="en-US" sz="1500" dirty="0" err="1"/>
                         <a:t>Chí</a:t>
                       </a:r>
                       <a:r>
-                        <a:rPr lang="en-US" sz="1200" dirty="0"/>
-                        <a:t> </a:t>
-                      </a:r>
-                      <a:r>
-                        <a:rPr lang="en-US" sz="1200" dirty="0" err="1"/>
+                        <a:rPr lang="en-US" sz="1500" dirty="0"/>
+                        <a:t> </a:t>
+                      </a:r>
+                      <a:r>
+                        <a:rPr lang="en-US" sz="1500" dirty="0" err="1"/>
                         <a:t>Huy</a:t>
                       </a:r>
-                      <a:endParaRPr lang="en-US" sz="1200" dirty="0"/>
+                      <a:endParaRPr lang="en-US" sz="1500" dirty="0"/>
                     </a:p>
                   </a:txBody>
                   <a:tcPr/>
@@ -17636,202 +17849,202 @@
                     <a:lstStyle/>
                     <a:p>
                       <a:r>
-                        <a:rPr lang="en-US" sz="1200" dirty="0" err="1"/>
+                        <a:rPr lang="en-US" sz="1500" dirty="0" err="1"/>
                         <a:t>Vẽ</a:t>
                       </a:r>
                       <a:r>
-                        <a:rPr lang="en-US" sz="1200" dirty="0"/>
-                        <a:t> </a:t>
-                      </a:r>
-                      <a:r>
-                        <a:rPr lang="en-US" sz="1200" dirty="0" err="1"/>
+                        <a:rPr lang="en-US" sz="1500" dirty="0"/>
+                        <a:t> </a:t>
+                      </a:r>
+                      <a:r>
+                        <a:rPr lang="en-US" sz="1500" dirty="0" err="1"/>
                         <a:t>giao</a:t>
                       </a:r>
                       <a:r>
-                        <a:rPr lang="en-US" sz="1200" dirty="0"/>
-                        <a:t> </a:t>
-                      </a:r>
-                      <a:r>
-                        <a:rPr lang="en-US" sz="1200" dirty="0" err="1"/>
-                        <a:t>diên,bảng</a:t>
-                      </a:r>
-                      <a:r>
-                        <a:rPr lang="en-US" sz="1200" dirty="0"/>
-                        <a:t> </a:t>
-                      </a:r>
-                      <a:r>
-                        <a:rPr lang="en-US" sz="1200" dirty="0" err="1"/>
+                        <a:rPr lang="en-US" sz="1500" dirty="0"/>
+                        <a:t> </a:t>
+                      </a:r>
+                      <a:r>
+                        <a:rPr lang="en-US" sz="1500" dirty="0" err="1"/>
+                        <a:t>diện,bảng</a:t>
+                      </a:r>
+                      <a:r>
+                        <a:rPr lang="en-US" sz="1500" dirty="0"/>
+                        <a:t> </a:t>
+                      </a:r>
+                      <a:r>
+                        <a:rPr lang="en-US" sz="1500" dirty="0" err="1"/>
                         <a:t>chức</a:t>
                       </a:r>
                       <a:r>
-                        <a:rPr lang="en-US" sz="1200" dirty="0"/>
-                        <a:t> </a:t>
-                      </a:r>
-                      <a:r>
-                        <a:rPr lang="en-US" sz="1200" dirty="0" err="1"/>
+                        <a:rPr lang="en-US" sz="1500" dirty="0"/>
+                        <a:t> </a:t>
+                      </a:r>
+                      <a:r>
+                        <a:rPr lang="en-US" sz="1500" dirty="0" err="1"/>
                         <a:t>năng</a:t>
                       </a:r>
                       <a:r>
-                        <a:rPr lang="en-US" sz="1200" dirty="0"/>
-                        <a:t> </a:t>
-                      </a:r>
-                      <a:r>
-                        <a:rPr lang="en-US" sz="1200" dirty="0" err="1"/>
+                        <a:rPr lang="en-US" sz="1500" dirty="0"/>
+                        <a:t> </a:t>
+                      </a:r>
+                      <a:r>
+                        <a:rPr lang="en-US" sz="1500" dirty="0" err="1"/>
                         <a:t>xử</a:t>
                       </a:r>
                       <a:r>
-                        <a:rPr lang="en-US" sz="1200" dirty="0"/>
-                        <a:t> </a:t>
-                      </a:r>
-                      <a:r>
-                        <a:rPr lang="en-US" sz="1200" dirty="0" err="1"/>
+                        <a:rPr lang="en-US" sz="1500" dirty="0"/>
+                        <a:t> </a:t>
+                      </a:r>
+                      <a:r>
+                        <a:rPr lang="en-US" sz="1500" dirty="0" err="1"/>
                         <a:t>lý</a:t>
                       </a:r>
                       <a:r>
-                        <a:rPr lang="en-US" sz="1200" dirty="0"/>
-                        <a:t> </a:t>
-                      </a:r>
-                      <a:r>
-                        <a:rPr lang="en-US" sz="1200" dirty="0" err="1"/>
+                        <a:rPr lang="en-US" sz="1500" dirty="0"/>
+                        <a:t> </a:t>
+                      </a:r>
+                      <a:r>
+                        <a:rPr lang="en-US" sz="1500" dirty="0" err="1"/>
                         <a:t>giao</a:t>
                       </a:r>
                       <a:r>
-                        <a:rPr lang="en-US" sz="1200" dirty="0"/>
-                        <a:t> </a:t>
-                      </a:r>
-                      <a:r>
-                        <a:rPr lang="en-US" sz="1200" dirty="0" err="1"/>
-                        <a:t>diên,bảng</a:t>
-                      </a:r>
-                      <a:r>
-                        <a:rPr lang="en-US" sz="1200" dirty="0"/>
-                        <a:t> </a:t>
-                      </a:r>
-                      <a:r>
-                        <a:rPr lang="en-US" sz="1200" dirty="0" err="1"/>
+                        <a:rPr lang="en-US" sz="1500" dirty="0"/>
+                        <a:t> </a:t>
+                      </a:r>
+                      <a:r>
+                        <a:rPr lang="en-US" sz="1500" dirty="0" err="1"/>
+                        <a:t>diện,bảng</a:t>
+                      </a:r>
+                      <a:r>
+                        <a:rPr lang="en-US" sz="1500" dirty="0"/>
+                        <a:t> </a:t>
+                      </a:r>
+                      <a:r>
+                        <a:rPr lang="en-US" sz="1500" dirty="0" err="1"/>
                         <a:t>mô</a:t>
                       </a:r>
                       <a:r>
-                        <a:rPr lang="en-US" sz="1200" dirty="0"/>
-                        <a:t> </a:t>
-                      </a:r>
-                      <a:r>
-                        <a:rPr lang="en-US" sz="1200" dirty="0" err="1"/>
+                        <a:rPr lang="en-US" sz="1500" dirty="0"/>
+                        <a:t> </a:t>
+                      </a:r>
+                      <a:r>
+                        <a:rPr lang="en-US" sz="1500" dirty="0" err="1"/>
                         <a:t>tả</a:t>
                       </a:r>
                       <a:r>
-                        <a:rPr lang="en-US" sz="1200" dirty="0"/>
-                        <a:t> </a:t>
-                      </a:r>
-                      <a:r>
-                        <a:rPr lang="en-US" sz="1200" dirty="0" err="1"/>
+                        <a:rPr lang="en-US" sz="1500" dirty="0"/>
+                        <a:t> </a:t>
+                      </a:r>
+                      <a:r>
+                        <a:rPr lang="en-US" sz="1500" dirty="0" err="1"/>
                         <a:t>xử</a:t>
                       </a:r>
                       <a:r>
-                        <a:rPr lang="en-US" sz="1200" dirty="0"/>
-                        <a:t> </a:t>
-                      </a:r>
-                      <a:r>
-                        <a:rPr lang="en-US" sz="1200" dirty="0" err="1"/>
+                        <a:rPr lang="en-US" sz="1500" dirty="0"/>
+                        <a:t> </a:t>
+                      </a:r>
+                      <a:r>
+                        <a:rPr lang="en-US" sz="1500" dirty="0" err="1"/>
                         <a:t>lý</a:t>
                       </a:r>
                       <a:r>
-                        <a:rPr lang="en-US" sz="1200" dirty="0"/>
-                        <a:t> </a:t>
-                      </a:r>
-                      <a:r>
-                        <a:rPr lang="en-US" sz="1200" dirty="0" err="1"/>
+                        <a:rPr lang="en-US" sz="1500" dirty="0"/>
+                        <a:t> </a:t>
+                      </a:r>
+                      <a:r>
+                        <a:rPr lang="en-US" sz="1500" dirty="0" err="1"/>
                         <a:t>dữ</a:t>
                       </a:r>
                       <a:r>
-                        <a:rPr lang="en-US" sz="1200" dirty="0"/>
-                        <a:t> </a:t>
-                      </a:r>
-                      <a:r>
-                        <a:rPr lang="en-US" sz="1200" dirty="0" err="1"/>
+                        <a:rPr lang="en-US" sz="1500" dirty="0"/>
+                        <a:t> </a:t>
+                      </a:r>
+                      <a:r>
+                        <a:rPr lang="en-US" sz="1500" dirty="0" err="1"/>
                         <a:t>liệu</a:t>
                       </a:r>
                       <a:r>
-                        <a:rPr lang="en-US" sz="1200" dirty="0"/>
-                        <a:t> </a:t>
-                      </a:r>
-                      <a:r>
-                        <a:rPr lang="en-US" sz="1200" dirty="0" err="1"/>
+                        <a:rPr lang="en-US" sz="1500" dirty="0"/>
+                        <a:t> </a:t>
+                      </a:r>
+                      <a:r>
+                        <a:rPr lang="en-US" sz="1500" dirty="0" err="1"/>
                         <a:t>cho</a:t>
                       </a:r>
                       <a:r>
-                        <a:rPr lang="en-US" sz="1200" dirty="0"/>
-                        <a:t> </a:t>
-                      </a:r>
-                      <a:r>
-                        <a:rPr lang="en-US" sz="1200" dirty="0" err="1"/>
+                        <a:rPr lang="en-US" sz="1500" dirty="0"/>
+                        <a:t> </a:t>
+                      </a:r>
+                      <a:r>
+                        <a:rPr lang="en-US" sz="1500" dirty="0" err="1"/>
                         <a:t>chức</a:t>
                       </a:r>
                       <a:r>
-                        <a:rPr lang="en-US" sz="1200" dirty="0"/>
-                        <a:t> </a:t>
-                      </a:r>
-                      <a:r>
-                        <a:rPr lang="en-US" sz="1200" dirty="0" err="1"/>
+                        <a:rPr lang="en-US" sz="1500" dirty="0"/>
+                        <a:t> </a:t>
+                      </a:r>
+                      <a:r>
+                        <a:rPr lang="en-US" sz="1500" dirty="0" err="1"/>
                         <a:t>năng</a:t>
                       </a:r>
                       <a:r>
-                        <a:rPr lang="en-US" sz="1200" dirty="0"/>
-                        <a:t> </a:t>
-                      </a:r>
-                      <a:r>
-                        <a:rPr lang="en-US" sz="1200" dirty="0" err="1"/>
+                        <a:rPr lang="en-US" sz="1500" dirty="0"/>
+                        <a:t> </a:t>
+                      </a:r>
+                      <a:r>
+                        <a:rPr lang="en-US" sz="1500" dirty="0" err="1"/>
                         <a:t>quản</a:t>
                       </a:r>
                       <a:r>
-                        <a:rPr lang="en-US" sz="1200" dirty="0"/>
-                        <a:t> </a:t>
-                      </a:r>
-                      <a:r>
-                        <a:rPr lang="en-US" sz="1200" dirty="0" err="1"/>
+                        <a:rPr lang="en-US" sz="1500" dirty="0"/>
+                        <a:t> </a:t>
+                      </a:r>
+                      <a:r>
+                        <a:rPr lang="en-US" sz="1500" dirty="0" err="1"/>
                         <a:t>lý</a:t>
                       </a:r>
                       <a:r>
-                        <a:rPr lang="en-US" sz="1200" dirty="0"/>
-                        <a:t> </a:t>
-                      </a:r>
-                      <a:r>
-                        <a:rPr lang="en-US" sz="1200" dirty="0" err="1"/>
+                        <a:rPr lang="en-US" sz="1500" dirty="0"/>
+                        <a:t> </a:t>
+                      </a:r>
+                      <a:r>
+                        <a:rPr lang="en-US" sz="1500" dirty="0" err="1"/>
                         <a:t>bán</a:t>
                       </a:r>
                       <a:r>
-                        <a:rPr lang="en-US" sz="1200" dirty="0"/>
-                        <a:t> </a:t>
-                      </a:r>
-                      <a:r>
-                        <a:rPr lang="en-US" sz="1200" dirty="0" err="1"/>
+                        <a:rPr lang="en-US" sz="1500" dirty="0"/>
+                        <a:t> </a:t>
+                      </a:r>
+                      <a:r>
+                        <a:rPr lang="en-US" sz="1500" dirty="0" err="1"/>
                         <a:t>hàng</a:t>
                       </a:r>
                       <a:r>
-                        <a:rPr lang="en-US" sz="1200" dirty="0"/>
-                        <a:t> </a:t>
-                      </a:r>
-                      <a:r>
-                        <a:rPr lang="en-US" sz="1200" dirty="0" err="1"/>
+                        <a:rPr lang="en-US" sz="1500" dirty="0"/>
+                        <a:t> </a:t>
+                      </a:r>
+                      <a:r>
+                        <a:rPr lang="en-US" sz="1500" dirty="0" err="1"/>
                         <a:t>và</a:t>
                       </a:r>
                       <a:r>
-                        <a:rPr lang="en-US" sz="1200" dirty="0"/>
-                        <a:t> </a:t>
-                      </a:r>
-                      <a:r>
-                        <a:rPr lang="en-US" sz="1200" dirty="0" err="1"/>
+                        <a:rPr lang="en-US" sz="1500" dirty="0"/>
+                        <a:t> </a:t>
+                      </a:r>
+                      <a:r>
+                        <a:rPr lang="en-US" sz="1500" dirty="0" err="1"/>
                         <a:t>đăng</a:t>
                       </a:r>
                       <a:r>
-                        <a:rPr lang="en-US" sz="1200" dirty="0"/>
-                        <a:t> </a:t>
-                      </a:r>
-                      <a:r>
-                        <a:rPr lang="en-US" sz="1200" dirty="0" err="1"/>
+                        <a:rPr lang="en-US" sz="1500" dirty="0"/>
+                        <a:t> </a:t>
+                      </a:r>
+                      <a:r>
+                        <a:rPr lang="en-US" sz="1500" dirty="0" err="1"/>
                         <a:t>nhập</a:t>
                       </a:r>
-                      <a:endParaRPr lang="en-US" sz="1200" dirty="0"/>
+                      <a:endParaRPr lang="en-US" sz="1500" dirty="0"/>
                     </a:p>
                   </a:txBody>
                   <a:tcPr/>
@@ -17849,7 +18062,7 @@
                     <a:lstStyle/>
                     <a:p>
                       <a:r>
-                        <a:rPr lang="en-US" sz="1200" dirty="0"/>
+                        <a:rPr lang="en-US" sz="1500" dirty="0"/>
                         <a:t>4</a:t>
                       </a:r>
                     </a:p>
@@ -17862,7 +18075,7 @@
                     <a:lstStyle/>
                     <a:p>
                       <a:r>
-                        <a:rPr lang="en-US" sz="1200" dirty="0"/>
+                        <a:rPr lang="en-US" sz="1500" dirty="0"/>
                         <a:t>3118411023</a:t>
                       </a:r>
                     </a:p>
@@ -17875,7 +18088,7 @@
                     <a:lstStyle/>
                     <a:p>
                       <a:r>
-                        <a:rPr lang="en-US" sz="1200" dirty="0"/>
+                        <a:rPr lang="en-US" sz="1500" dirty="0"/>
                         <a:t>Lê Quang Sang</a:t>
                       </a:r>
                     </a:p>
@@ -17888,226 +18101,226 @@
                     <a:lstStyle/>
                     <a:p>
                       <a:r>
-                        <a:rPr lang="en-US" sz="1200" dirty="0" err="1"/>
+                        <a:rPr lang="en-US" sz="1500" dirty="0" err="1"/>
                         <a:t>Vẽ</a:t>
                       </a:r>
                       <a:r>
-                        <a:rPr lang="en-US" sz="1200" dirty="0"/>
-                        <a:t> </a:t>
-                      </a:r>
-                      <a:r>
-                        <a:rPr lang="en-US" sz="1200" dirty="0" err="1"/>
+                        <a:rPr lang="en-US" sz="1500" dirty="0"/>
+                        <a:t> </a:t>
+                      </a:r>
+                      <a:r>
+                        <a:rPr lang="en-US" sz="1500" dirty="0" err="1"/>
                         <a:t>giao</a:t>
                       </a:r>
                       <a:r>
-                        <a:rPr lang="en-US" sz="1200" dirty="0"/>
-                        <a:t> </a:t>
-                      </a:r>
-                      <a:r>
-                        <a:rPr lang="en-US" sz="1200" dirty="0" err="1"/>
-                        <a:t>diên,bảng</a:t>
-                      </a:r>
-                      <a:r>
-                        <a:rPr lang="en-US" sz="1200" dirty="0"/>
-                        <a:t> </a:t>
-                      </a:r>
-                      <a:r>
-                        <a:rPr lang="en-US" sz="1200" dirty="0" err="1"/>
+                        <a:rPr lang="en-US" sz="1500" dirty="0"/>
+                        <a:t> </a:t>
+                      </a:r>
+                      <a:r>
+                        <a:rPr lang="en-US" sz="1500" dirty="0" err="1"/>
+                        <a:t>diện,bảng</a:t>
+                      </a:r>
+                      <a:r>
+                        <a:rPr lang="en-US" sz="1500" dirty="0"/>
+                        <a:t> </a:t>
+                      </a:r>
+                      <a:r>
+                        <a:rPr lang="en-US" sz="1500" dirty="0" err="1"/>
                         <a:t>chức</a:t>
                       </a:r>
                       <a:r>
-                        <a:rPr lang="en-US" sz="1200" dirty="0"/>
-                        <a:t> </a:t>
-                      </a:r>
-                      <a:r>
-                        <a:rPr lang="en-US" sz="1200" dirty="0" err="1"/>
+                        <a:rPr lang="en-US" sz="1500" dirty="0"/>
+                        <a:t> </a:t>
+                      </a:r>
+                      <a:r>
+                        <a:rPr lang="en-US" sz="1500" dirty="0" err="1"/>
                         <a:t>năng</a:t>
                       </a:r>
                       <a:r>
-                        <a:rPr lang="en-US" sz="1200" dirty="0"/>
-                        <a:t> </a:t>
-                      </a:r>
-                      <a:r>
-                        <a:rPr lang="en-US" sz="1200" dirty="0" err="1"/>
+                        <a:rPr lang="en-US" sz="1500" dirty="0"/>
+                        <a:t> </a:t>
+                      </a:r>
+                      <a:r>
+                        <a:rPr lang="en-US" sz="1500" dirty="0" err="1"/>
                         <a:t>xử</a:t>
                       </a:r>
                       <a:r>
-                        <a:rPr lang="en-US" sz="1200" dirty="0"/>
-                        <a:t> </a:t>
-                      </a:r>
-                      <a:r>
-                        <a:rPr lang="en-US" sz="1200" dirty="0" err="1"/>
+                        <a:rPr lang="en-US" sz="1500" dirty="0"/>
+                        <a:t> </a:t>
+                      </a:r>
+                      <a:r>
+                        <a:rPr lang="en-US" sz="1500" dirty="0" err="1"/>
                         <a:t>lý</a:t>
                       </a:r>
                       <a:r>
-                        <a:rPr lang="en-US" sz="1200" dirty="0"/>
-                        <a:t> </a:t>
-                      </a:r>
-                      <a:r>
-                        <a:rPr lang="en-US" sz="1200" dirty="0" err="1"/>
+                        <a:rPr lang="en-US" sz="1500" dirty="0"/>
+                        <a:t> </a:t>
+                      </a:r>
+                      <a:r>
+                        <a:rPr lang="en-US" sz="1500" dirty="0" err="1"/>
                         <a:t>giao</a:t>
                       </a:r>
                       <a:r>
-                        <a:rPr lang="en-US" sz="1200" dirty="0"/>
-                        <a:t> </a:t>
-                      </a:r>
-                      <a:r>
-                        <a:rPr lang="en-US" sz="1200" dirty="0" err="1"/>
-                        <a:t>diên,bảng</a:t>
-                      </a:r>
-                      <a:r>
-                        <a:rPr lang="en-US" sz="1200" dirty="0"/>
-                        <a:t> </a:t>
-                      </a:r>
-                      <a:r>
-                        <a:rPr lang="en-US" sz="1200" dirty="0" err="1"/>
+                        <a:rPr lang="en-US" sz="1500" dirty="0"/>
+                        <a:t> </a:t>
+                      </a:r>
+                      <a:r>
+                        <a:rPr lang="en-US" sz="1500" dirty="0" err="1"/>
+                        <a:t>diện,bảng</a:t>
+                      </a:r>
+                      <a:r>
+                        <a:rPr lang="en-US" sz="1500" dirty="0"/>
+                        <a:t> </a:t>
+                      </a:r>
+                      <a:r>
+                        <a:rPr lang="en-US" sz="1500" dirty="0" err="1"/>
                         <a:t>mô</a:t>
                       </a:r>
                       <a:r>
-                        <a:rPr lang="en-US" sz="1200" dirty="0"/>
-                        <a:t> </a:t>
-                      </a:r>
-                      <a:r>
-                        <a:rPr lang="en-US" sz="1200" dirty="0" err="1"/>
+                        <a:rPr lang="en-US" sz="1500" dirty="0"/>
+                        <a:t> </a:t>
+                      </a:r>
+                      <a:r>
+                        <a:rPr lang="en-US" sz="1500" dirty="0" err="1"/>
                         <a:t>tả</a:t>
                       </a:r>
                       <a:r>
-                        <a:rPr lang="en-US" sz="1200" dirty="0"/>
-                        <a:t> </a:t>
-                      </a:r>
-                      <a:r>
-                        <a:rPr lang="en-US" sz="1200" dirty="0" err="1"/>
+                        <a:rPr lang="en-US" sz="1500" dirty="0"/>
+                        <a:t> </a:t>
+                      </a:r>
+                      <a:r>
+                        <a:rPr lang="en-US" sz="1500" dirty="0" err="1"/>
                         <a:t>xử</a:t>
                       </a:r>
                       <a:r>
-                        <a:rPr lang="en-US" sz="1200" dirty="0"/>
-                        <a:t> </a:t>
-                      </a:r>
-                      <a:r>
-                        <a:rPr lang="en-US" sz="1200" dirty="0" err="1"/>
+                        <a:rPr lang="en-US" sz="1500" dirty="0"/>
+                        <a:t> </a:t>
+                      </a:r>
+                      <a:r>
+                        <a:rPr lang="en-US" sz="1500" dirty="0" err="1"/>
                         <a:t>lý</a:t>
                       </a:r>
                       <a:r>
-                        <a:rPr lang="en-US" sz="1200" dirty="0"/>
-                        <a:t> </a:t>
-                      </a:r>
-                      <a:r>
-                        <a:rPr lang="en-US" sz="1200" dirty="0" err="1"/>
+                        <a:rPr lang="en-US" sz="1500" dirty="0"/>
+                        <a:t> </a:t>
+                      </a:r>
+                      <a:r>
+                        <a:rPr lang="en-US" sz="1500" dirty="0" err="1"/>
                         <a:t>dữ</a:t>
                       </a:r>
                       <a:r>
-                        <a:rPr lang="en-US" sz="1200" dirty="0"/>
-                        <a:t> </a:t>
-                      </a:r>
-                      <a:r>
-                        <a:rPr lang="en-US" sz="1200" dirty="0" err="1"/>
+                        <a:rPr lang="en-US" sz="1500" dirty="0"/>
+                        <a:t> </a:t>
+                      </a:r>
+                      <a:r>
+                        <a:rPr lang="en-US" sz="1500" dirty="0" err="1"/>
                         <a:t>liệu</a:t>
                       </a:r>
                       <a:r>
-                        <a:rPr lang="en-US" sz="1200" dirty="0"/>
-                        <a:t> </a:t>
-                      </a:r>
-                      <a:r>
-                        <a:rPr lang="en-US" sz="1200" dirty="0" err="1"/>
+                        <a:rPr lang="en-US" sz="1500" dirty="0"/>
+                        <a:t> </a:t>
+                      </a:r>
+                      <a:r>
+                        <a:rPr lang="en-US" sz="1500" dirty="0" err="1"/>
                         <a:t>cho</a:t>
                       </a:r>
                       <a:r>
-                        <a:rPr lang="en-US" sz="1200" dirty="0"/>
-                        <a:t> </a:t>
-                      </a:r>
-                      <a:r>
-                        <a:rPr lang="en-US" sz="1200" dirty="0" err="1"/>
+                        <a:rPr lang="en-US" sz="1500" dirty="0"/>
+                        <a:t> </a:t>
+                      </a:r>
+                      <a:r>
+                        <a:rPr lang="en-US" sz="1500" dirty="0" err="1"/>
                         <a:t>chức</a:t>
                       </a:r>
                       <a:r>
-                        <a:rPr lang="en-US" sz="1200" dirty="0"/>
-                        <a:t> </a:t>
-                      </a:r>
-                      <a:r>
-                        <a:rPr lang="en-US" sz="1200" dirty="0" err="1"/>
+                        <a:rPr lang="en-US" sz="1500" dirty="0"/>
+                        <a:t> </a:t>
+                      </a:r>
+                      <a:r>
+                        <a:rPr lang="en-US" sz="1500" dirty="0" err="1"/>
                         <a:t>năng</a:t>
                       </a:r>
                       <a:r>
-                        <a:rPr lang="en-US" sz="1200" dirty="0"/>
-                        <a:t> </a:t>
-                      </a:r>
-                      <a:r>
-                        <a:rPr lang="en-US" sz="1200" dirty="0" err="1"/>
+                        <a:rPr lang="en-US" sz="1500" dirty="0"/>
+                        <a:t> </a:t>
+                      </a:r>
+                      <a:r>
+                        <a:rPr lang="en-US" sz="1500" dirty="0" err="1"/>
                         <a:t>quản</a:t>
                       </a:r>
                       <a:r>
-                        <a:rPr lang="en-US" sz="1200" dirty="0"/>
-                        <a:t> </a:t>
-                      </a:r>
-                      <a:r>
-                        <a:rPr lang="en-US" sz="1200" dirty="0" err="1"/>
+                        <a:rPr lang="en-US" sz="1500" dirty="0"/>
+                        <a:t> </a:t>
+                      </a:r>
+                      <a:r>
+                        <a:rPr lang="en-US" sz="1500" dirty="0" err="1"/>
                         <a:t>lý</a:t>
                       </a:r>
                       <a:r>
-                        <a:rPr lang="en-US" sz="1200" dirty="0"/>
-                        <a:t> </a:t>
-                      </a:r>
-                      <a:r>
-                        <a:rPr lang="en-US" sz="1200" dirty="0" err="1"/>
+                        <a:rPr lang="en-US" sz="1500" dirty="0"/>
+                        <a:t> </a:t>
+                      </a:r>
+                      <a:r>
+                        <a:rPr lang="en-US" sz="1500" dirty="0" err="1"/>
                         <a:t>nhà</a:t>
                       </a:r>
                       <a:r>
-                        <a:rPr lang="en-US" sz="1200" dirty="0"/>
-                        <a:t> </a:t>
-                      </a:r>
-                      <a:r>
-                        <a:rPr lang="en-US" sz="1200" dirty="0" err="1"/>
+                        <a:rPr lang="en-US" sz="1500" dirty="0"/>
+                        <a:t> </a:t>
+                      </a:r>
+                      <a:r>
+                        <a:rPr lang="en-US" sz="1500" dirty="0" err="1"/>
                         <a:t>cung</a:t>
                       </a:r>
                       <a:r>
-                        <a:rPr lang="en-US" sz="1200" dirty="0"/>
-                        <a:t> </a:t>
-                      </a:r>
-                      <a:r>
-                        <a:rPr lang="en-US" sz="1200" dirty="0" err="1"/>
+                        <a:rPr lang="en-US" sz="1500" dirty="0"/>
+                        <a:t> </a:t>
+                      </a:r>
+                      <a:r>
+                        <a:rPr lang="en-US" sz="1500" dirty="0" err="1"/>
                         <a:t>cấp</a:t>
                       </a:r>
                       <a:r>
-                        <a:rPr lang="en-US" sz="1200" dirty="0"/>
-                        <a:t> </a:t>
-                      </a:r>
-                      <a:r>
-                        <a:rPr lang="en-US" sz="1200" dirty="0" err="1"/>
+                        <a:rPr lang="en-US" sz="1500" dirty="0"/>
+                        <a:t> </a:t>
+                      </a:r>
+                      <a:r>
+                        <a:rPr lang="en-US" sz="1500" dirty="0" err="1"/>
                         <a:t>và</a:t>
                       </a:r>
                       <a:r>
-                        <a:rPr lang="en-US" sz="1200" dirty="0"/>
-                        <a:t> </a:t>
-                      </a:r>
-                      <a:r>
-                        <a:rPr lang="en-US" sz="1200" dirty="0" err="1"/>
+                        <a:rPr lang="en-US" sz="1500" dirty="0"/>
+                        <a:t> </a:t>
+                      </a:r>
+                      <a:r>
+                        <a:rPr lang="en-US" sz="1500" dirty="0" err="1"/>
                         <a:t>quản</a:t>
                       </a:r>
                       <a:r>
-                        <a:rPr lang="en-US" sz="1200" dirty="0"/>
-                        <a:t> </a:t>
-                      </a:r>
-                      <a:r>
-                        <a:rPr lang="en-US" sz="1200" dirty="0" err="1"/>
+                        <a:rPr lang="en-US" sz="1500" dirty="0"/>
+                        <a:t> </a:t>
+                      </a:r>
+                      <a:r>
+                        <a:rPr lang="en-US" sz="1500" dirty="0" err="1"/>
                         <a:t>lý</a:t>
                       </a:r>
                       <a:r>
-                        <a:rPr lang="en-US" sz="1200" dirty="0"/>
-                        <a:t> </a:t>
-                      </a:r>
-                      <a:r>
-                        <a:rPr lang="en-US" sz="1200" dirty="0" err="1"/>
+                        <a:rPr lang="en-US" sz="1500" dirty="0"/>
+                        <a:t> </a:t>
+                      </a:r>
+                      <a:r>
+                        <a:rPr lang="en-US" sz="1500" dirty="0" err="1"/>
                         <a:t>sản</a:t>
                       </a:r>
                       <a:r>
-                        <a:rPr lang="en-US" sz="1200" dirty="0"/>
-                        <a:t> </a:t>
-                      </a:r>
-                      <a:r>
-                        <a:rPr lang="en-US" sz="1200" dirty="0" err="1"/>
+                        <a:rPr lang="en-US" sz="1500" dirty="0"/>
+                        <a:t> </a:t>
+                      </a:r>
+                      <a:r>
+                        <a:rPr lang="en-US" sz="1500" dirty="0" err="1"/>
                         <a:t>phẩm</a:t>
                       </a:r>
-                      <a:endParaRPr lang="en-US" sz="1200" dirty="0"/>
+                      <a:endParaRPr lang="en-US" sz="1500" dirty="0"/>
                     </a:p>
                   </a:txBody>
                   <a:tcPr/>
@@ -18125,7 +18338,7 @@
                     <a:lstStyle/>
                     <a:p>
                       <a:r>
-                        <a:rPr lang="en-US" sz="1200" dirty="0"/>
+                        <a:rPr lang="en-US" sz="1500" dirty="0"/>
                         <a:t>5</a:t>
                       </a:r>
                     </a:p>
@@ -18138,7 +18351,7 @@
                     <a:lstStyle/>
                     <a:p>
                       <a:r>
-                        <a:rPr lang="en-US" sz="1200" b="0" i="0" kern="1200" dirty="0">
+                        <a:rPr lang="en-US" sz="1500" b="0" i="0" kern="1200" dirty="0">
                           <a:solidFill>
                             <a:schemeClr val="dk1"/>
                           </a:solidFill>
@@ -18149,7 +18362,7 @@
                         </a:rPr>
                         <a:t>3118411028</a:t>
                       </a:r>
-                      <a:endParaRPr lang="en-US" sz="1200" dirty="0"/>
+                      <a:endParaRPr lang="en-US" sz="1500" dirty="0"/>
                     </a:p>
                   </a:txBody>
                   <a:tcPr/>
@@ -18160,18 +18373,18 @@
                     <a:lstStyle/>
                     <a:p>
                       <a:r>
-                        <a:rPr lang="en-US" sz="1200" dirty="0" err="1"/>
+                        <a:rPr lang="en-US" sz="1500" dirty="0" err="1"/>
                         <a:t>Hồng</a:t>
                       </a:r>
                       <a:r>
-                        <a:rPr lang="en-US" sz="1200" dirty="0"/>
-                        <a:t> </a:t>
-                      </a:r>
-                      <a:r>
-                        <a:rPr lang="en-US" sz="1200" dirty="0" err="1"/>
+                        <a:rPr lang="en-US" sz="1500" dirty="0"/>
+                        <a:t> </a:t>
+                      </a:r>
+                      <a:r>
+                        <a:rPr lang="en-US" sz="1500" dirty="0" err="1"/>
                         <a:t>Thái</a:t>
                       </a:r>
-                      <a:endParaRPr lang="en-US" sz="1200" dirty="0"/>
+                      <a:endParaRPr lang="en-US" sz="1500" dirty="0"/>
                     </a:p>
                   </a:txBody>
                   <a:tcPr/>
@@ -18182,194 +18395,194 @@
                     <a:lstStyle/>
                     <a:p>
                       <a:r>
-                        <a:rPr lang="en-US" sz="1200" dirty="0" err="1"/>
+                        <a:rPr lang="en-US" sz="1500" dirty="0" err="1"/>
                         <a:t>Vẽ</a:t>
                       </a:r>
                       <a:r>
-                        <a:rPr lang="en-US" sz="1200" dirty="0"/>
-                        <a:t> </a:t>
-                      </a:r>
-                      <a:r>
-                        <a:rPr lang="en-US" sz="1200" dirty="0" err="1"/>
+                        <a:rPr lang="en-US" sz="1500" dirty="0"/>
+                        <a:t> </a:t>
+                      </a:r>
+                      <a:r>
+                        <a:rPr lang="en-US" sz="1500" dirty="0" err="1"/>
                         <a:t>giao</a:t>
                       </a:r>
                       <a:r>
-                        <a:rPr lang="en-US" sz="1200" dirty="0"/>
-                        <a:t> </a:t>
-                      </a:r>
-                      <a:r>
-                        <a:rPr lang="en-US" sz="1200" dirty="0" err="1"/>
-                        <a:t>diên,bảng</a:t>
-                      </a:r>
-                      <a:r>
-                        <a:rPr lang="en-US" sz="1200" dirty="0"/>
-                        <a:t> </a:t>
-                      </a:r>
-                      <a:r>
-                        <a:rPr lang="en-US" sz="1200" dirty="0" err="1"/>
+                        <a:rPr lang="en-US" sz="1500" dirty="0"/>
+                        <a:t> </a:t>
+                      </a:r>
+                      <a:r>
+                        <a:rPr lang="en-US" sz="1500" dirty="0" err="1"/>
+                        <a:t>diện,bảng</a:t>
+                      </a:r>
+                      <a:r>
+                        <a:rPr lang="en-US" sz="1500" dirty="0"/>
+                        <a:t> </a:t>
+                      </a:r>
+                      <a:r>
+                        <a:rPr lang="en-US" sz="1500" dirty="0" err="1"/>
                         <a:t>chức</a:t>
                       </a:r>
                       <a:r>
-                        <a:rPr lang="en-US" sz="1200" dirty="0"/>
-                        <a:t> </a:t>
-                      </a:r>
-                      <a:r>
-                        <a:rPr lang="en-US" sz="1200" dirty="0" err="1"/>
+                        <a:rPr lang="en-US" sz="1500" dirty="0"/>
+                        <a:t> </a:t>
+                      </a:r>
+                      <a:r>
+                        <a:rPr lang="en-US" sz="1500" dirty="0" err="1"/>
                         <a:t>năng</a:t>
                       </a:r>
                       <a:r>
-                        <a:rPr lang="en-US" sz="1200" dirty="0"/>
-                        <a:t> </a:t>
-                      </a:r>
-                      <a:r>
-                        <a:rPr lang="en-US" sz="1200" dirty="0" err="1"/>
+                        <a:rPr lang="en-US" sz="1500" dirty="0"/>
+                        <a:t> </a:t>
+                      </a:r>
+                      <a:r>
+                        <a:rPr lang="en-US" sz="1500" dirty="0" err="1"/>
                         <a:t>xử</a:t>
                       </a:r>
                       <a:r>
-                        <a:rPr lang="en-US" sz="1200" dirty="0"/>
-                        <a:t> </a:t>
-                      </a:r>
-                      <a:r>
-                        <a:rPr lang="en-US" sz="1200" dirty="0" err="1"/>
+                        <a:rPr lang="en-US" sz="1500" dirty="0"/>
+                        <a:t> </a:t>
+                      </a:r>
+                      <a:r>
+                        <a:rPr lang="en-US" sz="1500" dirty="0" err="1"/>
                         <a:t>lý</a:t>
                       </a:r>
                       <a:r>
-                        <a:rPr lang="en-US" sz="1200" dirty="0"/>
-                        <a:t> </a:t>
-                      </a:r>
-                      <a:r>
-                        <a:rPr lang="en-US" sz="1200" dirty="0" err="1"/>
+                        <a:rPr lang="en-US" sz="1500" dirty="0"/>
+                        <a:t> </a:t>
+                      </a:r>
+                      <a:r>
+                        <a:rPr lang="en-US" sz="1500" dirty="0" err="1"/>
                         <a:t>giao</a:t>
                       </a:r>
                       <a:r>
-                        <a:rPr lang="en-US" sz="1200" dirty="0"/>
-                        <a:t> </a:t>
-                      </a:r>
-                      <a:r>
-                        <a:rPr lang="en-US" sz="1200" dirty="0" err="1"/>
-                        <a:t>diên,bảng</a:t>
-                      </a:r>
-                      <a:r>
-                        <a:rPr lang="en-US" sz="1200" dirty="0"/>
-                        <a:t> </a:t>
-                      </a:r>
-                      <a:r>
-                        <a:rPr lang="en-US" sz="1200" dirty="0" err="1"/>
+                        <a:rPr lang="en-US" sz="1500" dirty="0"/>
+                        <a:t> </a:t>
+                      </a:r>
+                      <a:r>
+                        <a:rPr lang="en-US" sz="1500" dirty="0" err="1"/>
+                        <a:t>diện,bảng</a:t>
+                      </a:r>
+                      <a:r>
+                        <a:rPr lang="en-US" sz="1500" dirty="0"/>
+                        <a:t> </a:t>
+                      </a:r>
+                      <a:r>
+                        <a:rPr lang="en-US" sz="1500" dirty="0" err="1"/>
                         <a:t>mô</a:t>
                       </a:r>
                       <a:r>
-                        <a:rPr lang="en-US" sz="1200" dirty="0"/>
-                        <a:t> </a:t>
-                      </a:r>
-                      <a:r>
-                        <a:rPr lang="en-US" sz="1200" dirty="0" err="1"/>
+                        <a:rPr lang="en-US" sz="1500" dirty="0"/>
+                        <a:t> </a:t>
+                      </a:r>
+                      <a:r>
+                        <a:rPr lang="en-US" sz="1500" dirty="0" err="1"/>
                         <a:t>tả</a:t>
                       </a:r>
                       <a:r>
-                        <a:rPr lang="en-US" sz="1200" dirty="0"/>
-                        <a:t> </a:t>
-                      </a:r>
-                      <a:r>
-                        <a:rPr lang="en-US" sz="1200" dirty="0" err="1"/>
+                        <a:rPr lang="en-US" sz="1500" dirty="0"/>
+                        <a:t> </a:t>
+                      </a:r>
+                      <a:r>
+                        <a:rPr lang="en-US" sz="1500" dirty="0" err="1"/>
                         <a:t>xử</a:t>
                       </a:r>
                       <a:r>
-                        <a:rPr lang="en-US" sz="1200" dirty="0"/>
-                        <a:t> </a:t>
-                      </a:r>
-                      <a:r>
-                        <a:rPr lang="en-US" sz="1200" dirty="0" err="1"/>
+                        <a:rPr lang="en-US" sz="1500" dirty="0"/>
+                        <a:t> </a:t>
+                      </a:r>
+                      <a:r>
+                        <a:rPr lang="en-US" sz="1500" dirty="0" err="1"/>
                         <a:t>lý</a:t>
                       </a:r>
                       <a:r>
-                        <a:rPr lang="en-US" sz="1200" dirty="0"/>
-                        <a:t> </a:t>
-                      </a:r>
-                      <a:r>
-                        <a:rPr lang="en-US" sz="1200" dirty="0" err="1"/>
+                        <a:rPr lang="en-US" sz="1500" dirty="0"/>
+                        <a:t> </a:t>
+                      </a:r>
+                      <a:r>
+                        <a:rPr lang="en-US" sz="1500" dirty="0" err="1"/>
                         <a:t>dữ</a:t>
                       </a:r>
                       <a:r>
-                        <a:rPr lang="en-US" sz="1200" dirty="0"/>
-                        <a:t> </a:t>
-                      </a:r>
-                      <a:r>
-                        <a:rPr lang="en-US" sz="1200" dirty="0" err="1"/>
+                        <a:rPr lang="en-US" sz="1500" dirty="0"/>
+                        <a:t> </a:t>
+                      </a:r>
+                      <a:r>
+                        <a:rPr lang="en-US" sz="1500" dirty="0" err="1"/>
                         <a:t>liệu</a:t>
                       </a:r>
                       <a:r>
-                        <a:rPr lang="en-US" sz="1200" dirty="0"/>
-                        <a:t> </a:t>
-                      </a:r>
-                      <a:r>
-                        <a:rPr lang="en-US" sz="1200" dirty="0" err="1"/>
+                        <a:rPr lang="en-US" sz="1500" dirty="0"/>
+                        <a:t> </a:t>
+                      </a:r>
+                      <a:r>
+                        <a:rPr lang="en-US" sz="1500" dirty="0" err="1"/>
                         <a:t>cho</a:t>
                       </a:r>
                       <a:r>
-                        <a:rPr lang="en-US" sz="1200" dirty="0"/>
-                        <a:t> </a:t>
-                      </a:r>
-                      <a:r>
-                        <a:rPr lang="en-US" sz="1200" dirty="0" err="1"/>
+                        <a:rPr lang="en-US" sz="1500" dirty="0"/>
+                        <a:t> </a:t>
+                      </a:r>
+                      <a:r>
+                        <a:rPr lang="en-US" sz="1500" dirty="0" err="1"/>
                         <a:t>chức</a:t>
                       </a:r>
                       <a:r>
-                        <a:rPr lang="en-US" sz="1200" dirty="0"/>
-                        <a:t> </a:t>
-                      </a:r>
-                      <a:r>
-                        <a:rPr lang="en-US" sz="1200" dirty="0" err="1"/>
+                        <a:rPr lang="en-US" sz="1500" dirty="0"/>
+                        <a:t> </a:t>
+                      </a:r>
+                      <a:r>
+                        <a:rPr lang="en-US" sz="1500" dirty="0" err="1"/>
                         <a:t>năng</a:t>
                       </a:r>
                       <a:r>
-                        <a:rPr lang="en-US" sz="1200" dirty="0"/>
-                        <a:t> </a:t>
-                      </a:r>
-                      <a:r>
-                        <a:rPr lang="en-US" sz="1200" dirty="0" err="1"/>
+                        <a:rPr lang="en-US" sz="1500" dirty="0"/>
+                        <a:t> </a:t>
+                      </a:r>
+                      <a:r>
+                        <a:rPr lang="en-US" sz="1500" dirty="0" err="1"/>
                         <a:t>thống</a:t>
                       </a:r>
                       <a:r>
-                        <a:rPr lang="en-US" sz="1200" dirty="0"/>
-                        <a:t> </a:t>
-                      </a:r>
-                      <a:r>
-                        <a:rPr lang="en-US" sz="1200" dirty="0" err="1"/>
+                        <a:rPr lang="en-US" sz="1500" dirty="0"/>
+                        <a:t> </a:t>
+                      </a:r>
+                      <a:r>
+                        <a:rPr lang="en-US" sz="1500" dirty="0" err="1"/>
                         <a:t>kế</a:t>
                       </a:r>
                       <a:r>
-                        <a:rPr lang="en-US" sz="1200" dirty="0"/>
-                        <a:t> </a:t>
-                      </a:r>
-                      <a:r>
-                        <a:rPr lang="en-US" sz="1200" dirty="0" err="1"/>
+                        <a:rPr lang="en-US" sz="1500" dirty="0"/>
+                        <a:t> </a:t>
+                      </a:r>
+                      <a:r>
+                        <a:rPr lang="en-US" sz="1500" dirty="0" err="1"/>
                         <a:t>và</a:t>
                       </a:r>
                       <a:r>
-                        <a:rPr lang="en-US" sz="1200" dirty="0"/>
-                        <a:t> </a:t>
-                      </a:r>
-                      <a:r>
-                        <a:rPr lang="en-US" sz="1200" dirty="0" err="1"/>
+                        <a:rPr lang="en-US" sz="1500" dirty="0"/>
+                        <a:t> </a:t>
+                      </a:r>
+                      <a:r>
+                        <a:rPr lang="en-US" sz="1500" dirty="0" err="1"/>
                         <a:t>quản</a:t>
                       </a:r>
                       <a:r>
-                        <a:rPr lang="en-US" sz="1200" dirty="0"/>
-                        <a:t> </a:t>
-                      </a:r>
-                      <a:r>
-                        <a:rPr lang="en-US" sz="1200" dirty="0" err="1"/>
+                        <a:rPr lang="en-US" sz="1500" dirty="0"/>
+                        <a:t> </a:t>
+                      </a:r>
+                      <a:r>
+                        <a:rPr lang="en-US" sz="1500" dirty="0" err="1"/>
                         <a:t>lý</a:t>
                       </a:r>
                       <a:r>
-                        <a:rPr lang="en-US" sz="1200" dirty="0"/>
-                        <a:t> </a:t>
-                      </a:r>
-                      <a:r>
-                        <a:rPr lang="en-US" sz="1200" dirty="0" err="1"/>
+                        <a:rPr lang="en-US" sz="1500" dirty="0"/>
+                        <a:t> </a:t>
+                      </a:r>
+                      <a:r>
+                        <a:rPr lang="en-US" sz="1500" dirty="0" err="1"/>
                         <a:t>kho</a:t>
                       </a:r>
-                      <a:endParaRPr lang="en-US" sz="1200" dirty="0"/>
+                      <a:endParaRPr lang="en-US" sz="1500" dirty="0"/>
                     </a:p>
                   </a:txBody>
                   <a:tcPr/>
